--- a/SLAM3R.pptx
+++ b/SLAM3R.pptx
@@ -5,7 +5,7 @@
     <p:sldMasterId id="2147483686" r:id="rId1"/>
   </p:sldMasterIdLst>
   <p:notesMasterIdLst>
-    <p:notesMasterId r:id="rId12"/>
+    <p:notesMasterId r:id="rId21"/>
   </p:notesMasterIdLst>
   <p:sldIdLst>
     <p:sldId id="256" r:id="rId2"/>
@@ -13,11 +13,20 @@
     <p:sldId id="259" r:id="rId4"/>
     <p:sldId id="258" r:id="rId5"/>
     <p:sldId id="260" r:id="rId6"/>
-    <p:sldId id="261" r:id="rId7"/>
-    <p:sldId id="262" r:id="rId8"/>
-    <p:sldId id="263" r:id="rId9"/>
-    <p:sldId id="264" r:id="rId10"/>
-    <p:sldId id="265" r:id="rId11"/>
+    <p:sldId id="262" r:id="rId7"/>
+    <p:sldId id="263" r:id="rId8"/>
+    <p:sldId id="264" r:id="rId9"/>
+    <p:sldId id="265" r:id="rId10"/>
+    <p:sldId id="266" r:id="rId11"/>
+    <p:sldId id="267" r:id="rId12"/>
+    <p:sldId id="268" r:id="rId13"/>
+    <p:sldId id="272" r:id="rId14"/>
+    <p:sldId id="269" r:id="rId15"/>
+    <p:sldId id="270" r:id="rId16"/>
+    <p:sldId id="273" r:id="rId17"/>
+    <p:sldId id="271" r:id="rId18"/>
+    <p:sldId id="274" r:id="rId19"/>
+    <p:sldId id="277" r:id="rId20"/>
   </p:sldIdLst>
   <p:sldSz cx="12192000" cy="6858000"/>
   <p:notesSz cx="6858000" cy="9144000"/>
@@ -116,6 +125,11 @@
       </a:defRPr>
     </a:lvl9pPr>
   </p:defaultTextStyle>
+  <p:extLst>
+    <p:ext uri="{EFAFB233-063F-42B5-8137-9DF3F51BA10A}">
+      <p15:sldGuideLst xmlns:p15="http://schemas.microsoft.com/office/powerpoint/2012/main"/>
+    </p:ext>
+  </p:extLst>
 </p:presentation>
 </file>
 
@@ -553,6 +567,654 @@
 </p:notes>
 </file>
 
+<file path=ppt/notesSlides/notesSlide10.xml><?xml version="1.0" encoding="utf-8"?>
+<p:notes xmlns:a="http://schemas.openxmlformats.org/drawingml/2006/main" xmlns:r="http://schemas.openxmlformats.org/officeDocument/2006/relationships" xmlns:p="http://schemas.openxmlformats.org/presentationml/2006/main">
+  <p:cSld>
+    <p:spTree>
+      <p:nvGrpSpPr>
+        <p:cNvPr id="1" name="">
+          <a:extLst>
+            <a:ext uri="{FF2B5EF4-FFF2-40B4-BE49-F238E27FC236}">
+              <a16:creationId xmlns:a16="http://schemas.microsoft.com/office/drawing/2014/main" id="{0D70D236-E22C-DF3D-072D-0F2AB201D0C1}"/>
+            </a:ext>
+          </a:extLst>
+        </p:cNvPr>
+        <p:cNvGrpSpPr/>
+        <p:nvPr/>
+      </p:nvGrpSpPr>
+      <p:grpSpPr>
+        <a:xfrm>
+          <a:off x="0" y="0"/>
+          <a:ext cx="0" cy="0"/>
+          <a:chOff x="0" y="0"/>
+          <a:chExt cx="0" cy="0"/>
+        </a:xfrm>
+      </p:grpSpPr>
+      <p:sp>
+        <p:nvSpPr>
+          <p:cNvPr id="2" name="Slide Image Placeholder 1">
+            <a:extLst>
+              <a:ext uri="{FF2B5EF4-FFF2-40B4-BE49-F238E27FC236}">
+                <a16:creationId xmlns:a16="http://schemas.microsoft.com/office/drawing/2014/main" id="{EE7AA680-29B3-33CC-207D-2F94E6D0CE2F}"/>
+              </a:ext>
+            </a:extLst>
+          </p:cNvPr>
+          <p:cNvSpPr>
+            <a:spLocks noGrp="1" noRot="1" noChangeAspect="1"/>
+          </p:cNvSpPr>
+          <p:nvPr>
+            <p:ph type="sldImg"/>
+          </p:nvPr>
+        </p:nvSpPr>
+        <p:spPr/>
+      </p:sp>
+      <p:sp>
+        <p:nvSpPr>
+          <p:cNvPr id="3" name="Notes Placeholder 2">
+            <a:extLst>
+              <a:ext uri="{FF2B5EF4-FFF2-40B4-BE49-F238E27FC236}">
+                <a16:creationId xmlns:a16="http://schemas.microsoft.com/office/drawing/2014/main" id="{F8971F2D-EB53-F2A9-B59D-566236839B5E}"/>
+              </a:ext>
+            </a:extLst>
+          </p:cNvPr>
+          <p:cNvSpPr>
+            <a:spLocks noGrp="1"/>
+          </p:cNvSpPr>
+          <p:nvPr>
+            <p:ph type="body" idx="1"/>
+          </p:nvPr>
+        </p:nvSpPr>
+        <p:spPr/>
+        <p:txBody>
+          <a:bodyPr/>
+          <a:lstStyle/>
+          <a:p>
+            <a:endParaRPr lang="en-GB" dirty="0"/>
+          </a:p>
+        </p:txBody>
+      </p:sp>
+      <p:sp>
+        <p:nvSpPr>
+          <p:cNvPr id="4" name="Slide Number Placeholder 3">
+            <a:extLst>
+              <a:ext uri="{FF2B5EF4-FFF2-40B4-BE49-F238E27FC236}">
+                <a16:creationId xmlns:a16="http://schemas.microsoft.com/office/drawing/2014/main" id="{A27AD739-7CC7-FB69-7FF1-90C1E33600F0}"/>
+              </a:ext>
+            </a:extLst>
+          </p:cNvPr>
+          <p:cNvSpPr>
+            <a:spLocks noGrp="1"/>
+          </p:cNvSpPr>
+          <p:nvPr>
+            <p:ph type="sldNum" sz="quarter" idx="5"/>
+          </p:nvPr>
+        </p:nvSpPr>
+        <p:spPr/>
+        <p:txBody>
+          <a:bodyPr/>
+          <a:lstStyle/>
+          <a:p>
+            <a:fld id="{7D0F0BAF-A7CC-42F6-BA05-9EE3374D5828}" type="slidenum">
+              <a:rPr lang="en-GB" smtClean="0"/>
+              <a:t>13</a:t>
+            </a:fld>
+            <a:endParaRPr lang="en-GB"/>
+          </a:p>
+        </p:txBody>
+      </p:sp>
+    </p:spTree>
+    <p:extLst>
+      <p:ext uri="{BB962C8B-B14F-4D97-AF65-F5344CB8AC3E}">
+        <p14:creationId xmlns:p14="http://schemas.microsoft.com/office/powerpoint/2010/main" val="189843570"/>
+      </p:ext>
+    </p:extLst>
+  </p:cSld>
+  <p:clrMapOvr>
+    <a:masterClrMapping/>
+  </p:clrMapOvr>
+</p:notes>
+</file>
+
+<file path=ppt/notesSlides/notesSlide11.xml><?xml version="1.0" encoding="utf-8"?>
+<p:notes xmlns:a="http://schemas.openxmlformats.org/drawingml/2006/main" xmlns:r="http://schemas.openxmlformats.org/officeDocument/2006/relationships" xmlns:p="http://schemas.openxmlformats.org/presentationml/2006/main">
+  <p:cSld>
+    <p:spTree>
+      <p:nvGrpSpPr>
+        <p:cNvPr id="1" name="">
+          <a:extLst>
+            <a:ext uri="{FF2B5EF4-FFF2-40B4-BE49-F238E27FC236}">
+              <a16:creationId xmlns:a16="http://schemas.microsoft.com/office/drawing/2014/main" id="{CA735C54-59A0-6AE1-656E-C05AFA91F517}"/>
+            </a:ext>
+          </a:extLst>
+        </p:cNvPr>
+        <p:cNvGrpSpPr/>
+        <p:nvPr/>
+      </p:nvGrpSpPr>
+      <p:grpSpPr>
+        <a:xfrm>
+          <a:off x="0" y="0"/>
+          <a:ext cx="0" cy="0"/>
+          <a:chOff x="0" y="0"/>
+          <a:chExt cx="0" cy="0"/>
+        </a:xfrm>
+      </p:grpSpPr>
+      <p:sp>
+        <p:nvSpPr>
+          <p:cNvPr id="2" name="Slide Image Placeholder 1">
+            <a:extLst>
+              <a:ext uri="{FF2B5EF4-FFF2-40B4-BE49-F238E27FC236}">
+                <a16:creationId xmlns:a16="http://schemas.microsoft.com/office/drawing/2014/main" id="{26656BD8-965E-7F04-8FFE-EF54D4FC13D4}"/>
+              </a:ext>
+            </a:extLst>
+          </p:cNvPr>
+          <p:cNvSpPr>
+            <a:spLocks noGrp="1" noRot="1" noChangeAspect="1"/>
+          </p:cNvSpPr>
+          <p:nvPr>
+            <p:ph type="sldImg"/>
+          </p:nvPr>
+        </p:nvSpPr>
+        <p:spPr/>
+      </p:sp>
+      <p:sp>
+        <p:nvSpPr>
+          <p:cNvPr id="3" name="Notes Placeholder 2">
+            <a:extLst>
+              <a:ext uri="{FF2B5EF4-FFF2-40B4-BE49-F238E27FC236}">
+                <a16:creationId xmlns:a16="http://schemas.microsoft.com/office/drawing/2014/main" id="{C0610661-BC53-D684-D0D8-A28F908B31C5}"/>
+              </a:ext>
+            </a:extLst>
+          </p:cNvPr>
+          <p:cNvSpPr>
+            <a:spLocks noGrp="1"/>
+          </p:cNvSpPr>
+          <p:nvPr>
+            <p:ph type="body" idx="1"/>
+          </p:nvPr>
+        </p:nvSpPr>
+        <p:spPr/>
+        <p:txBody>
+          <a:bodyPr/>
+          <a:lstStyle/>
+          <a:p>
+            <a:endParaRPr lang="en-GB" dirty="0"/>
+          </a:p>
+        </p:txBody>
+      </p:sp>
+      <p:sp>
+        <p:nvSpPr>
+          <p:cNvPr id="4" name="Slide Number Placeholder 3">
+            <a:extLst>
+              <a:ext uri="{FF2B5EF4-FFF2-40B4-BE49-F238E27FC236}">
+                <a16:creationId xmlns:a16="http://schemas.microsoft.com/office/drawing/2014/main" id="{9085B875-23FC-7C8C-4C21-35A1D79B676C}"/>
+              </a:ext>
+            </a:extLst>
+          </p:cNvPr>
+          <p:cNvSpPr>
+            <a:spLocks noGrp="1"/>
+          </p:cNvSpPr>
+          <p:nvPr>
+            <p:ph type="sldNum" sz="quarter" idx="5"/>
+          </p:nvPr>
+        </p:nvSpPr>
+        <p:spPr/>
+        <p:txBody>
+          <a:bodyPr/>
+          <a:lstStyle/>
+          <a:p>
+            <a:fld id="{7D0F0BAF-A7CC-42F6-BA05-9EE3374D5828}" type="slidenum">
+              <a:rPr lang="en-GB" smtClean="0"/>
+              <a:t>14</a:t>
+            </a:fld>
+            <a:endParaRPr lang="en-GB"/>
+          </a:p>
+        </p:txBody>
+      </p:sp>
+    </p:spTree>
+    <p:extLst>
+      <p:ext uri="{BB962C8B-B14F-4D97-AF65-F5344CB8AC3E}">
+        <p14:creationId xmlns:p14="http://schemas.microsoft.com/office/powerpoint/2010/main" val="3442997116"/>
+      </p:ext>
+    </p:extLst>
+  </p:cSld>
+  <p:clrMapOvr>
+    <a:masterClrMapping/>
+  </p:clrMapOvr>
+</p:notes>
+</file>
+
+<file path=ppt/notesSlides/notesSlide12.xml><?xml version="1.0" encoding="utf-8"?>
+<p:notes xmlns:a="http://schemas.openxmlformats.org/drawingml/2006/main" xmlns:r="http://schemas.openxmlformats.org/officeDocument/2006/relationships" xmlns:p="http://schemas.openxmlformats.org/presentationml/2006/main">
+  <p:cSld>
+    <p:spTree>
+      <p:nvGrpSpPr>
+        <p:cNvPr id="1" name="">
+          <a:extLst>
+            <a:ext uri="{FF2B5EF4-FFF2-40B4-BE49-F238E27FC236}">
+              <a16:creationId xmlns:a16="http://schemas.microsoft.com/office/drawing/2014/main" id="{1922DD57-A8FE-5D33-9E7A-2F65104E69B9}"/>
+            </a:ext>
+          </a:extLst>
+        </p:cNvPr>
+        <p:cNvGrpSpPr/>
+        <p:nvPr/>
+      </p:nvGrpSpPr>
+      <p:grpSpPr>
+        <a:xfrm>
+          <a:off x="0" y="0"/>
+          <a:ext cx="0" cy="0"/>
+          <a:chOff x="0" y="0"/>
+          <a:chExt cx="0" cy="0"/>
+        </a:xfrm>
+      </p:grpSpPr>
+      <p:sp>
+        <p:nvSpPr>
+          <p:cNvPr id="2" name="Slide Image Placeholder 1">
+            <a:extLst>
+              <a:ext uri="{FF2B5EF4-FFF2-40B4-BE49-F238E27FC236}">
+                <a16:creationId xmlns:a16="http://schemas.microsoft.com/office/drawing/2014/main" id="{30728AF0-D92E-F80D-F36E-EA4A8EB78ECF}"/>
+              </a:ext>
+            </a:extLst>
+          </p:cNvPr>
+          <p:cNvSpPr>
+            <a:spLocks noGrp="1" noRot="1" noChangeAspect="1"/>
+          </p:cNvSpPr>
+          <p:nvPr>
+            <p:ph type="sldImg"/>
+          </p:nvPr>
+        </p:nvSpPr>
+        <p:spPr/>
+      </p:sp>
+      <p:sp>
+        <p:nvSpPr>
+          <p:cNvPr id="3" name="Notes Placeholder 2">
+            <a:extLst>
+              <a:ext uri="{FF2B5EF4-FFF2-40B4-BE49-F238E27FC236}">
+                <a16:creationId xmlns:a16="http://schemas.microsoft.com/office/drawing/2014/main" id="{5FC08DA5-8766-8146-60BE-5918F0509A74}"/>
+              </a:ext>
+            </a:extLst>
+          </p:cNvPr>
+          <p:cNvSpPr>
+            <a:spLocks noGrp="1"/>
+          </p:cNvSpPr>
+          <p:nvPr>
+            <p:ph type="body" idx="1"/>
+          </p:nvPr>
+        </p:nvSpPr>
+        <p:spPr/>
+        <p:txBody>
+          <a:bodyPr/>
+          <a:lstStyle/>
+          <a:p>
+            <a:endParaRPr lang="en-GB" dirty="0"/>
+          </a:p>
+        </p:txBody>
+      </p:sp>
+      <p:sp>
+        <p:nvSpPr>
+          <p:cNvPr id="4" name="Slide Number Placeholder 3">
+            <a:extLst>
+              <a:ext uri="{FF2B5EF4-FFF2-40B4-BE49-F238E27FC236}">
+                <a16:creationId xmlns:a16="http://schemas.microsoft.com/office/drawing/2014/main" id="{5D62EDD0-D148-6FE1-7F3C-BA8FA4A23FE9}"/>
+              </a:ext>
+            </a:extLst>
+          </p:cNvPr>
+          <p:cNvSpPr>
+            <a:spLocks noGrp="1"/>
+          </p:cNvSpPr>
+          <p:nvPr>
+            <p:ph type="sldNum" sz="quarter" idx="5"/>
+          </p:nvPr>
+        </p:nvSpPr>
+        <p:spPr/>
+        <p:txBody>
+          <a:bodyPr/>
+          <a:lstStyle/>
+          <a:p>
+            <a:fld id="{7D0F0BAF-A7CC-42F6-BA05-9EE3374D5828}" type="slidenum">
+              <a:rPr lang="en-GB" smtClean="0"/>
+              <a:t>15</a:t>
+            </a:fld>
+            <a:endParaRPr lang="en-GB"/>
+          </a:p>
+        </p:txBody>
+      </p:sp>
+    </p:spTree>
+    <p:extLst>
+      <p:ext uri="{BB962C8B-B14F-4D97-AF65-F5344CB8AC3E}">
+        <p14:creationId xmlns:p14="http://schemas.microsoft.com/office/powerpoint/2010/main" val="2492808824"/>
+      </p:ext>
+    </p:extLst>
+  </p:cSld>
+  <p:clrMapOvr>
+    <a:masterClrMapping/>
+  </p:clrMapOvr>
+</p:notes>
+</file>
+
+<file path=ppt/notesSlides/notesSlide13.xml><?xml version="1.0" encoding="utf-8"?>
+<p:notes xmlns:a="http://schemas.openxmlformats.org/drawingml/2006/main" xmlns:r="http://schemas.openxmlformats.org/officeDocument/2006/relationships" xmlns:p="http://schemas.openxmlformats.org/presentationml/2006/main">
+  <p:cSld>
+    <p:spTree>
+      <p:nvGrpSpPr>
+        <p:cNvPr id="1" name="">
+          <a:extLst>
+            <a:ext uri="{FF2B5EF4-FFF2-40B4-BE49-F238E27FC236}">
+              <a16:creationId xmlns:a16="http://schemas.microsoft.com/office/drawing/2014/main" id="{0FF69B13-A674-BC7C-79CA-156C1C3C79B8}"/>
+            </a:ext>
+          </a:extLst>
+        </p:cNvPr>
+        <p:cNvGrpSpPr/>
+        <p:nvPr/>
+      </p:nvGrpSpPr>
+      <p:grpSpPr>
+        <a:xfrm>
+          <a:off x="0" y="0"/>
+          <a:ext cx="0" cy="0"/>
+          <a:chOff x="0" y="0"/>
+          <a:chExt cx="0" cy="0"/>
+        </a:xfrm>
+      </p:grpSpPr>
+      <p:sp>
+        <p:nvSpPr>
+          <p:cNvPr id="2" name="Slide Image Placeholder 1">
+            <a:extLst>
+              <a:ext uri="{FF2B5EF4-FFF2-40B4-BE49-F238E27FC236}">
+                <a16:creationId xmlns:a16="http://schemas.microsoft.com/office/drawing/2014/main" id="{C18EF035-EC3E-9015-47D4-AAC611D07520}"/>
+              </a:ext>
+            </a:extLst>
+          </p:cNvPr>
+          <p:cNvSpPr>
+            <a:spLocks noGrp="1" noRot="1" noChangeAspect="1"/>
+          </p:cNvSpPr>
+          <p:nvPr>
+            <p:ph type="sldImg"/>
+          </p:nvPr>
+        </p:nvSpPr>
+        <p:spPr/>
+      </p:sp>
+      <p:sp>
+        <p:nvSpPr>
+          <p:cNvPr id="3" name="Notes Placeholder 2">
+            <a:extLst>
+              <a:ext uri="{FF2B5EF4-FFF2-40B4-BE49-F238E27FC236}">
+                <a16:creationId xmlns:a16="http://schemas.microsoft.com/office/drawing/2014/main" id="{53CBBCDE-2B12-1A88-CCCE-9118115FDB28}"/>
+              </a:ext>
+            </a:extLst>
+          </p:cNvPr>
+          <p:cNvSpPr>
+            <a:spLocks noGrp="1"/>
+          </p:cNvSpPr>
+          <p:nvPr>
+            <p:ph type="body" idx="1"/>
+          </p:nvPr>
+        </p:nvSpPr>
+        <p:spPr/>
+        <p:txBody>
+          <a:bodyPr/>
+          <a:lstStyle/>
+          <a:p>
+            <a:endParaRPr lang="en-GB" dirty="0"/>
+          </a:p>
+        </p:txBody>
+      </p:sp>
+      <p:sp>
+        <p:nvSpPr>
+          <p:cNvPr id="4" name="Slide Number Placeholder 3">
+            <a:extLst>
+              <a:ext uri="{FF2B5EF4-FFF2-40B4-BE49-F238E27FC236}">
+                <a16:creationId xmlns:a16="http://schemas.microsoft.com/office/drawing/2014/main" id="{10CA2F3C-4ABF-68BF-D513-2F1D52581B64}"/>
+              </a:ext>
+            </a:extLst>
+          </p:cNvPr>
+          <p:cNvSpPr>
+            <a:spLocks noGrp="1"/>
+          </p:cNvSpPr>
+          <p:nvPr>
+            <p:ph type="sldNum" sz="quarter" idx="5"/>
+          </p:nvPr>
+        </p:nvSpPr>
+        <p:spPr/>
+        <p:txBody>
+          <a:bodyPr/>
+          <a:lstStyle/>
+          <a:p>
+            <a:fld id="{7D0F0BAF-A7CC-42F6-BA05-9EE3374D5828}" type="slidenum">
+              <a:rPr lang="en-GB" smtClean="0"/>
+              <a:t>16</a:t>
+            </a:fld>
+            <a:endParaRPr lang="en-GB"/>
+          </a:p>
+        </p:txBody>
+      </p:sp>
+    </p:spTree>
+    <p:extLst>
+      <p:ext uri="{BB962C8B-B14F-4D97-AF65-F5344CB8AC3E}">
+        <p14:creationId xmlns:p14="http://schemas.microsoft.com/office/powerpoint/2010/main" val="3938150095"/>
+      </p:ext>
+    </p:extLst>
+  </p:cSld>
+  <p:clrMapOvr>
+    <a:masterClrMapping/>
+  </p:clrMapOvr>
+</p:notes>
+</file>
+
+<file path=ppt/notesSlides/notesSlide14.xml><?xml version="1.0" encoding="utf-8"?>
+<p:notes xmlns:a="http://schemas.openxmlformats.org/drawingml/2006/main" xmlns:r="http://schemas.openxmlformats.org/officeDocument/2006/relationships" xmlns:p="http://schemas.openxmlformats.org/presentationml/2006/main">
+  <p:cSld>
+    <p:spTree>
+      <p:nvGrpSpPr>
+        <p:cNvPr id="1" name="">
+          <a:extLst>
+            <a:ext uri="{FF2B5EF4-FFF2-40B4-BE49-F238E27FC236}">
+              <a16:creationId xmlns:a16="http://schemas.microsoft.com/office/drawing/2014/main" id="{73BF7220-198B-7026-86D2-24CD11919265}"/>
+            </a:ext>
+          </a:extLst>
+        </p:cNvPr>
+        <p:cNvGrpSpPr/>
+        <p:nvPr/>
+      </p:nvGrpSpPr>
+      <p:grpSpPr>
+        <a:xfrm>
+          <a:off x="0" y="0"/>
+          <a:ext cx="0" cy="0"/>
+          <a:chOff x="0" y="0"/>
+          <a:chExt cx="0" cy="0"/>
+        </a:xfrm>
+      </p:grpSpPr>
+      <p:sp>
+        <p:nvSpPr>
+          <p:cNvPr id="2" name="Slide Image Placeholder 1">
+            <a:extLst>
+              <a:ext uri="{FF2B5EF4-FFF2-40B4-BE49-F238E27FC236}">
+                <a16:creationId xmlns:a16="http://schemas.microsoft.com/office/drawing/2014/main" id="{96DC86E0-77A4-831E-C795-598EA2E8EEC3}"/>
+              </a:ext>
+            </a:extLst>
+          </p:cNvPr>
+          <p:cNvSpPr>
+            <a:spLocks noGrp="1" noRot="1" noChangeAspect="1"/>
+          </p:cNvSpPr>
+          <p:nvPr>
+            <p:ph type="sldImg"/>
+          </p:nvPr>
+        </p:nvSpPr>
+        <p:spPr/>
+      </p:sp>
+      <p:sp>
+        <p:nvSpPr>
+          <p:cNvPr id="3" name="Notes Placeholder 2">
+            <a:extLst>
+              <a:ext uri="{FF2B5EF4-FFF2-40B4-BE49-F238E27FC236}">
+                <a16:creationId xmlns:a16="http://schemas.microsoft.com/office/drawing/2014/main" id="{4B37AB1E-42E3-08E6-D30F-0B85768A8E2A}"/>
+              </a:ext>
+            </a:extLst>
+          </p:cNvPr>
+          <p:cNvSpPr>
+            <a:spLocks noGrp="1"/>
+          </p:cNvSpPr>
+          <p:nvPr>
+            <p:ph type="body" idx="1"/>
+          </p:nvPr>
+        </p:nvSpPr>
+        <p:spPr/>
+        <p:txBody>
+          <a:bodyPr/>
+          <a:lstStyle/>
+          <a:p>
+            <a:endParaRPr lang="en-GB" dirty="0"/>
+          </a:p>
+        </p:txBody>
+      </p:sp>
+      <p:sp>
+        <p:nvSpPr>
+          <p:cNvPr id="4" name="Slide Number Placeholder 3">
+            <a:extLst>
+              <a:ext uri="{FF2B5EF4-FFF2-40B4-BE49-F238E27FC236}">
+                <a16:creationId xmlns:a16="http://schemas.microsoft.com/office/drawing/2014/main" id="{412212F8-F63A-3129-690F-BD3EBAF978BE}"/>
+              </a:ext>
+            </a:extLst>
+          </p:cNvPr>
+          <p:cNvSpPr>
+            <a:spLocks noGrp="1"/>
+          </p:cNvSpPr>
+          <p:nvPr>
+            <p:ph type="sldNum" sz="quarter" idx="5"/>
+          </p:nvPr>
+        </p:nvSpPr>
+        <p:spPr/>
+        <p:txBody>
+          <a:bodyPr/>
+          <a:lstStyle/>
+          <a:p>
+            <a:fld id="{7D0F0BAF-A7CC-42F6-BA05-9EE3374D5828}" type="slidenum">
+              <a:rPr lang="en-GB" smtClean="0"/>
+              <a:t>17</a:t>
+            </a:fld>
+            <a:endParaRPr lang="en-GB"/>
+          </a:p>
+        </p:txBody>
+      </p:sp>
+    </p:spTree>
+    <p:extLst>
+      <p:ext uri="{BB962C8B-B14F-4D97-AF65-F5344CB8AC3E}">
+        <p14:creationId xmlns:p14="http://schemas.microsoft.com/office/powerpoint/2010/main" val="1340161852"/>
+      </p:ext>
+    </p:extLst>
+  </p:cSld>
+  <p:clrMapOvr>
+    <a:masterClrMapping/>
+  </p:clrMapOvr>
+</p:notes>
+</file>
+
+<file path=ppt/notesSlides/notesSlide15.xml><?xml version="1.0" encoding="utf-8"?>
+<p:notes xmlns:a="http://schemas.openxmlformats.org/drawingml/2006/main" xmlns:r="http://schemas.openxmlformats.org/officeDocument/2006/relationships" xmlns:p="http://schemas.openxmlformats.org/presentationml/2006/main">
+  <p:cSld>
+    <p:spTree>
+      <p:nvGrpSpPr>
+        <p:cNvPr id="1" name="">
+          <a:extLst>
+            <a:ext uri="{FF2B5EF4-FFF2-40B4-BE49-F238E27FC236}">
+              <a16:creationId xmlns:a16="http://schemas.microsoft.com/office/drawing/2014/main" id="{D3380B83-483C-9B46-490D-E6C38B7BF73C}"/>
+            </a:ext>
+          </a:extLst>
+        </p:cNvPr>
+        <p:cNvGrpSpPr/>
+        <p:nvPr/>
+      </p:nvGrpSpPr>
+      <p:grpSpPr>
+        <a:xfrm>
+          <a:off x="0" y="0"/>
+          <a:ext cx="0" cy="0"/>
+          <a:chOff x="0" y="0"/>
+          <a:chExt cx="0" cy="0"/>
+        </a:xfrm>
+      </p:grpSpPr>
+      <p:sp>
+        <p:nvSpPr>
+          <p:cNvPr id="2" name="Slide Image Placeholder 1">
+            <a:extLst>
+              <a:ext uri="{FF2B5EF4-FFF2-40B4-BE49-F238E27FC236}">
+                <a16:creationId xmlns:a16="http://schemas.microsoft.com/office/drawing/2014/main" id="{5B4EF360-3654-4BA2-EEFC-C7826C990C6E}"/>
+              </a:ext>
+            </a:extLst>
+          </p:cNvPr>
+          <p:cNvSpPr>
+            <a:spLocks noGrp="1" noRot="1" noChangeAspect="1"/>
+          </p:cNvSpPr>
+          <p:nvPr>
+            <p:ph type="sldImg"/>
+          </p:nvPr>
+        </p:nvSpPr>
+        <p:spPr/>
+      </p:sp>
+      <p:sp>
+        <p:nvSpPr>
+          <p:cNvPr id="3" name="Notes Placeholder 2">
+            <a:extLst>
+              <a:ext uri="{FF2B5EF4-FFF2-40B4-BE49-F238E27FC236}">
+                <a16:creationId xmlns:a16="http://schemas.microsoft.com/office/drawing/2014/main" id="{706F1880-E834-8BBA-53D3-AC10F5472631}"/>
+              </a:ext>
+            </a:extLst>
+          </p:cNvPr>
+          <p:cNvSpPr>
+            <a:spLocks noGrp="1"/>
+          </p:cNvSpPr>
+          <p:nvPr>
+            <p:ph type="body" idx="1"/>
+          </p:nvPr>
+        </p:nvSpPr>
+        <p:spPr/>
+        <p:txBody>
+          <a:bodyPr/>
+          <a:lstStyle/>
+          <a:p>
+            <a:endParaRPr lang="en-GB" dirty="0"/>
+          </a:p>
+        </p:txBody>
+      </p:sp>
+      <p:sp>
+        <p:nvSpPr>
+          <p:cNvPr id="4" name="Slide Number Placeholder 3">
+            <a:extLst>
+              <a:ext uri="{FF2B5EF4-FFF2-40B4-BE49-F238E27FC236}">
+                <a16:creationId xmlns:a16="http://schemas.microsoft.com/office/drawing/2014/main" id="{FB1360B6-B897-1C6A-9C3B-CB2A779BC5DA}"/>
+              </a:ext>
+            </a:extLst>
+          </p:cNvPr>
+          <p:cNvSpPr>
+            <a:spLocks noGrp="1"/>
+          </p:cNvSpPr>
+          <p:nvPr>
+            <p:ph type="sldNum" sz="quarter" idx="5"/>
+          </p:nvPr>
+        </p:nvSpPr>
+        <p:spPr/>
+        <p:txBody>
+          <a:bodyPr/>
+          <a:lstStyle/>
+          <a:p>
+            <a:fld id="{7D0F0BAF-A7CC-42F6-BA05-9EE3374D5828}" type="slidenum">
+              <a:rPr lang="en-GB" smtClean="0"/>
+              <a:t>18</a:t>
+            </a:fld>
+            <a:endParaRPr lang="en-GB"/>
+          </a:p>
+        </p:txBody>
+      </p:sp>
+    </p:spTree>
+    <p:extLst>
+      <p:ext uri="{BB962C8B-B14F-4D97-AF65-F5344CB8AC3E}">
+        <p14:creationId xmlns:p14="http://schemas.microsoft.com/office/powerpoint/2010/main" val="1426439634"/>
+      </p:ext>
+    </p:extLst>
+  </p:cSld>
+  <p:clrMapOvr>
+    <a:masterClrMapping/>
+  </p:clrMapOvr>
+</p:notes>
+</file>
+
 <file path=ppt/notesSlides/notesSlide2.xml><?xml version="1.0" encoding="utf-8"?>
 <p:notes xmlns:a="http://schemas.openxmlformats.org/drawingml/2006/main" xmlns:r="http://schemas.openxmlformats.org/officeDocument/2006/relationships" xmlns:p="http://schemas.openxmlformats.org/presentationml/2006/main">
   <p:cSld>
@@ -669,114 +1331,6 @@
         <p:cNvPr id="1" name="">
           <a:extLst>
             <a:ext uri="{FF2B5EF4-FFF2-40B4-BE49-F238E27FC236}">
-              <a16:creationId xmlns:a16="http://schemas.microsoft.com/office/drawing/2014/main" id="{7A73F599-29BB-0D69-BCBD-02D4A0E52B72}"/>
-            </a:ext>
-          </a:extLst>
-        </p:cNvPr>
-        <p:cNvGrpSpPr/>
-        <p:nvPr/>
-      </p:nvGrpSpPr>
-      <p:grpSpPr>
-        <a:xfrm>
-          <a:off x="0" y="0"/>
-          <a:ext cx="0" cy="0"/>
-          <a:chOff x="0" y="0"/>
-          <a:chExt cx="0" cy="0"/>
-        </a:xfrm>
-      </p:grpSpPr>
-      <p:sp>
-        <p:nvSpPr>
-          <p:cNvPr id="2" name="Slide Image Placeholder 1">
-            <a:extLst>
-              <a:ext uri="{FF2B5EF4-FFF2-40B4-BE49-F238E27FC236}">
-                <a16:creationId xmlns:a16="http://schemas.microsoft.com/office/drawing/2014/main" id="{BF4EFCEF-4845-3C69-A7AC-627421DA6C51}"/>
-              </a:ext>
-            </a:extLst>
-          </p:cNvPr>
-          <p:cNvSpPr>
-            <a:spLocks noGrp="1" noRot="1" noChangeAspect="1"/>
-          </p:cNvSpPr>
-          <p:nvPr>
-            <p:ph type="sldImg"/>
-          </p:nvPr>
-        </p:nvSpPr>
-        <p:spPr/>
-      </p:sp>
-      <p:sp>
-        <p:nvSpPr>
-          <p:cNvPr id="3" name="Notes Placeholder 2">
-            <a:extLst>
-              <a:ext uri="{FF2B5EF4-FFF2-40B4-BE49-F238E27FC236}">
-                <a16:creationId xmlns:a16="http://schemas.microsoft.com/office/drawing/2014/main" id="{4DCD5CDC-3455-40B0-1C96-0DB26B5E848F}"/>
-              </a:ext>
-            </a:extLst>
-          </p:cNvPr>
-          <p:cNvSpPr>
-            <a:spLocks noGrp="1"/>
-          </p:cNvSpPr>
-          <p:nvPr>
-            <p:ph type="body" idx="1"/>
-          </p:nvPr>
-        </p:nvSpPr>
-        <p:spPr/>
-        <p:txBody>
-          <a:bodyPr/>
-          <a:lstStyle/>
-          <a:p>
-            <a:endParaRPr lang="en-GB" dirty="0"/>
-          </a:p>
-        </p:txBody>
-      </p:sp>
-      <p:sp>
-        <p:nvSpPr>
-          <p:cNvPr id="4" name="Slide Number Placeholder 3">
-            <a:extLst>
-              <a:ext uri="{FF2B5EF4-FFF2-40B4-BE49-F238E27FC236}">
-                <a16:creationId xmlns:a16="http://schemas.microsoft.com/office/drawing/2014/main" id="{0E55DB3E-6696-C479-F02A-2C2ADC8DA980}"/>
-              </a:ext>
-            </a:extLst>
-          </p:cNvPr>
-          <p:cNvSpPr>
-            <a:spLocks noGrp="1"/>
-          </p:cNvSpPr>
-          <p:nvPr>
-            <p:ph type="sldNum" sz="quarter" idx="5"/>
-          </p:nvPr>
-        </p:nvSpPr>
-        <p:spPr/>
-        <p:txBody>
-          <a:bodyPr/>
-          <a:lstStyle/>
-          <a:p>
-            <a:fld id="{7D0F0BAF-A7CC-42F6-BA05-9EE3374D5828}" type="slidenum">
-              <a:rPr lang="en-GB" smtClean="0"/>
-              <a:t>6</a:t>
-            </a:fld>
-            <a:endParaRPr lang="en-GB"/>
-          </a:p>
-        </p:txBody>
-      </p:sp>
-    </p:spTree>
-    <p:extLst>
-      <p:ext uri="{BB962C8B-B14F-4D97-AF65-F5344CB8AC3E}">
-        <p14:creationId xmlns:p14="http://schemas.microsoft.com/office/powerpoint/2010/main" val="1971725102"/>
-      </p:ext>
-    </p:extLst>
-  </p:cSld>
-  <p:clrMapOvr>
-    <a:masterClrMapping/>
-  </p:clrMapOvr>
-</p:notes>
-</file>
-
-<file path=ppt/notesSlides/notesSlide4.xml><?xml version="1.0" encoding="utf-8"?>
-<p:notes xmlns:a="http://schemas.openxmlformats.org/drawingml/2006/main" xmlns:r="http://schemas.openxmlformats.org/officeDocument/2006/relationships" xmlns:p="http://schemas.openxmlformats.org/presentationml/2006/main">
-  <p:cSld>
-    <p:spTree>
-      <p:nvGrpSpPr>
-        <p:cNvPr id="1" name="">
-          <a:extLst>
-            <a:ext uri="{FF2B5EF4-FFF2-40B4-BE49-F238E27FC236}">
               <a16:creationId xmlns:a16="http://schemas.microsoft.com/office/drawing/2014/main" id="{C5C833EE-9FDF-67C1-FDAF-2D8FDCF0C179}"/>
             </a:ext>
           </a:extLst>
@@ -858,7 +1412,7 @@
           <a:p>
             <a:fld id="{7D0F0BAF-A7CC-42F6-BA05-9EE3374D5828}" type="slidenum">
               <a:rPr lang="en-GB" smtClean="0"/>
-              <a:t>7</a:t>
+              <a:t>6</a:t>
             </a:fld>
             <a:endParaRPr lang="en-GB"/>
           </a:p>
@@ -877,7 +1431,7 @@
 </p:notes>
 </file>
 
-<file path=ppt/notesSlides/notesSlide5.xml><?xml version="1.0" encoding="utf-8"?>
+<file path=ppt/notesSlides/notesSlide4.xml><?xml version="1.0" encoding="utf-8"?>
 <p:notes xmlns:a="http://schemas.openxmlformats.org/drawingml/2006/main" xmlns:r="http://schemas.openxmlformats.org/officeDocument/2006/relationships" xmlns:p="http://schemas.openxmlformats.org/presentationml/2006/main">
   <p:cSld>
     <p:spTree>
@@ -966,7 +1520,7 @@
           <a:p>
             <a:fld id="{7D0F0BAF-A7CC-42F6-BA05-9EE3374D5828}" type="slidenum">
               <a:rPr lang="en-GB" smtClean="0"/>
-              <a:t>8</a:t>
+              <a:t>7</a:t>
             </a:fld>
             <a:endParaRPr lang="en-GB"/>
           </a:p>
@@ -985,7 +1539,7 @@
 </p:notes>
 </file>
 
-<file path=ppt/notesSlides/notesSlide6.xml><?xml version="1.0" encoding="utf-8"?>
+<file path=ppt/notesSlides/notesSlide5.xml><?xml version="1.0" encoding="utf-8"?>
 <p:notes xmlns:a="http://schemas.openxmlformats.org/drawingml/2006/main" xmlns:r="http://schemas.openxmlformats.org/officeDocument/2006/relationships" xmlns:p="http://schemas.openxmlformats.org/presentationml/2006/main">
   <p:cSld>
     <p:spTree>
@@ -1074,7 +1628,7 @@
           <a:p>
             <a:fld id="{7D0F0BAF-A7CC-42F6-BA05-9EE3374D5828}" type="slidenum">
               <a:rPr lang="en-GB" smtClean="0"/>
-              <a:t>9</a:t>
+              <a:t>8</a:t>
             </a:fld>
             <a:endParaRPr lang="en-GB"/>
           </a:p>
@@ -1093,7 +1647,7 @@
 </p:notes>
 </file>
 
-<file path=ppt/notesSlides/notesSlide7.xml><?xml version="1.0" encoding="utf-8"?>
+<file path=ppt/notesSlides/notesSlide6.xml><?xml version="1.0" encoding="utf-8"?>
 <p:notes xmlns:a="http://schemas.openxmlformats.org/drawingml/2006/main" xmlns:r="http://schemas.openxmlformats.org/officeDocument/2006/relationships" xmlns:p="http://schemas.openxmlformats.org/presentationml/2006/main">
   <p:cSld>
     <p:spTree>
@@ -1182,7 +1736,7 @@
           <a:p>
             <a:fld id="{7D0F0BAF-A7CC-42F6-BA05-9EE3374D5828}" type="slidenum">
               <a:rPr lang="en-GB" smtClean="0"/>
-              <a:t>10</a:t>
+              <a:t>9</a:t>
             </a:fld>
             <a:endParaRPr lang="en-GB"/>
           </a:p>
@@ -1192,6 +1746,330 @@
     <p:extLst>
       <p:ext uri="{BB962C8B-B14F-4D97-AF65-F5344CB8AC3E}">
         <p14:creationId xmlns:p14="http://schemas.microsoft.com/office/powerpoint/2010/main" val="810490091"/>
+      </p:ext>
+    </p:extLst>
+  </p:cSld>
+  <p:clrMapOvr>
+    <a:masterClrMapping/>
+  </p:clrMapOvr>
+</p:notes>
+</file>
+
+<file path=ppt/notesSlides/notesSlide7.xml><?xml version="1.0" encoding="utf-8"?>
+<p:notes xmlns:a="http://schemas.openxmlformats.org/drawingml/2006/main" xmlns:r="http://schemas.openxmlformats.org/officeDocument/2006/relationships" xmlns:p="http://schemas.openxmlformats.org/presentationml/2006/main">
+  <p:cSld>
+    <p:spTree>
+      <p:nvGrpSpPr>
+        <p:cNvPr id="1" name="">
+          <a:extLst>
+            <a:ext uri="{FF2B5EF4-FFF2-40B4-BE49-F238E27FC236}">
+              <a16:creationId xmlns:a16="http://schemas.microsoft.com/office/drawing/2014/main" id="{7C699D14-A8FA-A2A0-710A-45C8CE4F396E}"/>
+            </a:ext>
+          </a:extLst>
+        </p:cNvPr>
+        <p:cNvGrpSpPr/>
+        <p:nvPr/>
+      </p:nvGrpSpPr>
+      <p:grpSpPr>
+        <a:xfrm>
+          <a:off x="0" y="0"/>
+          <a:ext cx="0" cy="0"/>
+          <a:chOff x="0" y="0"/>
+          <a:chExt cx="0" cy="0"/>
+        </a:xfrm>
+      </p:grpSpPr>
+      <p:sp>
+        <p:nvSpPr>
+          <p:cNvPr id="2" name="Slide Image Placeholder 1">
+            <a:extLst>
+              <a:ext uri="{FF2B5EF4-FFF2-40B4-BE49-F238E27FC236}">
+                <a16:creationId xmlns:a16="http://schemas.microsoft.com/office/drawing/2014/main" id="{C7BE4D68-3D90-4B93-CFF9-88456EA3BB2F}"/>
+              </a:ext>
+            </a:extLst>
+          </p:cNvPr>
+          <p:cNvSpPr>
+            <a:spLocks noGrp="1" noRot="1" noChangeAspect="1"/>
+          </p:cNvSpPr>
+          <p:nvPr>
+            <p:ph type="sldImg"/>
+          </p:nvPr>
+        </p:nvSpPr>
+        <p:spPr/>
+      </p:sp>
+      <p:sp>
+        <p:nvSpPr>
+          <p:cNvPr id="3" name="Notes Placeholder 2">
+            <a:extLst>
+              <a:ext uri="{FF2B5EF4-FFF2-40B4-BE49-F238E27FC236}">
+                <a16:creationId xmlns:a16="http://schemas.microsoft.com/office/drawing/2014/main" id="{D98CCF18-B1C3-5601-CC24-13090F6F952B}"/>
+              </a:ext>
+            </a:extLst>
+          </p:cNvPr>
+          <p:cNvSpPr>
+            <a:spLocks noGrp="1"/>
+          </p:cNvSpPr>
+          <p:nvPr>
+            <p:ph type="body" idx="1"/>
+          </p:nvPr>
+        </p:nvSpPr>
+        <p:spPr/>
+        <p:txBody>
+          <a:bodyPr/>
+          <a:lstStyle/>
+          <a:p>
+            <a:endParaRPr lang="en-GB" dirty="0"/>
+          </a:p>
+        </p:txBody>
+      </p:sp>
+      <p:sp>
+        <p:nvSpPr>
+          <p:cNvPr id="4" name="Slide Number Placeholder 3">
+            <a:extLst>
+              <a:ext uri="{FF2B5EF4-FFF2-40B4-BE49-F238E27FC236}">
+                <a16:creationId xmlns:a16="http://schemas.microsoft.com/office/drawing/2014/main" id="{6E623827-7DF6-F80A-02E3-FEBB21FB61B4}"/>
+              </a:ext>
+            </a:extLst>
+          </p:cNvPr>
+          <p:cNvSpPr>
+            <a:spLocks noGrp="1"/>
+          </p:cNvSpPr>
+          <p:nvPr>
+            <p:ph type="sldNum" sz="quarter" idx="5"/>
+          </p:nvPr>
+        </p:nvSpPr>
+        <p:spPr/>
+        <p:txBody>
+          <a:bodyPr/>
+          <a:lstStyle/>
+          <a:p>
+            <a:fld id="{7D0F0BAF-A7CC-42F6-BA05-9EE3374D5828}" type="slidenum">
+              <a:rPr lang="en-GB" smtClean="0"/>
+              <a:t>10</a:t>
+            </a:fld>
+            <a:endParaRPr lang="en-GB"/>
+          </a:p>
+        </p:txBody>
+      </p:sp>
+    </p:spTree>
+    <p:extLst>
+      <p:ext uri="{BB962C8B-B14F-4D97-AF65-F5344CB8AC3E}">
+        <p14:creationId xmlns:p14="http://schemas.microsoft.com/office/powerpoint/2010/main" val="1953024824"/>
+      </p:ext>
+    </p:extLst>
+  </p:cSld>
+  <p:clrMapOvr>
+    <a:masterClrMapping/>
+  </p:clrMapOvr>
+</p:notes>
+</file>
+
+<file path=ppt/notesSlides/notesSlide8.xml><?xml version="1.0" encoding="utf-8"?>
+<p:notes xmlns:a="http://schemas.openxmlformats.org/drawingml/2006/main" xmlns:r="http://schemas.openxmlformats.org/officeDocument/2006/relationships" xmlns:p="http://schemas.openxmlformats.org/presentationml/2006/main">
+  <p:cSld>
+    <p:spTree>
+      <p:nvGrpSpPr>
+        <p:cNvPr id="1" name="">
+          <a:extLst>
+            <a:ext uri="{FF2B5EF4-FFF2-40B4-BE49-F238E27FC236}">
+              <a16:creationId xmlns:a16="http://schemas.microsoft.com/office/drawing/2014/main" id="{5E7DAB96-79B2-60EE-D893-183C70614E9E}"/>
+            </a:ext>
+          </a:extLst>
+        </p:cNvPr>
+        <p:cNvGrpSpPr/>
+        <p:nvPr/>
+      </p:nvGrpSpPr>
+      <p:grpSpPr>
+        <a:xfrm>
+          <a:off x="0" y="0"/>
+          <a:ext cx="0" cy="0"/>
+          <a:chOff x="0" y="0"/>
+          <a:chExt cx="0" cy="0"/>
+        </a:xfrm>
+      </p:grpSpPr>
+      <p:sp>
+        <p:nvSpPr>
+          <p:cNvPr id="2" name="Slide Image Placeholder 1">
+            <a:extLst>
+              <a:ext uri="{FF2B5EF4-FFF2-40B4-BE49-F238E27FC236}">
+                <a16:creationId xmlns:a16="http://schemas.microsoft.com/office/drawing/2014/main" id="{0358EDA9-D526-A6EA-9156-8DAF2F6BC4F9}"/>
+              </a:ext>
+            </a:extLst>
+          </p:cNvPr>
+          <p:cNvSpPr>
+            <a:spLocks noGrp="1" noRot="1" noChangeAspect="1"/>
+          </p:cNvSpPr>
+          <p:nvPr>
+            <p:ph type="sldImg"/>
+          </p:nvPr>
+        </p:nvSpPr>
+        <p:spPr/>
+      </p:sp>
+      <p:sp>
+        <p:nvSpPr>
+          <p:cNvPr id="3" name="Notes Placeholder 2">
+            <a:extLst>
+              <a:ext uri="{FF2B5EF4-FFF2-40B4-BE49-F238E27FC236}">
+                <a16:creationId xmlns:a16="http://schemas.microsoft.com/office/drawing/2014/main" id="{3BE83C41-0F62-9A40-1B4F-128E656446B4}"/>
+              </a:ext>
+            </a:extLst>
+          </p:cNvPr>
+          <p:cNvSpPr>
+            <a:spLocks noGrp="1"/>
+          </p:cNvSpPr>
+          <p:nvPr>
+            <p:ph type="body" idx="1"/>
+          </p:nvPr>
+        </p:nvSpPr>
+        <p:spPr/>
+        <p:txBody>
+          <a:bodyPr/>
+          <a:lstStyle/>
+          <a:p>
+            <a:endParaRPr lang="en-GB" dirty="0"/>
+          </a:p>
+        </p:txBody>
+      </p:sp>
+      <p:sp>
+        <p:nvSpPr>
+          <p:cNvPr id="4" name="Slide Number Placeholder 3">
+            <a:extLst>
+              <a:ext uri="{FF2B5EF4-FFF2-40B4-BE49-F238E27FC236}">
+                <a16:creationId xmlns:a16="http://schemas.microsoft.com/office/drawing/2014/main" id="{67C966C1-8AD0-6C00-4869-AA157CA9DD30}"/>
+              </a:ext>
+            </a:extLst>
+          </p:cNvPr>
+          <p:cNvSpPr>
+            <a:spLocks noGrp="1"/>
+          </p:cNvSpPr>
+          <p:nvPr>
+            <p:ph type="sldNum" sz="quarter" idx="5"/>
+          </p:nvPr>
+        </p:nvSpPr>
+        <p:spPr/>
+        <p:txBody>
+          <a:bodyPr/>
+          <a:lstStyle/>
+          <a:p>
+            <a:fld id="{7D0F0BAF-A7CC-42F6-BA05-9EE3374D5828}" type="slidenum">
+              <a:rPr lang="en-GB" smtClean="0"/>
+              <a:t>11</a:t>
+            </a:fld>
+            <a:endParaRPr lang="en-GB"/>
+          </a:p>
+        </p:txBody>
+      </p:sp>
+    </p:spTree>
+    <p:extLst>
+      <p:ext uri="{BB962C8B-B14F-4D97-AF65-F5344CB8AC3E}">
+        <p14:creationId xmlns:p14="http://schemas.microsoft.com/office/powerpoint/2010/main" val="2090469956"/>
+      </p:ext>
+    </p:extLst>
+  </p:cSld>
+  <p:clrMapOvr>
+    <a:masterClrMapping/>
+  </p:clrMapOvr>
+</p:notes>
+</file>
+
+<file path=ppt/notesSlides/notesSlide9.xml><?xml version="1.0" encoding="utf-8"?>
+<p:notes xmlns:a="http://schemas.openxmlformats.org/drawingml/2006/main" xmlns:r="http://schemas.openxmlformats.org/officeDocument/2006/relationships" xmlns:p="http://schemas.openxmlformats.org/presentationml/2006/main">
+  <p:cSld>
+    <p:spTree>
+      <p:nvGrpSpPr>
+        <p:cNvPr id="1" name="">
+          <a:extLst>
+            <a:ext uri="{FF2B5EF4-FFF2-40B4-BE49-F238E27FC236}">
+              <a16:creationId xmlns:a16="http://schemas.microsoft.com/office/drawing/2014/main" id="{D08A9D23-4CA3-EB52-604E-1C7524C72634}"/>
+            </a:ext>
+          </a:extLst>
+        </p:cNvPr>
+        <p:cNvGrpSpPr/>
+        <p:nvPr/>
+      </p:nvGrpSpPr>
+      <p:grpSpPr>
+        <a:xfrm>
+          <a:off x="0" y="0"/>
+          <a:ext cx="0" cy="0"/>
+          <a:chOff x="0" y="0"/>
+          <a:chExt cx="0" cy="0"/>
+        </a:xfrm>
+      </p:grpSpPr>
+      <p:sp>
+        <p:nvSpPr>
+          <p:cNvPr id="2" name="Slide Image Placeholder 1">
+            <a:extLst>
+              <a:ext uri="{FF2B5EF4-FFF2-40B4-BE49-F238E27FC236}">
+                <a16:creationId xmlns:a16="http://schemas.microsoft.com/office/drawing/2014/main" id="{1FCBF706-E866-E125-7ADB-292A4150C662}"/>
+              </a:ext>
+            </a:extLst>
+          </p:cNvPr>
+          <p:cNvSpPr>
+            <a:spLocks noGrp="1" noRot="1" noChangeAspect="1"/>
+          </p:cNvSpPr>
+          <p:nvPr>
+            <p:ph type="sldImg"/>
+          </p:nvPr>
+        </p:nvSpPr>
+        <p:spPr/>
+      </p:sp>
+      <p:sp>
+        <p:nvSpPr>
+          <p:cNvPr id="3" name="Notes Placeholder 2">
+            <a:extLst>
+              <a:ext uri="{FF2B5EF4-FFF2-40B4-BE49-F238E27FC236}">
+                <a16:creationId xmlns:a16="http://schemas.microsoft.com/office/drawing/2014/main" id="{45177194-C24A-8B74-EA56-2AC089F637F5}"/>
+              </a:ext>
+            </a:extLst>
+          </p:cNvPr>
+          <p:cNvSpPr>
+            <a:spLocks noGrp="1"/>
+          </p:cNvSpPr>
+          <p:nvPr>
+            <p:ph type="body" idx="1"/>
+          </p:nvPr>
+        </p:nvSpPr>
+        <p:spPr/>
+        <p:txBody>
+          <a:bodyPr/>
+          <a:lstStyle/>
+          <a:p>
+            <a:endParaRPr lang="en-GB" dirty="0"/>
+          </a:p>
+        </p:txBody>
+      </p:sp>
+      <p:sp>
+        <p:nvSpPr>
+          <p:cNvPr id="4" name="Slide Number Placeholder 3">
+            <a:extLst>
+              <a:ext uri="{FF2B5EF4-FFF2-40B4-BE49-F238E27FC236}">
+                <a16:creationId xmlns:a16="http://schemas.microsoft.com/office/drawing/2014/main" id="{75D434FD-34A7-9427-327D-6C1148CAE88C}"/>
+              </a:ext>
+            </a:extLst>
+          </p:cNvPr>
+          <p:cNvSpPr>
+            <a:spLocks noGrp="1"/>
+          </p:cNvSpPr>
+          <p:nvPr>
+            <p:ph type="sldNum" sz="quarter" idx="5"/>
+          </p:nvPr>
+        </p:nvSpPr>
+        <p:spPr/>
+        <p:txBody>
+          <a:bodyPr/>
+          <a:lstStyle/>
+          <a:p>
+            <a:fld id="{7D0F0BAF-A7CC-42F6-BA05-9EE3374D5828}" type="slidenum">
+              <a:rPr lang="en-GB" smtClean="0"/>
+              <a:t>12</a:t>
+            </a:fld>
+            <a:endParaRPr lang="en-GB"/>
+          </a:p>
+        </p:txBody>
+      </p:sp>
+    </p:spTree>
+    <p:extLst>
+      <p:ext uri="{BB962C8B-B14F-4D97-AF65-F5344CB8AC3E}">
+        <p14:creationId xmlns:p14="http://schemas.microsoft.com/office/powerpoint/2010/main" val="2598070515"/>
       </p:ext>
     </p:extLst>
   </p:cSld>
@@ -5336,7 +6214,7 @@
         <p:cNvPr id="1" name="">
           <a:extLst>
             <a:ext uri="{FF2B5EF4-FFF2-40B4-BE49-F238E27FC236}">
-              <a16:creationId xmlns:a16="http://schemas.microsoft.com/office/drawing/2014/main" id="{C9997AB0-2ECF-4B4C-8AC9-5423A623E9CE}"/>
+              <a16:creationId xmlns:a16="http://schemas.microsoft.com/office/drawing/2014/main" id="{65399A1B-92DE-7D32-6CBB-972BEAD1F81F}"/>
             </a:ext>
           </a:extLst>
         </p:cNvPr>
@@ -5351,6 +6229,851 @@
           <a:chExt cx="0" cy="0"/>
         </a:xfrm>
       </p:grpSpPr>
+      <p:sp>
+        <p:nvSpPr>
+          <p:cNvPr id="2" name="Title 1">
+            <a:extLst>
+              <a:ext uri="{FF2B5EF4-FFF2-40B4-BE49-F238E27FC236}">
+                <a16:creationId xmlns:a16="http://schemas.microsoft.com/office/drawing/2014/main" id="{A0F9E5F9-9269-8F93-773E-717953D54BB0}"/>
+              </a:ext>
+            </a:extLst>
+          </p:cNvPr>
+          <p:cNvSpPr>
+            <a:spLocks noGrp="1"/>
+          </p:cNvSpPr>
+          <p:nvPr>
+            <p:ph type="title"/>
+          </p:nvPr>
+        </p:nvSpPr>
+        <p:spPr/>
+        <p:txBody>
+          <a:bodyPr/>
+          <a:lstStyle/>
+          <a:p>
+            <a:r>
+              <a:rPr lang="en-GB" dirty="0"/>
+              <a:t>L2W Network</a:t>
+            </a:r>
+          </a:p>
+        </p:txBody>
+      </p:sp>
+      <p:sp>
+        <p:nvSpPr>
+          <p:cNvPr id="3" name="Content Placeholder 2">
+            <a:extLst>
+              <a:ext uri="{FF2B5EF4-FFF2-40B4-BE49-F238E27FC236}">
+                <a16:creationId xmlns:a16="http://schemas.microsoft.com/office/drawing/2014/main" id="{0DE7FA32-DED2-4DDB-5E4F-2580D3B66701}"/>
+              </a:ext>
+            </a:extLst>
+          </p:cNvPr>
+          <p:cNvSpPr>
+            <a:spLocks noGrp="1"/>
+          </p:cNvSpPr>
+          <p:nvPr>
+            <p:ph idx="1"/>
+          </p:nvPr>
+        </p:nvSpPr>
+        <p:spPr>
+          <a:xfrm>
+            <a:off x="638175" y="1949958"/>
+            <a:ext cx="11155680" cy="3767328"/>
+          </a:xfrm>
+        </p:spPr>
+        <p:txBody>
+          <a:bodyPr/>
+          <a:lstStyle/>
+          <a:p>
+            <a:r>
+              <a:rPr lang="en-US" dirty="0"/>
+              <a:t>The Local-to-World network incrementally registers the newly generated point map into a global 3D coordinate system</a:t>
+            </a:r>
+          </a:p>
+        </p:txBody>
+      </p:sp>
+      <p:sp>
+        <p:nvSpPr>
+          <p:cNvPr id="4" name="Rectangle 3">
+            <a:extLst>
+              <a:ext uri="{FF2B5EF4-FFF2-40B4-BE49-F238E27FC236}">
+                <a16:creationId xmlns:a16="http://schemas.microsoft.com/office/drawing/2014/main" id="{F56E703F-3F82-E57C-122B-74818DFADE3B}"/>
+              </a:ext>
+            </a:extLst>
+          </p:cNvPr>
+          <p:cNvSpPr/>
+          <p:nvPr/>
+        </p:nvSpPr>
+        <p:spPr>
+          <a:xfrm>
+            <a:off x="593162" y="2779777"/>
+            <a:ext cx="1740406" cy="1636776"/>
+          </a:xfrm>
+          <a:prstGeom prst="rect">
+            <a:avLst/>
+          </a:prstGeom>
+        </p:spPr>
+        <p:style>
+          <a:lnRef idx="2">
+            <a:schemeClr val="accent1">
+              <a:shade val="15000"/>
+            </a:schemeClr>
+          </a:lnRef>
+          <a:fillRef idx="1">
+            <a:schemeClr val="accent1"/>
+          </a:fillRef>
+          <a:effectRef idx="0">
+            <a:schemeClr val="accent1"/>
+          </a:effectRef>
+          <a:fontRef idx="minor">
+            <a:schemeClr val="lt1"/>
+          </a:fontRef>
+        </p:style>
+        <p:txBody>
+          <a:bodyPr rtlCol="0" anchor="ctr"/>
+          <a:lstStyle/>
+          <a:p>
+            <a:pPr algn="ctr"/>
+            <a:r>
+              <a:rPr lang="en-GB" dirty="0"/>
+              <a:t>Scene initialization</a:t>
+            </a:r>
+          </a:p>
+        </p:txBody>
+      </p:sp>
+      <p:sp>
+        <p:nvSpPr>
+          <p:cNvPr id="5" name="Rectangle 4">
+            <a:extLst>
+              <a:ext uri="{FF2B5EF4-FFF2-40B4-BE49-F238E27FC236}">
+                <a16:creationId xmlns:a16="http://schemas.microsoft.com/office/drawing/2014/main" id="{0FB02F14-8DCD-645D-844D-9B61C881EAAA}"/>
+              </a:ext>
+            </a:extLst>
+          </p:cNvPr>
+          <p:cNvSpPr/>
+          <p:nvPr/>
+        </p:nvSpPr>
+        <p:spPr>
+          <a:xfrm>
+            <a:off x="6096000" y="2779777"/>
+            <a:ext cx="1740410" cy="1636776"/>
+          </a:xfrm>
+          <a:prstGeom prst="rect">
+            <a:avLst/>
+          </a:prstGeom>
+        </p:spPr>
+        <p:style>
+          <a:lnRef idx="2">
+            <a:schemeClr val="accent1">
+              <a:shade val="15000"/>
+            </a:schemeClr>
+          </a:lnRef>
+          <a:fillRef idx="1">
+            <a:schemeClr val="accent1"/>
+          </a:fillRef>
+          <a:effectRef idx="0">
+            <a:schemeClr val="accent1"/>
+          </a:effectRef>
+          <a:fontRef idx="minor">
+            <a:schemeClr val="lt1"/>
+          </a:fontRef>
+        </p:style>
+        <p:txBody>
+          <a:bodyPr rtlCol="0" anchor="ctr"/>
+          <a:lstStyle/>
+          <a:p>
+            <a:pPr algn="ctr"/>
+            <a:r>
+              <a:rPr lang="en-GB" dirty="0"/>
+              <a:t>Registration Decoder</a:t>
+            </a:r>
+          </a:p>
+        </p:txBody>
+      </p:sp>
+      <p:sp>
+        <p:nvSpPr>
+          <p:cNvPr id="9" name="Rectangle 8">
+            <a:extLst>
+              <a:ext uri="{FF2B5EF4-FFF2-40B4-BE49-F238E27FC236}">
+                <a16:creationId xmlns:a16="http://schemas.microsoft.com/office/drawing/2014/main" id="{E867E0C6-4D2D-4F5F-A96E-E41C98CC7C1B}"/>
+              </a:ext>
+            </a:extLst>
+          </p:cNvPr>
+          <p:cNvSpPr/>
+          <p:nvPr/>
+        </p:nvSpPr>
+        <p:spPr>
+          <a:xfrm>
+            <a:off x="9486795" y="3621024"/>
+            <a:ext cx="1740406" cy="1636776"/>
+          </a:xfrm>
+          <a:prstGeom prst="rect">
+            <a:avLst/>
+          </a:prstGeom>
+        </p:spPr>
+        <p:style>
+          <a:lnRef idx="2">
+            <a:schemeClr val="accent1">
+              <a:shade val="15000"/>
+            </a:schemeClr>
+          </a:lnRef>
+          <a:fillRef idx="1">
+            <a:schemeClr val="accent1"/>
+          </a:fillRef>
+          <a:effectRef idx="0">
+            <a:schemeClr val="accent1"/>
+          </a:effectRef>
+          <a:fontRef idx="minor">
+            <a:schemeClr val="lt1"/>
+          </a:fontRef>
+        </p:style>
+        <p:txBody>
+          <a:bodyPr rtlCol="0" anchor="ctr"/>
+          <a:lstStyle/>
+          <a:p>
+            <a:pPr algn="ctr"/>
+            <a:r>
+              <a:rPr lang="en-GB"/>
+              <a:t>Points reconstruction</a:t>
+            </a:r>
+            <a:endParaRPr lang="en-GB" dirty="0"/>
+          </a:p>
+        </p:txBody>
+      </p:sp>
+      <p:cxnSp>
+        <p:nvCxnSpPr>
+          <p:cNvPr id="10" name="Straight Arrow Connector 9">
+            <a:extLst>
+              <a:ext uri="{FF2B5EF4-FFF2-40B4-BE49-F238E27FC236}">
+                <a16:creationId xmlns:a16="http://schemas.microsoft.com/office/drawing/2014/main" id="{CAAE4B08-8491-2E8C-82D3-BA98364BEE21}"/>
+              </a:ext>
+            </a:extLst>
+          </p:cNvPr>
+          <p:cNvCxnSpPr>
+            <a:cxnSpLocks/>
+            <a:stCxn id="5" idx="3"/>
+            <a:endCxn id="9" idx="1"/>
+          </p:cNvCxnSpPr>
+          <p:nvPr/>
+        </p:nvCxnSpPr>
+        <p:spPr>
+          <a:xfrm>
+            <a:off x="7836410" y="3598165"/>
+            <a:ext cx="1650385" cy="841247"/>
+          </a:xfrm>
+          <a:prstGeom prst="straightConnector1">
+            <a:avLst/>
+          </a:prstGeom>
+          <a:ln>
+            <a:solidFill>
+              <a:srgbClr val="FFFF00"/>
+            </a:solidFill>
+            <a:tailEnd type="triangle"/>
+          </a:ln>
+        </p:spPr>
+        <p:style>
+          <a:lnRef idx="2">
+            <a:schemeClr val="accent1"/>
+          </a:lnRef>
+          <a:fillRef idx="0">
+            <a:schemeClr val="accent1"/>
+          </a:fillRef>
+          <a:effectRef idx="1">
+            <a:schemeClr val="accent1"/>
+          </a:effectRef>
+          <a:fontRef idx="minor">
+            <a:schemeClr val="tx1"/>
+          </a:fontRef>
+        </p:style>
+      </p:cxnSp>
+      <p:sp>
+        <p:nvSpPr>
+          <p:cNvPr id="20" name="Rectangle 19">
+            <a:extLst>
+              <a:ext uri="{FF2B5EF4-FFF2-40B4-BE49-F238E27FC236}">
+                <a16:creationId xmlns:a16="http://schemas.microsoft.com/office/drawing/2014/main" id="{3293CA75-B95C-399E-3F65-A8E6696F44DE}"/>
+              </a:ext>
+            </a:extLst>
+          </p:cNvPr>
+          <p:cNvSpPr/>
+          <p:nvPr/>
+        </p:nvSpPr>
+        <p:spPr>
+          <a:xfrm>
+            <a:off x="6096000" y="4922615"/>
+            <a:ext cx="1740407" cy="1636776"/>
+          </a:xfrm>
+          <a:prstGeom prst="rect">
+            <a:avLst/>
+          </a:prstGeom>
+        </p:spPr>
+        <p:style>
+          <a:lnRef idx="2">
+            <a:schemeClr val="accent1">
+              <a:shade val="15000"/>
+            </a:schemeClr>
+          </a:lnRef>
+          <a:fillRef idx="1">
+            <a:schemeClr val="accent1"/>
+          </a:fillRef>
+          <a:effectRef idx="0">
+            <a:schemeClr val="accent1"/>
+          </a:effectRef>
+          <a:fontRef idx="minor">
+            <a:schemeClr val="lt1"/>
+          </a:fontRef>
+        </p:style>
+        <p:txBody>
+          <a:bodyPr rtlCol="0" anchor="ctr"/>
+          <a:lstStyle/>
+          <a:p>
+            <a:pPr algn="ctr"/>
+            <a:r>
+              <a:rPr lang="en-GB" dirty="0"/>
+              <a:t>Scene Decoder</a:t>
+            </a:r>
+          </a:p>
+        </p:txBody>
+      </p:sp>
+      <p:cxnSp>
+        <p:nvCxnSpPr>
+          <p:cNvPr id="54" name="Straight Arrow Connector 53">
+            <a:extLst>
+              <a:ext uri="{FF2B5EF4-FFF2-40B4-BE49-F238E27FC236}">
+                <a16:creationId xmlns:a16="http://schemas.microsoft.com/office/drawing/2014/main" id="{DB53F865-DB8A-BD0E-145B-5B2B4C2E959C}"/>
+              </a:ext>
+            </a:extLst>
+          </p:cNvPr>
+          <p:cNvCxnSpPr>
+            <a:cxnSpLocks/>
+            <a:stCxn id="20" idx="3"/>
+            <a:endCxn id="9" idx="1"/>
+          </p:cNvCxnSpPr>
+          <p:nvPr/>
+        </p:nvCxnSpPr>
+        <p:spPr>
+          <a:xfrm flipV="1">
+            <a:off x="7836407" y="4439412"/>
+            <a:ext cx="1650388" cy="1301591"/>
+          </a:xfrm>
+          <a:prstGeom prst="straightConnector1">
+            <a:avLst/>
+          </a:prstGeom>
+          <a:ln>
+            <a:solidFill>
+              <a:srgbClr val="FFFF00"/>
+            </a:solidFill>
+            <a:tailEnd type="triangle"/>
+          </a:ln>
+        </p:spPr>
+        <p:style>
+          <a:lnRef idx="2">
+            <a:schemeClr val="accent1"/>
+          </a:lnRef>
+          <a:fillRef idx="0">
+            <a:schemeClr val="accent1"/>
+          </a:fillRef>
+          <a:effectRef idx="1">
+            <a:schemeClr val="accent1"/>
+          </a:effectRef>
+          <a:fontRef idx="minor">
+            <a:schemeClr val="tx1"/>
+          </a:fontRef>
+        </p:style>
+      </p:cxnSp>
+      <p:sp>
+        <p:nvSpPr>
+          <p:cNvPr id="18" name="Rectangle 17">
+            <a:extLst>
+              <a:ext uri="{FF2B5EF4-FFF2-40B4-BE49-F238E27FC236}">
+                <a16:creationId xmlns:a16="http://schemas.microsoft.com/office/drawing/2014/main" id="{58F3A372-FF85-E8C5-157D-A41BD831A05F}"/>
+              </a:ext>
+            </a:extLst>
+          </p:cNvPr>
+          <p:cNvSpPr/>
+          <p:nvPr/>
+        </p:nvSpPr>
+        <p:spPr>
+          <a:xfrm>
+            <a:off x="593161" y="4898898"/>
+            <a:ext cx="1740407" cy="1636776"/>
+          </a:xfrm>
+          <a:prstGeom prst="rect">
+            <a:avLst/>
+          </a:prstGeom>
+        </p:spPr>
+        <p:style>
+          <a:lnRef idx="2">
+            <a:schemeClr val="accent1">
+              <a:shade val="15000"/>
+            </a:schemeClr>
+          </a:lnRef>
+          <a:fillRef idx="1">
+            <a:schemeClr val="accent1"/>
+          </a:fillRef>
+          <a:effectRef idx="0">
+            <a:schemeClr val="accent1"/>
+          </a:effectRef>
+          <a:fontRef idx="minor">
+            <a:schemeClr val="lt1"/>
+          </a:fontRef>
+        </p:style>
+        <p:txBody>
+          <a:bodyPr rtlCol="0" anchor="ctr"/>
+          <a:lstStyle/>
+          <a:p>
+            <a:pPr algn="ctr"/>
+            <a:r>
+              <a:rPr lang="en-GB" dirty="0"/>
+              <a:t>Buffer</a:t>
+            </a:r>
+          </a:p>
+        </p:txBody>
+      </p:sp>
+      <p:cxnSp>
+        <p:nvCxnSpPr>
+          <p:cNvPr id="24" name="Straight Arrow Connector 23">
+            <a:extLst>
+              <a:ext uri="{FF2B5EF4-FFF2-40B4-BE49-F238E27FC236}">
+                <a16:creationId xmlns:a16="http://schemas.microsoft.com/office/drawing/2014/main" id="{8726AAA7-BEF7-2B14-61A2-3C031563566C}"/>
+              </a:ext>
+            </a:extLst>
+          </p:cNvPr>
+          <p:cNvCxnSpPr>
+            <a:cxnSpLocks/>
+            <a:stCxn id="4" idx="3"/>
+            <a:endCxn id="5" idx="1"/>
+          </p:cNvCxnSpPr>
+          <p:nvPr/>
+        </p:nvCxnSpPr>
+        <p:spPr>
+          <a:xfrm>
+            <a:off x="2333568" y="3598165"/>
+            <a:ext cx="3762432" cy="0"/>
+          </a:xfrm>
+          <a:prstGeom prst="straightConnector1">
+            <a:avLst/>
+          </a:prstGeom>
+          <a:ln>
+            <a:solidFill>
+              <a:srgbClr val="FFFF00"/>
+            </a:solidFill>
+            <a:tailEnd type="triangle"/>
+          </a:ln>
+        </p:spPr>
+        <p:style>
+          <a:lnRef idx="2">
+            <a:schemeClr val="accent1"/>
+          </a:lnRef>
+          <a:fillRef idx="0">
+            <a:schemeClr val="accent1"/>
+          </a:fillRef>
+          <a:effectRef idx="1">
+            <a:schemeClr val="accent1"/>
+          </a:effectRef>
+          <a:fontRef idx="minor">
+            <a:schemeClr val="tx1"/>
+          </a:fontRef>
+        </p:style>
+      </p:cxnSp>
+      <p:cxnSp>
+        <p:nvCxnSpPr>
+          <p:cNvPr id="27" name="Straight Arrow Connector 26">
+            <a:extLst>
+              <a:ext uri="{FF2B5EF4-FFF2-40B4-BE49-F238E27FC236}">
+                <a16:creationId xmlns:a16="http://schemas.microsoft.com/office/drawing/2014/main" id="{67893EE4-E34C-F779-2BD6-658C1500BE10}"/>
+              </a:ext>
+            </a:extLst>
+          </p:cNvPr>
+          <p:cNvCxnSpPr>
+            <a:cxnSpLocks/>
+            <a:stCxn id="4" idx="3"/>
+            <a:endCxn id="20" idx="1"/>
+          </p:cNvCxnSpPr>
+          <p:nvPr/>
+        </p:nvCxnSpPr>
+        <p:spPr>
+          <a:xfrm>
+            <a:off x="2333568" y="3598165"/>
+            <a:ext cx="3762432" cy="2142838"/>
+          </a:xfrm>
+          <a:prstGeom prst="straightConnector1">
+            <a:avLst/>
+          </a:prstGeom>
+          <a:ln>
+            <a:solidFill>
+              <a:srgbClr val="FFFF00"/>
+            </a:solidFill>
+            <a:tailEnd type="triangle"/>
+          </a:ln>
+        </p:spPr>
+        <p:style>
+          <a:lnRef idx="2">
+            <a:schemeClr val="accent1"/>
+          </a:lnRef>
+          <a:fillRef idx="0">
+            <a:schemeClr val="accent1"/>
+          </a:fillRef>
+          <a:effectRef idx="1">
+            <a:schemeClr val="accent1"/>
+          </a:effectRef>
+          <a:fontRef idx="minor">
+            <a:schemeClr val="tx1"/>
+          </a:fontRef>
+        </p:style>
+      </p:cxnSp>
+      <p:cxnSp>
+        <p:nvCxnSpPr>
+          <p:cNvPr id="30" name="Straight Arrow Connector 29">
+            <a:extLst>
+              <a:ext uri="{FF2B5EF4-FFF2-40B4-BE49-F238E27FC236}">
+                <a16:creationId xmlns:a16="http://schemas.microsoft.com/office/drawing/2014/main" id="{BF087930-229F-F26E-0AB1-7304F54579AC}"/>
+              </a:ext>
+            </a:extLst>
+          </p:cNvPr>
+          <p:cNvCxnSpPr>
+            <a:cxnSpLocks/>
+            <a:stCxn id="18" idx="3"/>
+            <a:endCxn id="20" idx="1"/>
+          </p:cNvCxnSpPr>
+          <p:nvPr/>
+        </p:nvCxnSpPr>
+        <p:spPr>
+          <a:xfrm>
+            <a:off x="2333568" y="5717286"/>
+            <a:ext cx="3762432" cy="23717"/>
+          </a:xfrm>
+          <a:prstGeom prst="straightConnector1">
+            <a:avLst/>
+          </a:prstGeom>
+          <a:ln>
+            <a:solidFill>
+              <a:srgbClr val="FFFF00"/>
+            </a:solidFill>
+            <a:tailEnd type="triangle"/>
+          </a:ln>
+        </p:spPr>
+        <p:style>
+          <a:lnRef idx="2">
+            <a:schemeClr val="accent1"/>
+          </a:lnRef>
+          <a:fillRef idx="0">
+            <a:schemeClr val="accent1"/>
+          </a:fillRef>
+          <a:effectRef idx="1">
+            <a:schemeClr val="accent1"/>
+          </a:effectRef>
+          <a:fontRef idx="minor">
+            <a:schemeClr val="tx1"/>
+          </a:fontRef>
+        </p:style>
+      </p:cxnSp>
+      <p:cxnSp>
+        <p:nvCxnSpPr>
+          <p:cNvPr id="34" name="Straight Arrow Connector 33">
+            <a:extLst>
+              <a:ext uri="{FF2B5EF4-FFF2-40B4-BE49-F238E27FC236}">
+                <a16:creationId xmlns:a16="http://schemas.microsoft.com/office/drawing/2014/main" id="{E5B506FF-B373-B360-CB52-898417F1EED1}"/>
+              </a:ext>
+            </a:extLst>
+          </p:cNvPr>
+          <p:cNvCxnSpPr>
+            <a:cxnSpLocks/>
+            <a:endCxn id="5" idx="1"/>
+          </p:cNvCxnSpPr>
+          <p:nvPr/>
+        </p:nvCxnSpPr>
+        <p:spPr>
+          <a:xfrm flipV="1">
+            <a:off x="2409768" y="3598165"/>
+            <a:ext cx="3686232" cy="2071687"/>
+          </a:xfrm>
+          <a:prstGeom prst="straightConnector1">
+            <a:avLst/>
+          </a:prstGeom>
+          <a:ln>
+            <a:solidFill>
+              <a:srgbClr val="FFFF00"/>
+            </a:solidFill>
+            <a:tailEnd type="triangle"/>
+          </a:ln>
+        </p:spPr>
+        <p:style>
+          <a:lnRef idx="2">
+            <a:schemeClr val="accent1"/>
+          </a:lnRef>
+          <a:fillRef idx="0">
+            <a:schemeClr val="accent1"/>
+          </a:fillRef>
+          <a:effectRef idx="1">
+            <a:schemeClr val="accent1"/>
+          </a:effectRef>
+          <a:fontRef idx="minor">
+            <a:schemeClr val="tx1"/>
+          </a:fontRef>
+        </p:style>
+      </p:cxnSp>
+      <p:cxnSp>
+        <p:nvCxnSpPr>
+          <p:cNvPr id="40" name="Straight Arrow Connector 39">
+            <a:extLst>
+              <a:ext uri="{FF2B5EF4-FFF2-40B4-BE49-F238E27FC236}">
+                <a16:creationId xmlns:a16="http://schemas.microsoft.com/office/drawing/2014/main" id="{4C29BD9B-E62C-6706-60EC-7672FC2BDDEE}"/>
+              </a:ext>
+            </a:extLst>
+          </p:cNvPr>
+          <p:cNvCxnSpPr>
+            <a:cxnSpLocks/>
+          </p:cNvCxnSpPr>
+          <p:nvPr/>
+        </p:nvCxnSpPr>
+        <p:spPr>
+          <a:xfrm>
+            <a:off x="964799" y="4416553"/>
+            <a:ext cx="0" cy="470487"/>
+          </a:xfrm>
+          <a:prstGeom prst="straightConnector1">
+            <a:avLst/>
+          </a:prstGeom>
+          <a:ln>
+            <a:solidFill>
+              <a:srgbClr val="FFFF00"/>
+            </a:solidFill>
+            <a:tailEnd type="triangle"/>
+          </a:ln>
+        </p:spPr>
+        <p:style>
+          <a:lnRef idx="2">
+            <a:schemeClr val="accent1"/>
+          </a:lnRef>
+          <a:fillRef idx="0">
+            <a:schemeClr val="accent1"/>
+          </a:fillRef>
+          <a:effectRef idx="1">
+            <a:schemeClr val="accent1"/>
+          </a:effectRef>
+          <a:fontRef idx="minor">
+            <a:schemeClr val="tx1"/>
+          </a:fontRef>
+        </p:style>
+      </p:cxnSp>
+      <p:cxnSp>
+        <p:nvCxnSpPr>
+          <p:cNvPr id="43" name="Straight Arrow Connector 42">
+            <a:extLst>
+              <a:ext uri="{FF2B5EF4-FFF2-40B4-BE49-F238E27FC236}">
+                <a16:creationId xmlns:a16="http://schemas.microsoft.com/office/drawing/2014/main" id="{22490959-CCFE-10D5-9FBD-F5E7859F1D32}"/>
+              </a:ext>
+            </a:extLst>
+          </p:cNvPr>
+          <p:cNvCxnSpPr>
+            <a:cxnSpLocks/>
+          </p:cNvCxnSpPr>
+          <p:nvPr/>
+        </p:nvCxnSpPr>
+        <p:spPr>
+          <a:xfrm flipV="1">
+            <a:off x="1878806" y="4416553"/>
+            <a:ext cx="0" cy="482345"/>
+          </a:xfrm>
+          <a:prstGeom prst="straightConnector1">
+            <a:avLst/>
+          </a:prstGeom>
+          <a:ln>
+            <a:solidFill>
+              <a:srgbClr val="FFFF00"/>
+            </a:solidFill>
+            <a:tailEnd type="triangle"/>
+          </a:ln>
+        </p:spPr>
+        <p:style>
+          <a:lnRef idx="2">
+            <a:schemeClr val="accent1"/>
+          </a:lnRef>
+          <a:fillRef idx="0">
+            <a:schemeClr val="accent1"/>
+          </a:fillRef>
+          <a:effectRef idx="1">
+            <a:schemeClr val="accent1"/>
+          </a:effectRef>
+          <a:fontRef idx="minor">
+            <a:schemeClr val="tx1"/>
+          </a:fontRef>
+        </p:style>
+      </p:cxnSp>
+    </p:spTree>
+    <p:extLst>
+      <p:ext uri="{BB962C8B-B14F-4D97-AF65-F5344CB8AC3E}">
+        <p14:creationId xmlns:p14="http://schemas.microsoft.com/office/powerpoint/2010/main" val="2720389884"/>
+      </p:ext>
+    </p:extLst>
+  </p:cSld>
+  <p:clrMapOvr>
+    <a:masterClrMapping/>
+  </p:clrMapOvr>
+</p:sld>
+</file>
+
+<file path=ppt/slides/slide11.xml><?xml version="1.0" encoding="utf-8"?>
+<p:sld xmlns:a="http://schemas.openxmlformats.org/drawingml/2006/main" xmlns:r="http://schemas.openxmlformats.org/officeDocument/2006/relationships" xmlns:p="http://schemas.openxmlformats.org/presentationml/2006/main">
+  <p:cSld>
+    <p:spTree>
+      <p:nvGrpSpPr>
+        <p:cNvPr id="1" name="">
+          <a:extLst>
+            <a:ext uri="{FF2B5EF4-FFF2-40B4-BE49-F238E27FC236}">
+              <a16:creationId xmlns:a16="http://schemas.microsoft.com/office/drawing/2014/main" id="{369C8742-CCCF-ED23-B076-BF1D80D2E726}"/>
+            </a:ext>
+          </a:extLst>
+        </p:cNvPr>
+        <p:cNvGrpSpPr/>
+        <p:nvPr/>
+      </p:nvGrpSpPr>
+      <p:grpSpPr>
+        <a:xfrm>
+          <a:off x="0" y="0"/>
+          <a:ext cx="0" cy="0"/>
+          <a:chOff x="0" y="0"/>
+          <a:chExt cx="0" cy="0"/>
+        </a:xfrm>
+      </p:grpSpPr>
+      <p:sp>
+        <p:nvSpPr>
+          <p:cNvPr id="2" name="Title 1">
+            <a:extLst>
+              <a:ext uri="{FF2B5EF4-FFF2-40B4-BE49-F238E27FC236}">
+                <a16:creationId xmlns:a16="http://schemas.microsoft.com/office/drawing/2014/main" id="{0D697C08-5A1D-2A5B-5361-FA7223786B5A}"/>
+              </a:ext>
+            </a:extLst>
+          </p:cNvPr>
+          <p:cNvSpPr>
+            <a:spLocks noGrp="1"/>
+          </p:cNvSpPr>
+          <p:nvPr>
+            <p:ph type="title"/>
+          </p:nvPr>
+        </p:nvSpPr>
+        <p:spPr/>
+        <p:txBody>
+          <a:bodyPr/>
+          <a:lstStyle/>
+          <a:p>
+            <a:r>
+              <a:rPr lang="en-GB" dirty="0"/>
+              <a:t>Scene Initialization</a:t>
+            </a:r>
+          </a:p>
+        </p:txBody>
+      </p:sp>
+      <p:sp>
+        <p:nvSpPr>
+          <p:cNvPr id="3" name="Content Placeholder 2">
+            <a:extLst>
+              <a:ext uri="{FF2B5EF4-FFF2-40B4-BE49-F238E27FC236}">
+                <a16:creationId xmlns:a16="http://schemas.microsoft.com/office/drawing/2014/main" id="{82DA4C06-966D-6AAF-DD86-80694E2D02C4}"/>
+              </a:ext>
+            </a:extLst>
+          </p:cNvPr>
+          <p:cNvSpPr>
+            <a:spLocks noGrp="1"/>
+          </p:cNvSpPr>
+          <p:nvPr>
+            <p:ph idx="1"/>
+          </p:nvPr>
+        </p:nvSpPr>
+        <p:spPr>
+          <a:xfrm>
+            <a:off x="638175" y="1949958"/>
+            <a:ext cx="11155680" cy="5145786"/>
+          </a:xfrm>
+        </p:spPr>
+        <p:txBody>
+          <a:bodyPr>
+            <a:normAutofit/>
+          </a:bodyPr>
+          <a:lstStyle/>
+          <a:p>
+            <a:r>
+              <a:rPr lang="en-US" dirty="0"/>
+              <a:t>The first window is used to initialize the scene</a:t>
+            </a:r>
+          </a:p>
+          <a:p>
+            <a:r>
+              <a:rPr lang="en-US" dirty="0"/>
+              <a:t>It is crucial for this initialization to be as accurate as possible</a:t>
+            </a:r>
+          </a:p>
+          <a:p>
+            <a:r>
+              <a:rPr lang="en-US" dirty="0"/>
+              <a:t>The I2P network is run with each frame as the keyframe and the frame with the highest confidence is chosen </a:t>
+            </a:r>
+          </a:p>
+        </p:txBody>
+      </p:sp>
+    </p:spTree>
+    <p:extLst>
+      <p:ext uri="{BB962C8B-B14F-4D97-AF65-F5344CB8AC3E}">
+        <p14:creationId xmlns:p14="http://schemas.microsoft.com/office/powerpoint/2010/main" val="532762691"/>
+      </p:ext>
+    </p:extLst>
+  </p:cSld>
+  <p:clrMapOvr>
+    <a:masterClrMapping/>
+  </p:clrMapOvr>
+</p:sld>
+</file>
+
+<file path=ppt/slides/slide12.xml><?xml version="1.0" encoding="utf-8"?>
+<p:sld xmlns:a="http://schemas.openxmlformats.org/drawingml/2006/main" xmlns:r="http://schemas.openxmlformats.org/officeDocument/2006/relationships" xmlns:p="http://schemas.openxmlformats.org/presentationml/2006/main">
+  <p:cSld>
+    <p:spTree>
+      <p:nvGrpSpPr>
+        <p:cNvPr id="1" name="">
+          <a:extLst>
+            <a:ext uri="{FF2B5EF4-FFF2-40B4-BE49-F238E27FC236}">
+              <a16:creationId xmlns:a16="http://schemas.microsoft.com/office/drawing/2014/main" id="{536A5BE0-CBF2-05CC-A3D1-DEC17CF8AE4F}"/>
+            </a:ext>
+          </a:extLst>
+        </p:cNvPr>
+        <p:cNvGrpSpPr/>
+        <p:nvPr/>
+      </p:nvGrpSpPr>
+      <p:grpSpPr>
+        <a:xfrm>
+          <a:off x="0" y="0"/>
+          <a:ext cx="0" cy="0"/>
+          <a:chOff x="0" y="0"/>
+          <a:chExt cx="0" cy="0"/>
+        </a:xfrm>
+      </p:grpSpPr>
+      <p:sp>
+        <p:nvSpPr>
+          <p:cNvPr id="2" name="Title 1">
+            <a:extLst>
+              <a:ext uri="{FF2B5EF4-FFF2-40B4-BE49-F238E27FC236}">
+                <a16:creationId xmlns:a16="http://schemas.microsoft.com/office/drawing/2014/main" id="{FA6C2CDF-7F6F-C685-F78D-3B4698E3C128}"/>
+              </a:ext>
+            </a:extLst>
+          </p:cNvPr>
+          <p:cNvSpPr>
+            <a:spLocks noGrp="1"/>
+          </p:cNvSpPr>
+          <p:nvPr>
+            <p:ph type="title"/>
+          </p:nvPr>
+        </p:nvSpPr>
+        <p:spPr/>
+        <p:txBody>
+          <a:bodyPr/>
+          <a:lstStyle/>
+          <a:p>
+            <a:r>
+              <a:rPr lang="en-GB" dirty="0"/>
+              <a:t>Reservoir</a:t>
+            </a:r>
+          </a:p>
+        </p:txBody>
+      </p:sp>
       <mc:AlternateContent xmlns:mc="http://schemas.openxmlformats.org/markup-compatibility/2006">
         <mc:Choice xmlns:a14="http://schemas.microsoft.com/office/drawing/2010/main" Requires="a14">
           <p:sp>
@@ -5358,7 +7081,7 @@
               <p:cNvPr id="3" name="Content Placeholder 2">
                 <a:extLst>
                   <a:ext uri="{FF2B5EF4-FFF2-40B4-BE49-F238E27FC236}">
-                    <a16:creationId xmlns:a16="http://schemas.microsoft.com/office/drawing/2014/main" id="{2458C2F4-D218-366F-6EC9-C294EFD0C7AE}"/>
+                    <a16:creationId xmlns:a16="http://schemas.microsoft.com/office/drawing/2014/main" id="{819B8539-8222-70EC-3C3A-37A9EC813674}"/>
                   </a:ext>
                 </a:extLst>
               </p:cNvPr>
@@ -5383,8 +7106,2004 @@
               <a:p>
                 <a:r>
                   <a:rPr lang="en-US" dirty="0"/>
-                  <a:t>A linear head is applied to regress dense 3D point maps in the unified coordinate system from decoded tokens.</a:t>
+                  <a:t>A reservoir strategy is used to keep the model scalable for long videos.</a:t>
                 </a:r>
+              </a:p>
+              <a:p>
+                <a:r>
+                  <a:rPr lang="en-US" dirty="0"/>
+                  <a:t>A maximum of </a:t>
+                </a:r>
+                <a14:m>
+                  <m:oMath xmlns:m="http://schemas.openxmlformats.org/officeDocument/2006/math">
+                    <m:r>
+                      <m:rPr>
+                        <m:sty m:val="p"/>
+                      </m:rPr>
+                      <a:rPr lang="en-US" b="0" i="1" smtClean="0">
+                        <a:latin typeface="Cambria Math" panose="02040503050406030204" pitchFamily="18" charset="0"/>
+                      </a:rPr>
+                      <m:t>B</m:t>
+                    </m:r>
+                  </m:oMath>
+                </a14:m>
+                <a:r>
+                  <a:rPr lang="en-US" dirty="0"/>
+                  <a:t> frames are kept in the reservoir.</a:t>
+                </a:r>
+              </a:p>
+              <a:p>
+                <a:r>
+                  <a:rPr lang="en-US" dirty="0"/>
+                  <a:t>If a new frame comes when the reservoir is full, it is added to the reservoir with a probability of </a:t>
+                </a:r>
+                <a14:m>
+                  <m:oMath xmlns:m="http://schemas.openxmlformats.org/officeDocument/2006/math">
+                    <m:r>
+                      <m:rPr>
+                        <m:sty m:val="p"/>
+                      </m:rPr>
+                      <a:rPr lang="en-US" b="0" i="1" smtClean="0">
+                        <a:latin typeface="Cambria Math" panose="02040503050406030204" pitchFamily="18" charset="0"/>
+                      </a:rPr>
+                      <m:t>B</m:t>
+                    </m:r>
+                    <m:r>
+                      <a:rPr lang="en-US" b="0" i="1" smtClean="0">
+                        <a:latin typeface="Cambria Math" panose="02040503050406030204" pitchFamily="18" charset="0"/>
+                      </a:rPr>
+                      <m:t>/</m:t>
+                    </m:r>
+                    <m:r>
+                      <m:rPr>
+                        <m:sty m:val="p"/>
+                      </m:rPr>
+                      <a:rPr lang="en-US" b="0" i="1" smtClean="0">
+                        <a:latin typeface="Cambria Math" panose="02040503050406030204" pitchFamily="18" charset="0"/>
+                      </a:rPr>
+                      <m:t>id</m:t>
+                    </m:r>
+                  </m:oMath>
+                </a14:m>
+                <a:r>
+                  <a:rPr lang="en-US" dirty="0"/>
+                  <a:t> where </a:t>
+                </a:r>
+                <a14:m>
+                  <m:oMath xmlns:m="http://schemas.openxmlformats.org/officeDocument/2006/math">
+                    <m:r>
+                      <m:rPr>
+                        <m:sty m:val="p"/>
+                      </m:rPr>
+                      <a:rPr lang="en-US" b="0" i="1" smtClean="0">
+                        <a:latin typeface="Cambria Math" panose="02040503050406030204" pitchFamily="18" charset="0"/>
+                      </a:rPr>
+                      <m:t>id</m:t>
+                    </m:r>
+                  </m:oMath>
+                </a14:m>
+                <a:r>
+                  <a:rPr lang="en-US" dirty="0"/>
+                  <a:t> is the index of the new frame. A random existing frame is removed from the reservoir.</a:t>
+                </a:r>
+              </a:p>
+            </p:txBody>
+          </p:sp>
+        </mc:Choice>
+        <mc:Fallback>
+          <p:sp>
+            <p:nvSpPr>
+              <p:cNvPr id="3" name="Content Placeholder 2">
+                <a:extLst>
+                  <a:ext uri="{FF2B5EF4-FFF2-40B4-BE49-F238E27FC236}">
+                    <a16:creationId xmlns:a16="http://schemas.microsoft.com/office/drawing/2014/main" id="{819B8539-8222-70EC-3C3A-37A9EC813674}"/>
+                  </a:ext>
+                </a:extLst>
+              </p:cNvPr>
+              <p:cNvSpPr>
+                <a:spLocks noGrp="1" noRot="1" noChangeAspect="1" noMove="1" noResize="1" noEditPoints="1" noAdjustHandles="1" noChangeArrowheads="1" noChangeShapeType="1" noTextEdit="1"/>
+              </p:cNvSpPr>
+              <p:nvPr>
+                <p:ph idx="1"/>
+              </p:nvPr>
+            </p:nvSpPr>
+            <p:spPr>
+              <a:xfrm>
+                <a:off x="638175" y="1949958"/>
+                <a:ext cx="11155680" cy="5145786"/>
+              </a:xfrm>
+              <a:blipFill>
+                <a:blip r:embed="rId3"/>
+                <a:stretch>
+                  <a:fillRect l="-383" t="-474"/>
+                </a:stretch>
+              </a:blipFill>
+            </p:spPr>
+            <p:txBody>
+              <a:bodyPr/>
+              <a:lstStyle/>
+              <a:p>
+                <a:r>
+                  <a:rPr lang="en-GB">
+                    <a:noFill/>
+                  </a:rPr>
+                  <a:t> </a:t>
+                </a:r>
+              </a:p>
+            </p:txBody>
+          </p:sp>
+        </mc:Fallback>
+      </mc:AlternateContent>
+    </p:spTree>
+    <p:extLst>
+      <p:ext uri="{BB962C8B-B14F-4D97-AF65-F5344CB8AC3E}">
+        <p14:creationId xmlns:p14="http://schemas.microsoft.com/office/powerpoint/2010/main" val="2278762559"/>
+      </p:ext>
+    </p:extLst>
+  </p:cSld>
+  <p:clrMapOvr>
+    <a:masterClrMapping/>
+  </p:clrMapOvr>
+</p:sld>
+</file>
+
+<file path=ppt/slides/slide13.xml><?xml version="1.0" encoding="utf-8"?>
+<p:sld xmlns:a="http://schemas.openxmlformats.org/drawingml/2006/main" xmlns:r="http://schemas.openxmlformats.org/officeDocument/2006/relationships" xmlns:p="http://schemas.openxmlformats.org/presentationml/2006/main">
+  <p:cSld>
+    <p:spTree>
+      <p:nvGrpSpPr>
+        <p:cNvPr id="1" name="">
+          <a:extLst>
+            <a:ext uri="{FF2B5EF4-FFF2-40B4-BE49-F238E27FC236}">
+              <a16:creationId xmlns:a16="http://schemas.microsoft.com/office/drawing/2014/main" id="{8A6C10DF-3F1C-079C-EFE9-D809E3602788}"/>
+            </a:ext>
+          </a:extLst>
+        </p:cNvPr>
+        <p:cNvGrpSpPr/>
+        <p:nvPr/>
+      </p:nvGrpSpPr>
+      <p:grpSpPr>
+        <a:xfrm>
+          <a:off x="0" y="0"/>
+          <a:ext cx="0" cy="0"/>
+          <a:chOff x="0" y="0"/>
+          <a:chExt cx="0" cy="0"/>
+        </a:xfrm>
+      </p:grpSpPr>
+      <p:sp>
+        <p:nvSpPr>
+          <p:cNvPr id="2" name="Title 1">
+            <a:extLst>
+              <a:ext uri="{FF2B5EF4-FFF2-40B4-BE49-F238E27FC236}">
+                <a16:creationId xmlns:a16="http://schemas.microsoft.com/office/drawing/2014/main" id="{369F9D2D-4534-FD22-2FD2-73695F9D3C7A}"/>
+              </a:ext>
+            </a:extLst>
+          </p:cNvPr>
+          <p:cNvSpPr>
+            <a:spLocks noGrp="1"/>
+          </p:cNvSpPr>
+          <p:nvPr>
+            <p:ph type="title"/>
+          </p:nvPr>
+        </p:nvSpPr>
+        <p:spPr/>
+        <p:txBody>
+          <a:bodyPr/>
+          <a:lstStyle/>
+          <a:p>
+            <a:r>
+              <a:rPr lang="en-GB" dirty="0"/>
+              <a:t>Retrieval</a:t>
+            </a:r>
+          </a:p>
+        </p:txBody>
+      </p:sp>
+      <mc:AlternateContent xmlns:mc="http://schemas.openxmlformats.org/markup-compatibility/2006">
+        <mc:Choice xmlns:a14="http://schemas.microsoft.com/office/drawing/2010/main" Requires="a14">
+          <p:sp>
+            <p:nvSpPr>
+              <p:cNvPr id="3" name="Content Placeholder 2">
+                <a:extLst>
+                  <a:ext uri="{FF2B5EF4-FFF2-40B4-BE49-F238E27FC236}">
+                    <a16:creationId xmlns:a16="http://schemas.microsoft.com/office/drawing/2014/main" id="{D82DF754-3921-62E9-BFAD-FC30BFC972CB}"/>
+                  </a:ext>
+                </a:extLst>
+              </p:cNvPr>
+              <p:cNvSpPr>
+                <a:spLocks noGrp="1"/>
+              </p:cNvSpPr>
+              <p:nvPr>
+                <p:ph idx="1"/>
+              </p:nvPr>
+            </p:nvSpPr>
+            <p:spPr>
+              <a:xfrm>
+                <a:off x="638175" y="1949958"/>
+                <a:ext cx="11155680" cy="5145786"/>
+              </a:xfrm>
+            </p:spPr>
+            <p:txBody>
+              <a:bodyPr>
+                <a:normAutofit/>
+              </a:bodyPr>
+              <a:lstStyle/>
+              <a:p>
+                <a:r>
+                  <a:rPr lang="en-US" dirty="0"/>
+                  <a:t>The tokens are given as input, and the most similar frames are used to select top </a:t>
+                </a:r>
+                <a14:m>
+                  <m:oMath xmlns:m="http://schemas.openxmlformats.org/officeDocument/2006/math">
+                    <m:r>
+                      <m:rPr>
+                        <m:sty m:val="p"/>
+                      </m:rPr>
+                      <a:rPr lang="en-US" i="1">
+                        <a:latin typeface="Cambria Math" panose="02040503050406030204" pitchFamily="18" charset="0"/>
+                      </a:rPr>
+                      <m:t>K</m:t>
+                    </m:r>
+                  </m:oMath>
+                </a14:m>
+                <a:r>
+                  <a:rPr lang="en-US" dirty="0"/>
+                  <a:t> frames.</a:t>
+                </a:r>
+              </a:p>
+              <a:p>
+                <a:pPr marL="0" indent="0">
+                  <a:buNone/>
+                </a:pPr>
+                <a:r>
+                  <a:rPr lang="en-US" dirty="0"/>
+                  <a:t>					</a:t>
+                </a:r>
+                <a14:m>
+                  <m:oMath xmlns:m="http://schemas.openxmlformats.org/officeDocument/2006/math">
+                    <m:r>
+                      <a:rPr lang="en-US" i="1">
+                        <a:latin typeface="Cambria Math" panose="02040503050406030204" pitchFamily="18" charset="0"/>
+                      </a:rPr>
+                      <m:t>𝑅𝑒𝑡𝑟𝑖𝑒𝑣𝑎𝑙</m:t>
+                    </m:r>
+                    <m:d>
+                      <m:dPr>
+                        <m:ctrlPr>
+                          <a:rPr lang="en-US" i="1">
+                            <a:latin typeface="Cambria Math" panose="02040503050406030204" pitchFamily="18" charset="0"/>
+                          </a:rPr>
+                        </m:ctrlPr>
+                      </m:dPr>
+                      <m:e>
+                        <m:sSubSup>
+                          <m:sSubSupPr>
+                            <m:ctrlPr>
+                              <a:rPr lang="en-US" i="1">
+                                <a:latin typeface="Cambria Math" panose="02040503050406030204" pitchFamily="18" charset="0"/>
+                              </a:rPr>
+                            </m:ctrlPr>
+                          </m:sSubSupPr>
+                          <m:e>
+                            <m:r>
+                              <a:rPr lang="en-US" i="1">
+                                <a:latin typeface="Cambria Math" panose="02040503050406030204" pitchFamily="18" charset="0"/>
+                              </a:rPr>
+                              <m:t>𝐹</m:t>
+                            </m:r>
+                          </m:e>
+                          <m:sub>
+                            <m:r>
+                              <a:rPr lang="en-US" i="1">
+                                <a:latin typeface="Cambria Math" panose="02040503050406030204" pitchFamily="18" charset="0"/>
+                              </a:rPr>
+                              <m:t>𝑘𝑒𝑦</m:t>
+                            </m:r>
+                          </m:sub>
+                          <m:sup>
+                            <m:r>
+                              <a:rPr lang="en-US" i="1">
+                                <a:latin typeface="Cambria Math" panose="02040503050406030204" pitchFamily="18" charset="0"/>
+                              </a:rPr>
+                              <m:t>(</m:t>
+                            </m:r>
+                            <m:r>
+                              <a:rPr lang="en-US" i="1">
+                                <a:latin typeface="Cambria Math" panose="02040503050406030204" pitchFamily="18" charset="0"/>
+                              </a:rPr>
+                              <m:t>𝑇</m:t>
+                            </m:r>
+                            <m:r>
+                              <a:rPr lang="en-US" i="1">
+                                <a:latin typeface="Cambria Math" panose="02040503050406030204" pitchFamily="18" charset="0"/>
+                              </a:rPr>
+                              <m:t> × </m:t>
+                            </m:r>
+                            <m:r>
+                              <a:rPr lang="en-US" i="1">
+                                <a:latin typeface="Cambria Math" panose="02040503050406030204" pitchFamily="18" charset="0"/>
+                              </a:rPr>
+                              <m:t>𝑑</m:t>
+                            </m:r>
+                            <m:r>
+                              <a:rPr lang="en-US" i="1">
+                                <a:latin typeface="Cambria Math" panose="02040503050406030204" pitchFamily="18" charset="0"/>
+                              </a:rPr>
+                              <m:t>)</m:t>
+                            </m:r>
+                          </m:sup>
+                        </m:sSubSup>
+                        <m:r>
+                          <a:rPr lang="en-US" i="1">
+                            <a:latin typeface="Cambria Math" panose="02040503050406030204" pitchFamily="18" charset="0"/>
+                          </a:rPr>
+                          <m:t>, {</m:t>
+                        </m:r>
+                        <m:sSubSup>
+                          <m:sSubSupPr>
+                            <m:ctrlPr>
+                              <a:rPr lang="en-US" i="1">
+                                <a:latin typeface="Cambria Math" panose="02040503050406030204" pitchFamily="18" charset="0"/>
+                              </a:rPr>
+                            </m:ctrlPr>
+                          </m:sSubSupPr>
+                          <m:e>
+                            <m:r>
+                              <m:rPr>
+                                <m:sty m:val="p"/>
+                              </m:rPr>
+                              <a:rPr lang="en-US" i="1">
+                                <a:latin typeface="Cambria Math" panose="02040503050406030204" pitchFamily="18" charset="0"/>
+                              </a:rPr>
+                              <m:t>F</m:t>
+                            </m:r>
+                          </m:e>
+                          <m:sub>
+                            <m:sSub>
+                              <m:sSubPr>
+                                <m:ctrlPr>
+                                  <a:rPr lang="en-US" i="1">
+                                    <a:latin typeface="Cambria Math" panose="02040503050406030204" pitchFamily="18" charset="0"/>
+                                  </a:rPr>
+                                </m:ctrlPr>
+                              </m:sSubPr>
+                              <m:e>
+                                <m:r>
+                                  <m:rPr>
+                                    <m:sty m:val="p"/>
+                                  </m:rPr>
+                                  <a:rPr lang="en-US" i="1">
+                                    <a:latin typeface="Cambria Math" panose="02040503050406030204" pitchFamily="18" charset="0"/>
+                                  </a:rPr>
+                                  <m:t>sce</m:t>
+                                </m:r>
+                              </m:e>
+                              <m:sub>
+                                <m:r>
+                                  <m:rPr>
+                                    <m:sty m:val="p"/>
+                                  </m:rPr>
+                                  <a:rPr lang="en-US" i="1">
+                                    <a:latin typeface="Cambria Math" panose="02040503050406030204" pitchFamily="18" charset="0"/>
+                                  </a:rPr>
+                                  <m:t>i</m:t>
+                                </m:r>
+                              </m:sub>
+                            </m:sSub>
+                          </m:sub>
+                          <m:sup>
+                            <m:r>
+                              <a:rPr lang="en-US" i="1">
+                                <a:latin typeface="Cambria Math" panose="02040503050406030204" pitchFamily="18" charset="0"/>
+                              </a:rPr>
+                              <m:t>(</m:t>
+                            </m:r>
+                            <m:r>
+                              <m:rPr>
+                                <m:sty m:val="p"/>
+                              </m:rPr>
+                              <a:rPr lang="en-US" i="1">
+                                <a:latin typeface="Cambria Math" panose="02040503050406030204" pitchFamily="18" charset="0"/>
+                              </a:rPr>
+                              <m:t>T</m:t>
+                            </m:r>
+                            <m:r>
+                              <a:rPr lang="en-US" i="1">
+                                <a:latin typeface="Cambria Math" panose="02040503050406030204" pitchFamily="18" charset="0"/>
+                              </a:rPr>
+                              <m:t> × </m:t>
+                            </m:r>
+                            <m:r>
+                              <m:rPr>
+                                <m:sty m:val="p"/>
+                              </m:rPr>
+                              <a:rPr lang="en-US" i="1">
+                                <a:latin typeface="Cambria Math" panose="02040503050406030204" pitchFamily="18" charset="0"/>
+                              </a:rPr>
+                              <m:t>d</m:t>
+                            </m:r>
+                          </m:sup>
+                        </m:sSubSup>
+                        <m:r>
+                          <a:rPr lang="en-US" i="1">
+                            <a:latin typeface="Cambria Math" panose="02040503050406030204" pitchFamily="18" charset="0"/>
+                          </a:rPr>
+                          <m:t>}</m:t>
+                        </m:r>
+                      </m:e>
+                    </m:d>
+                  </m:oMath>
+                </a14:m>
+                <a:endParaRPr lang="en-US" dirty="0"/>
+              </a:p>
+              <a:p>
+                <a:r>
+                  <a:rPr lang="en-US" dirty="0"/>
+                  <a:t>Retriever has same architecture as I2P decoder</a:t>
+                </a:r>
+              </a:p>
+              <a:p>
+                <a:r>
+                  <a:rPr lang="en-US" dirty="0"/>
+                  <a:t>Retrieval is based on geometric suitability and visual similarity</a:t>
+                </a:r>
+              </a:p>
+              <a:p>
+                <a:r>
+                  <a:rPr lang="en-US" dirty="0"/>
+                  <a:t>As output, we are left with a new keyframe and </a:t>
+                </a:r>
+                <a14:m>
+                  <m:oMath xmlns:m="http://schemas.openxmlformats.org/officeDocument/2006/math">
+                    <m:r>
+                      <m:rPr>
+                        <m:sty m:val="p"/>
+                      </m:rPr>
+                      <a:rPr lang="en-US" b="0" i="1" smtClean="0">
+                        <a:latin typeface="Cambria Math" panose="02040503050406030204" pitchFamily="18" charset="0"/>
+                      </a:rPr>
+                      <m:t>K</m:t>
+                    </m:r>
+                  </m:oMath>
+                </a14:m>
+                <a:r>
+                  <a:rPr lang="en-US" dirty="0"/>
+                  <a:t> scene frames</a:t>
+                </a:r>
+              </a:p>
+            </p:txBody>
+          </p:sp>
+        </mc:Choice>
+        <mc:Fallback>
+          <p:sp>
+            <p:nvSpPr>
+              <p:cNvPr id="3" name="Content Placeholder 2">
+                <a:extLst>
+                  <a:ext uri="{FF2B5EF4-FFF2-40B4-BE49-F238E27FC236}">
+                    <a16:creationId xmlns:a16="http://schemas.microsoft.com/office/drawing/2014/main" id="{D82DF754-3921-62E9-BFAD-FC30BFC972CB}"/>
+                  </a:ext>
+                </a:extLst>
+              </p:cNvPr>
+              <p:cNvSpPr>
+                <a:spLocks noGrp="1" noRot="1" noChangeAspect="1" noMove="1" noResize="1" noEditPoints="1" noAdjustHandles="1" noChangeArrowheads="1" noChangeShapeType="1" noTextEdit="1"/>
+              </p:cNvSpPr>
+              <p:nvPr>
+                <p:ph idx="1"/>
+              </p:nvPr>
+            </p:nvSpPr>
+            <p:spPr>
+              <a:xfrm>
+                <a:off x="638175" y="1949958"/>
+                <a:ext cx="11155680" cy="5145786"/>
+              </a:xfrm>
+              <a:blipFill>
+                <a:blip r:embed="rId3"/>
+                <a:stretch>
+                  <a:fillRect l="-383" t="-474"/>
+                </a:stretch>
+              </a:blipFill>
+            </p:spPr>
+            <p:txBody>
+              <a:bodyPr/>
+              <a:lstStyle/>
+              <a:p>
+                <a:r>
+                  <a:rPr lang="en-GB">
+                    <a:noFill/>
+                  </a:rPr>
+                  <a:t> </a:t>
+                </a:r>
+              </a:p>
+            </p:txBody>
+          </p:sp>
+        </mc:Fallback>
+      </mc:AlternateContent>
+    </p:spTree>
+    <p:extLst>
+      <p:ext uri="{BB962C8B-B14F-4D97-AF65-F5344CB8AC3E}">
+        <p14:creationId xmlns:p14="http://schemas.microsoft.com/office/powerpoint/2010/main" val="1877685862"/>
+      </p:ext>
+    </p:extLst>
+  </p:cSld>
+  <p:clrMapOvr>
+    <a:masterClrMapping/>
+  </p:clrMapOvr>
+</p:sld>
+</file>
+
+<file path=ppt/slides/slide14.xml><?xml version="1.0" encoding="utf-8"?>
+<p:sld xmlns:a="http://schemas.openxmlformats.org/drawingml/2006/main" xmlns:r="http://schemas.openxmlformats.org/officeDocument/2006/relationships" xmlns:p="http://schemas.openxmlformats.org/presentationml/2006/main">
+  <p:cSld>
+    <p:spTree>
+      <p:nvGrpSpPr>
+        <p:cNvPr id="1" name="">
+          <a:extLst>
+            <a:ext uri="{FF2B5EF4-FFF2-40B4-BE49-F238E27FC236}">
+              <a16:creationId xmlns:a16="http://schemas.microsoft.com/office/drawing/2014/main" id="{E43A4754-5079-AB1B-F7E5-3E4679B996E3}"/>
+            </a:ext>
+          </a:extLst>
+        </p:cNvPr>
+        <p:cNvGrpSpPr/>
+        <p:nvPr/>
+      </p:nvGrpSpPr>
+      <p:grpSpPr>
+        <a:xfrm>
+          <a:off x="0" y="0"/>
+          <a:ext cx="0" cy="0"/>
+          <a:chOff x="0" y="0"/>
+          <a:chExt cx="0" cy="0"/>
+        </a:xfrm>
+      </p:grpSpPr>
+      <p:sp>
+        <p:nvSpPr>
+          <p:cNvPr id="2" name="Title 1">
+            <a:extLst>
+              <a:ext uri="{FF2B5EF4-FFF2-40B4-BE49-F238E27FC236}">
+                <a16:creationId xmlns:a16="http://schemas.microsoft.com/office/drawing/2014/main" id="{666AEA97-D1E6-F104-4BBE-EDB58B79DA68}"/>
+              </a:ext>
+            </a:extLst>
+          </p:cNvPr>
+          <p:cNvSpPr>
+            <a:spLocks noGrp="1"/>
+          </p:cNvSpPr>
+          <p:nvPr>
+            <p:ph type="title"/>
+          </p:nvPr>
+        </p:nvSpPr>
+        <p:spPr/>
+        <p:txBody>
+          <a:bodyPr/>
+          <a:lstStyle/>
+          <a:p>
+            <a:r>
+              <a:rPr lang="en-US" dirty="0"/>
+              <a:t>Points Embedding</a:t>
+            </a:r>
+          </a:p>
+        </p:txBody>
+      </p:sp>
+      <p:sp>
+        <p:nvSpPr>
+          <p:cNvPr id="3" name="Content Placeholder 2">
+            <a:extLst>
+              <a:ext uri="{FF2B5EF4-FFF2-40B4-BE49-F238E27FC236}">
+                <a16:creationId xmlns:a16="http://schemas.microsoft.com/office/drawing/2014/main" id="{1AFF25D4-61E2-18AA-51D4-DDBCE481FD82}"/>
+              </a:ext>
+            </a:extLst>
+          </p:cNvPr>
+          <p:cNvSpPr>
+            <a:spLocks noGrp="1"/>
+          </p:cNvSpPr>
+          <p:nvPr>
+            <p:ph idx="1"/>
+          </p:nvPr>
+        </p:nvSpPr>
+        <p:spPr>
+          <a:xfrm>
+            <a:off x="638175" y="1949958"/>
+            <a:ext cx="11155680" cy="5145786"/>
+          </a:xfrm>
+        </p:spPr>
+        <p:txBody>
+          <a:bodyPr>
+            <a:normAutofit/>
+          </a:bodyPr>
+          <a:lstStyle/>
+          <a:p>
+            <a:r>
+              <a:rPr lang="en-US" dirty="0"/>
+              <a:t>A patch embedding method is used.</a:t>
+            </a:r>
+          </a:p>
+          <a:p>
+            <a:r>
+              <a:rPr lang="en-US" dirty="0"/>
+              <a:t>Geometric tokens are encoded as:</a:t>
+            </a:r>
+          </a:p>
+          <a:p>
+            <a:endParaRPr lang="en-US" dirty="0"/>
+          </a:p>
+          <a:p>
+            <a:r>
+              <a:rPr lang="en-US" dirty="0"/>
+              <a:t>Then they are combined with their corresponding visual tokens as</a:t>
+            </a:r>
+          </a:p>
+          <a:p>
+            <a:pPr marL="0" indent="0">
+              <a:buNone/>
+            </a:pPr>
+            <a:endParaRPr lang="en-US" dirty="0"/>
+          </a:p>
+          <a:p>
+            <a:endParaRPr lang="en-US" dirty="0"/>
+          </a:p>
+          <a:p>
+            <a:endParaRPr lang="en-US" dirty="0"/>
+          </a:p>
+          <a:p>
+            <a:pPr marL="457200" lvl="1" indent="0">
+              <a:buNone/>
+            </a:pPr>
+            <a:endParaRPr lang="en-US" dirty="0"/>
+          </a:p>
+        </p:txBody>
+      </p:sp>
+      <p:pic>
+        <p:nvPicPr>
+          <p:cNvPr id="7" name="Picture 6">
+            <a:extLst>
+              <a:ext uri="{FF2B5EF4-FFF2-40B4-BE49-F238E27FC236}">
+                <a16:creationId xmlns:a16="http://schemas.microsoft.com/office/drawing/2014/main" id="{D83916B7-B30C-9288-88CD-255F253F1FDF}"/>
+              </a:ext>
+            </a:extLst>
+          </p:cNvPr>
+          <p:cNvPicPr>
+            <a:picLocks noChangeAspect="1"/>
+          </p:cNvPicPr>
+          <p:nvPr/>
+        </p:nvPicPr>
+        <p:blipFill>
+          <a:blip r:embed="rId3">
+            <a:extLst>
+              <a:ext uri="{28A0092B-C50C-407E-A947-70E740481C1C}">
+                <a14:useLocalDpi xmlns:a14="http://schemas.microsoft.com/office/drawing/2010/main" val="0"/>
+              </a:ext>
+            </a:extLst>
+          </a:blip>
+          <a:stretch>
+            <a:fillRect/>
+          </a:stretch>
+        </p:blipFill>
+        <p:spPr>
+          <a:xfrm>
+            <a:off x="4252685" y="2952282"/>
+            <a:ext cx="3686629" cy="261968"/>
+          </a:xfrm>
+          <a:prstGeom prst="rect">
+            <a:avLst/>
+          </a:prstGeom>
+        </p:spPr>
+      </p:pic>
+      <p:pic>
+        <p:nvPicPr>
+          <p:cNvPr id="9" name="Picture 8">
+            <a:extLst>
+              <a:ext uri="{FF2B5EF4-FFF2-40B4-BE49-F238E27FC236}">
+                <a16:creationId xmlns:a16="http://schemas.microsoft.com/office/drawing/2014/main" id="{3F754B03-76AC-66FF-3137-06E56E406461}"/>
+              </a:ext>
+            </a:extLst>
+          </p:cNvPr>
+          <p:cNvPicPr>
+            <a:picLocks noChangeAspect="1"/>
+          </p:cNvPicPr>
+          <p:nvPr/>
+        </p:nvPicPr>
+        <p:blipFill>
+          <a:blip r:embed="rId4">
+            <a:extLst>
+              <a:ext uri="{28A0092B-C50C-407E-A947-70E740481C1C}">
+                <a14:useLocalDpi xmlns:a14="http://schemas.microsoft.com/office/drawing/2010/main" val="0"/>
+              </a:ext>
+            </a:extLst>
+          </a:blip>
+          <a:stretch>
+            <a:fillRect/>
+          </a:stretch>
+        </p:blipFill>
+        <p:spPr>
+          <a:xfrm>
+            <a:off x="4222863" y="3725084"/>
+            <a:ext cx="3746272" cy="261968"/>
+          </a:xfrm>
+          <a:prstGeom prst="rect">
+            <a:avLst/>
+          </a:prstGeom>
+        </p:spPr>
+      </p:pic>
+    </p:spTree>
+    <p:extLst>
+      <p:ext uri="{BB962C8B-B14F-4D97-AF65-F5344CB8AC3E}">
+        <p14:creationId xmlns:p14="http://schemas.microsoft.com/office/powerpoint/2010/main" val="4094969291"/>
+      </p:ext>
+    </p:extLst>
+  </p:cSld>
+  <p:clrMapOvr>
+    <a:masterClrMapping/>
+  </p:clrMapOvr>
+</p:sld>
+</file>
+
+<file path=ppt/slides/slide15.xml><?xml version="1.0" encoding="utf-8"?>
+<p:sld xmlns:a="http://schemas.openxmlformats.org/drawingml/2006/main" xmlns:r="http://schemas.openxmlformats.org/officeDocument/2006/relationships" xmlns:p="http://schemas.openxmlformats.org/presentationml/2006/main">
+  <p:cSld>
+    <p:spTree>
+      <p:nvGrpSpPr>
+        <p:cNvPr id="1" name="">
+          <a:extLst>
+            <a:ext uri="{FF2B5EF4-FFF2-40B4-BE49-F238E27FC236}">
+              <a16:creationId xmlns:a16="http://schemas.microsoft.com/office/drawing/2014/main" id="{6623B3FC-5F14-1BB8-5803-F316430026DE}"/>
+            </a:ext>
+          </a:extLst>
+        </p:cNvPr>
+        <p:cNvGrpSpPr/>
+        <p:nvPr/>
+      </p:nvGrpSpPr>
+      <p:grpSpPr>
+        <a:xfrm>
+          <a:off x="0" y="0"/>
+          <a:ext cx="0" cy="0"/>
+          <a:chOff x="0" y="0"/>
+          <a:chExt cx="0" cy="0"/>
+        </a:xfrm>
+      </p:grpSpPr>
+      <p:sp>
+        <p:nvSpPr>
+          <p:cNvPr id="2" name="Title 1">
+            <a:extLst>
+              <a:ext uri="{FF2B5EF4-FFF2-40B4-BE49-F238E27FC236}">
+                <a16:creationId xmlns:a16="http://schemas.microsoft.com/office/drawing/2014/main" id="{ABA164CA-914F-BCE4-60FC-F5D219A3E832}"/>
+              </a:ext>
+            </a:extLst>
+          </p:cNvPr>
+          <p:cNvSpPr>
+            <a:spLocks noGrp="1"/>
+          </p:cNvSpPr>
+          <p:nvPr>
+            <p:ph type="title"/>
+          </p:nvPr>
+        </p:nvSpPr>
+        <p:spPr/>
+        <p:txBody>
+          <a:bodyPr/>
+          <a:lstStyle/>
+          <a:p>
+            <a:r>
+              <a:rPr lang="en-US" dirty="0"/>
+              <a:t>Registration Decoder</a:t>
+            </a:r>
+          </a:p>
+        </p:txBody>
+      </p:sp>
+      <mc:AlternateContent xmlns:mc="http://schemas.openxmlformats.org/markup-compatibility/2006">
+        <mc:Choice xmlns:a14="http://schemas.microsoft.com/office/drawing/2010/main" Requires="a14">
+          <p:sp>
+            <p:nvSpPr>
+              <p:cNvPr id="3" name="Content Placeholder 2">
+                <a:extLst>
+                  <a:ext uri="{FF2B5EF4-FFF2-40B4-BE49-F238E27FC236}">
+                    <a16:creationId xmlns:a16="http://schemas.microsoft.com/office/drawing/2014/main" id="{3F528F99-4E9B-7FBF-6A08-6823EA930F4B}"/>
+                  </a:ext>
+                </a:extLst>
+              </p:cNvPr>
+              <p:cNvSpPr>
+                <a:spLocks noGrp="1"/>
+              </p:cNvSpPr>
+              <p:nvPr>
+                <p:ph idx="1"/>
+              </p:nvPr>
+            </p:nvSpPr>
+            <p:spPr>
+              <a:xfrm>
+                <a:off x="638175" y="1949958"/>
+                <a:ext cx="11155680" cy="5145786"/>
+              </a:xfrm>
+            </p:spPr>
+            <p:txBody>
+              <a:bodyPr>
+                <a:normAutofit/>
+              </a:bodyPr>
+              <a:lstStyle/>
+              <a:p>
+                <a:r>
+                  <a:rPr lang="en-US" dirty="0"/>
+                  <a:t>This aims to transform local reconstruction of the keyframe to the scene coordinate system</a:t>
+                </a:r>
+              </a:p>
+              <a:p>
+                <a:r>
+                  <a:rPr lang="en-US" dirty="0"/>
+                  <a:t>Inputs: </a:t>
+                </a:r>
+                <a14:m>
+                  <m:oMath xmlns:m="http://schemas.openxmlformats.org/officeDocument/2006/math">
+                    <m:r>
+                      <m:rPr>
+                        <m:lit/>
+                      </m:rPr>
+                      <a:rPr lang="en-US" b="0" i="1" smtClean="0">
+                        <a:latin typeface="Cambria Math" panose="02040503050406030204" pitchFamily="18" charset="0"/>
+                      </a:rPr>
+                      <m:t>{</m:t>
+                    </m:r>
+                    <m:sSub>
+                      <m:sSubPr>
+                        <m:ctrlPr>
+                          <a:rPr lang="en-US" b="0" i="1" smtClean="0">
+                            <a:latin typeface="Cambria Math" panose="02040503050406030204" pitchFamily="18" charset="0"/>
+                          </a:rPr>
+                        </m:ctrlPr>
+                      </m:sSubPr>
+                      <m:e>
+                        <m:r>
+                          <a:rPr lang="en-US" b="0" i="1" smtClean="0">
+                            <a:latin typeface="Cambria Math" panose="02040503050406030204" pitchFamily="18" charset="0"/>
+                          </a:rPr>
+                          <m:t>ℱ</m:t>
+                        </m:r>
+                      </m:e>
+                      <m:sub>
+                        <m:r>
+                          <m:rPr>
+                            <m:sty m:val="p"/>
+                          </m:rPr>
+                          <a:rPr lang="en-US" b="0" i="1" smtClean="0">
+                            <a:latin typeface="Cambria Math" panose="02040503050406030204" pitchFamily="18" charset="0"/>
+                          </a:rPr>
+                          <m:t>key</m:t>
+                        </m:r>
+                      </m:sub>
+                    </m:sSub>
+                    <m:r>
+                      <a:rPr lang="en-US" b="0" i="1" smtClean="0">
+                        <a:latin typeface="Cambria Math" panose="02040503050406030204" pitchFamily="18" charset="0"/>
+                      </a:rPr>
+                      <m:t>,</m:t>
+                    </m:r>
+                    <m:r>
+                      <m:rPr>
+                        <m:lit/>
+                      </m:rPr>
+                      <a:rPr lang="en-US" b="0" i="1" smtClean="0">
+                        <a:latin typeface="Cambria Math" panose="02040503050406030204" pitchFamily="18" charset="0"/>
+                      </a:rPr>
+                      <m:t>{</m:t>
+                    </m:r>
+                    <m:sSub>
+                      <m:sSubPr>
+                        <m:ctrlPr>
+                          <a:rPr lang="en-US" b="0" i="1" smtClean="0">
+                            <a:latin typeface="Cambria Math" panose="02040503050406030204" pitchFamily="18" charset="0"/>
+                          </a:rPr>
+                        </m:ctrlPr>
+                      </m:sSubPr>
+                      <m:e>
+                        <m:r>
+                          <a:rPr lang="en-US" b="0" i="1" smtClean="0">
+                            <a:latin typeface="Cambria Math" panose="02040503050406030204" pitchFamily="18" charset="0"/>
+                          </a:rPr>
+                          <m:t>ℱ</m:t>
+                        </m:r>
+                      </m:e>
+                      <m:sub>
+                        <m:sSub>
+                          <m:sSubPr>
+                            <m:ctrlPr>
+                              <a:rPr lang="en-US" b="0" i="1" smtClean="0">
+                                <a:latin typeface="Cambria Math" panose="02040503050406030204" pitchFamily="18" charset="0"/>
+                              </a:rPr>
+                            </m:ctrlPr>
+                          </m:sSubPr>
+                          <m:e>
+                            <m:r>
+                              <m:rPr>
+                                <m:sty m:val="p"/>
+                              </m:rPr>
+                              <a:rPr lang="en-US" b="0" i="1" smtClean="0">
+                                <a:latin typeface="Cambria Math" panose="02040503050406030204" pitchFamily="18" charset="0"/>
+                              </a:rPr>
+                              <m:t>sce</m:t>
+                            </m:r>
+                          </m:e>
+                          <m:sub>
+                            <m:r>
+                              <m:rPr>
+                                <m:sty m:val="p"/>
+                              </m:rPr>
+                              <a:rPr lang="en-US" b="0" i="1" smtClean="0">
+                                <a:latin typeface="Cambria Math" panose="02040503050406030204" pitchFamily="18" charset="0"/>
+                              </a:rPr>
+                              <m:t>i</m:t>
+                            </m:r>
+                          </m:sub>
+                        </m:sSub>
+                      </m:sub>
+                    </m:sSub>
+                    <m:sSubSup>
+                      <m:sSubSupPr>
+                        <m:ctrlPr>
+                          <a:rPr lang="en-US" b="0" i="1" smtClean="0">
+                            <a:latin typeface="Cambria Math" panose="02040503050406030204" pitchFamily="18" charset="0"/>
+                          </a:rPr>
+                        </m:ctrlPr>
+                      </m:sSubSupPr>
+                      <m:e>
+                        <m:r>
+                          <m:rPr>
+                            <m:lit/>
+                          </m:rPr>
+                          <a:rPr lang="en-US" b="0" i="1" smtClean="0">
+                            <a:latin typeface="Cambria Math" panose="02040503050406030204" pitchFamily="18" charset="0"/>
+                          </a:rPr>
+                          <m:t>}</m:t>
+                        </m:r>
+                      </m:e>
+                      <m:sub>
+                        <m:r>
+                          <a:rPr lang="en-US" b="0" i="1" smtClean="0">
+                            <a:latin typeface="Cambria Math" panose="02040503050406030204" pitchFamily="18" charset="0"/>
+                          </a:rPr>
+                          <m:t>𝑖</m:t>
+                        </m:r>
+                        <m:r>
+                          <a:rPr lang="en-US" b="0" i="1" smtClean="0">
+                            <a:latin typeface="Cambria Math" panose="02040503050406030204" pitchFamily="18" charset="0"/>
+                          </a:rPr>
+                          <m:t>=</m:t>
+                        </m:r>
+                        <m:r>
+                          <a:rPr lang="en-US" b="0" i="1" smtClean="0">
+                            <a:latin typeface="Cambria Math" panose="02040503050406030204" pitchFamily="18" charset="0"/>
+                          </a:rPr>
+                          <m:t>1</m:t>
+                        </m:r>
+                      </m:sub>
+                      <m:sup>
+                        <m:r>
+                          <a:rPr lang="en-US" b="0" i="1" smtClean="0">
+                            <a:latin typeface="Cambria Math" panose="02040503050406030204" pitchFamily="18" charset="0"/>
+                          </a:rPr>
+                          <m:t>𝐾</m:t>
+                        </m:r>
+                      </m:sup>
+                    </m:sSubSup>
+                    <m:r>
+                      <m:rPr>
+                        <m:lit/>
+                      </m:rPr>
+                      <a:rPr lang="en-US" b="0" i="1" smtClean="0">
+                        <a:latin typeface="Cambria Math" panose="02040503050406030204" pitchFamily="18" charset="0"/>
+                      </a:rPr>
+                      <m:t>}</m:t>
+                    </m:r>
+                  </m:oMath>
+                </a14:m>
+                <a:endParaRPr lang="en-US" dirty="0"/>
+              </a:p>
+              <a:p>
+                <a:r>
+                  <a:rPr lang="en-US" dirty="0"/>
+                  <a:t>Same network architecture as the keyframe decoder</a:t>
+                </a:r>
+              </a:p>
+              <a:p>
+                <a:r>
+                  <a:rPr lang="en-US" dirty="0"/>
+                  <a:t>Output: </a:t>
+                </a:r>
+                <a14:m>
+                  <m:oMath xmlns:m="http://schemas.openxmlformats.org/officeDocument/2006/math">
+                    <m:sSub>
+                      <m:sSubPr>
+                        <m:ctrlPr>
+                          <a:rPr lang="en-US" i="1" smtClean="0">
+                            <a:latin typeface="Cambria Math" panose="02040503050406030204" pitchFamily="18" charset="0"/>
+                          </a:rPr>
+                        </m:ctrlPr>
+                      </m:sSubPr>
+                      <m:e>
+                        <m:r>
+                          <m:rPr>
+                            <m:nor/>
+                          </m:rPr>
+                          <a:rPr lang="en-US">
+                            <a:latin typeface="Cambria Math" panose="02040503050406030204" pitchFamily="18" charset="0"/>
+                          </a:rPr>
+                          <m:t>G</m:t>
+                        </m:r>
+                      </m:e>
+                      <m:sub>
+                        <m:r>
+                          <m:rPr>
+                            <m:sty m:val="p"/>
+                          </m:rPr>
+                          <a:rPr lang="en-US" b="0" i="1" smtClean="0">
+                            <a:latin typeface="Cambria Math" panose="02040503050406030204" pitchFamily="18" charset="0"/>
+                          </a:rPr>
+                          <m:t>key</m:t>
+                        </m:r>
+                      </m:sub>
+                    </m:sSub>
+                    <m:r>
+                      <m:rPr>
+                        <m:nor/>
+                      </m:rPr>
+                      <a:rPr lang="en-US">
+                        <a:latin typeface="Cambria Math" panose="02040503050406030204" pitchFamily="18" charset="0"/>
+                      </a:rPr>
+                      <m:t> = </m:t>
+                    </m:r>
+                    <m:sSub>
+                      <m:sSubPr>
+                        <m:ctrlPr>
+                          <a:rPr lang="en-US" i="1">
+                            <a:latin typeface="Cambria Math" panose="02040503050406030204" pitchFamily="18" charset="0"/>
+                          </a:rPr>
+                        </m:ctrlPr>
+                      </m:sSubPr>
+                      <m:e>
+                        <m:r>
+                          <m:rPr>
+                            <m:nor/>
+                          </m:rPr>
+                          <a:rPr lang="en-US">
+                            <a:latin typeface="Cambria Math" panose="02040503050406030204" pitchFamily="18" charset="0"/>
+                          </a:rPr>
+                          <m:t>D</m:t>
+                        </m:r>
+                      </m:e>
+                      <m:sub>
+                        <m:r>
+                          <m:rPr>
+                            <m:sty m:val="p"/>
+                          </m:rPr>
+                          <a:rPr lang="en-US" b="0" i="1" smtClean="0">
+                            <a:latin typeface="Cambria Math" panose="02040503050406030204" pitchFamily="18" charset="0"/>
+                          </a:rPr>
+                          <m:t>reg</m:t>
+                        </m:r>
+                      </m:sub>
+                    </m:sSub>
+                    <m:d>
+                      <m:dPr>
+                        <m:ctrlPr>
+                          <a:rPr lang="en-US" i="1">
+                            <a:latin typeface="Cambria Math" panose="02040503050406030204" pitchFamily="18" charset="0"/>
+                          </a:rPr>
+                        </m:ctrlPr>
+                      </m:dPr>
+                      <m:e>
+                        <m:sSub>
+                          <m:sSubPr>
+                            <m:ctrlPr>
+                              <a:rPr lang="en-US" i="1" smtClean="0">
+                                <a:latin typeface="Cambria Math" panose="02040503050406030204" pitchFamily="18" charset="0"/>
+                              </a:rPr>
+                            </m:ctrlPr>
+                          </m:sSubPr>
+                          <m:e>
+                            <m:r>
+                              <a:rPr lang="en-US" i="1">
+                                <a:latin typeface="Cambria Math" panose="02040503050406030204" pitchFamily="18" charset="0"/>
+                              </a:rPr>
+                              <m:t>ℱ</m:t>
+                            </m:r>
+                          </m:e>
+                          <m:sub>
+                            <m:r>
+                              <m:rPr>
+                                <m:sty m:val="p"/>
+                              </m:rPr>
+                              <a:rPr lang="en-US" b="0" i="1" smtClean="0">
+                                <a:latin typeface="Cambria Math" panose="02040503050406030204" pitchFamily="18" charset="0"/>
+                              </a:rPr>
+                              <m:t>key</m:t>
+                            </m:r>
+                          </m:sub>
+                        </m:sSub>
+                        <m:r>
+                          <m:rPr>
+                            <m:nor/>
+                          </m:rPr>
+                          <a:rPr lang="en-US" b="0" i="0" smtClean="0">
+                            <a:latin typeface="Cambria Math" panose="02040503050406030204" pitchFamily="18" charset="0"/>
+                          </a:rPr>
+                          <m:t>,</m:t>
+                        </m:r>
+                        <m:r>
+                          <m:rPr>
+                            <m:nor/>
+                          </m:rPr>
+                          <a:rPr lang="en-US">
+                            <a:latin typeface="Cambria Math" panose="02040503050406030204" pitchFamily="18" charset="0"/>
+                          </a:rPr>
+                          <m:t> </m:t>
+                        </m:r>
+                        <m:sSub>
+                          <m:sSubPr>
+                            <m:ctrlPr>
+                              <a:rPr lang="en-US" i="1">
+                                <a:latin typeface="Cambria Math" panose="02040503050406030204" pitchFamily="18" charset="0"/>
+                              </a:rPr>
+                            </m:ctrlPr>
+                          </m:sSubPr>
+                          <m:e>
+                            <m:r>
+                              <a:rPr lang="en-US" i="1">
+                                <a:latin typeface="Cambria Math" panose="02040503050406030204" pitchFamily="18" charset="0"/>
+                              </a:rPr>
+                              <m:t>ℱ</m:t>
+                            </m:r>
+                          </m:e>
+                          <m:sub>
+                            <m:sSub>
+                              <m:sSubPr>
+                                <m:ctrlPr>
+                                  <a:rPr lang="en-US" i="1" smtClean="0">
+                                    <a:latin typeface="Cambria Math" panose="02040503050406030204" pitchFamily="18" charset="0"/>
+                                  </a:rPr>
+                                </m:ctrlPr>
+                              </m:sSubPr>
+                              <m:e>
+                                <m:r>
+                                  <m:rPr>
+                                    <m:sty m:val="p"/>
+                                  </m:rPr>
+                                  <a:rPr lang="en-US" b="0" i="1" smtClean="0">
+                                    <a:latin typeface="Cambria Math" panose="02040503050406030204" pitchFamily="18" charset="0"/>
+                                  </a:rPr>
+                                  <m:t>sce</m:t>
+                                </m:r>
+                              </m:e>
+                              <m:sub>
+                                <m:r>
+                                  <a:rPr lang="en-US" b="0" i="1" smtClean="0">
+                                    <a:latin typeface="Cambria Math" panose="02040503050406030204" pitchFamily="18" charset="0"/>
+                                  </a:rPr>
+                                  <m:t>1</m:t>
+                                </m:r>
+                              </m:sub>
+                            </m:sSub>
+                          </m:sub>
+                        </m:sSub>
+                        <m:r>
+                          <a:rPr lang="en-US" b="0" i="1" smtClean="0">
+                            <a:latin typeface="Cambria Math" panose="02040503050406030204" pitchFamily="18" charset="0"/>
+                          </a:rPr>
+                          <m:t>,</m:t>
+                        </m:r>
+                        <m:sSub>
+                          <m:sSubPr>
+                            <m:ctrlPr>
+                              <a:rPr lang="en-US" i="1">
+                                <a:latin typeface="Cambria Math" panose="02040503050406030204" pitchFamily="18" charset="0"/>
+                              </a:rPr>
+                            </m:ctrlPr>
+                          </m:sSubPr>
+                          <m:e>
+                            <m:r>
+                              <a:rPr lang="en-US" i="1">
+                                <a:latin typeface="Cambria Math" panose="02040503050406030204" pitchFamily="18" charset="0"/>
+                              </a:rPr>
+                              <m:t>ℱ</m:t>
+                            </m:r>
+                          </m:e>
+                          <m:sub>
+                            <m:sSub>
+                              <m:sSubPr>
+                                <m:ctrlPr>
+                                  <a:rPr lang="en-US" i="1">
+                                    <a:latin typeface="Cambria Math" panose="02040503050406030204" pitchFamily="18" charset="0"/>
+                                  </a:rPr>
+                                </m:ctrlPr>
+                              </m:sSubPr>
+                              <m:e>
+                                <m:r>
+                                  <m:rPr>
+                                    <m:sty m:val="p"/>
+                                  </m:rPr>
+                                  <a:rPr lang="en-US" i="1">
+                                    <a:latin typeface="Cambria Math" panose="02040503050406030204" pitchFamily="18" charset="0"/>
+                                  </a:rPr>
+                                  <m:t>sce</m:t>
+                                </m:r>
+                              </m:e>
+                              <m:sub>
+                                <m:r>
+                                  <a:rPr lang="en-US" b="0" i="1" smtClean="0">
+                                    <a:latin typeface="Cambria Math" panose="02040503050406030204" pitchFamily="18" charset="0"/>
+                                  </a:rPr>
+                                  <m:t>2</m:t>
+                                </m:r>
+                              </m:sub>
+                            </m:sSub>
+                          </m:sub>
+                        </m:sSub>
+                        <m:r>
+                          <a:rPr lang="en-US" b="0" i="1" smtClean="0">
+                            <a:latin typeface="Cambria Math" panose="02040503050406030204" pitchFamily="18" charset="0"/>
+                          </a:rPr>
+                          <m:t>, … ,</m:t>
+                        </m:r>
+                        <m:sSub>
+                          <m:sSubPr>
+                            <m:ctrlPr>
+                              <a:rPr lang="en-US" i="1">
+                                <a:latin typeface="Cambria Math" panose="02040503050406030204" pitchFamily="18" charset="0"/>
+                              </a:rPr>
+                            </m:ctrlPr>
+                          </m:sSubPr>
+                          <m:e>
+                            <m:r>
+                              <a:rPr lang="en-US" i="1">
+                                <a:latin typeface="Cambria Math" panose="02040503050406030204" pitchFamily="18" charset="0"/>
+                              </a:rPr>
+                              <m:t>ℱ</m:t>
+                            </m:r>
+                          </m:e>
+                          <m:sub>
+                            <m:sSub>
+                              <m:sSubPr>
+                                <m:ctrlPr>
+                                  <a:rPr lang="en-US" i="1">
+                                    <a:latin typeface="Cambria Math" panose="02040503050406030204" pitchFamily="18" charset="0"/>
+                                  </a:rPr>
+                                </m:ctrlPr>
+                              </m:sSubPr>
+                              <m:e>
+                                <m:r>
+                                  <m:rPr>
+                                    <m:sty m:val="p"/>
+                                  </m:rPr>
+                                  <a:rPr lang="en-US" i="1">
+                                    <a:latin typeface="Cambria Math" panose="02040503050406030204" pitchFamily="18" charset="0"/>
+                                  </a:rPr>
+                                  <m:t>sce</m:t>
+                                </m:r>
+                              </m:e>
+                              <m:sub>
+                                <m:r>
+                                  <m:rPr>
+                                    <m:sty m:val="p"/>
+                                  </m:rPr>
+                                  <a:rPr lang="en-US" b="0" i="1" smtClean="0">
+                                    <a:latin typeface="Cambria Math" panose="02040503050406030204" pitchFamily="18" charset="0"/>
+                                  </a:rPr>
+                                  <m:t>k</m:t>
+                                </m:r>
+                              </m:sub>
+                            </m:sSub>
+                          </m:sub>
+                        </m:sSub>
+                      </m:e>
+                    </m:d>
+                  </m:oMath>
+                </a14:m>
+                <a:endParaRPr lang="en-US" dirty="0"/>
+              </a:p>
+              <a:p>
+                <a:pPr marL="0" indent="0">
+                  <a:buNone/>
+                </a:pPr>
+                <a:endParaRPr lang="en-US" dirty="0"/>
+              </a:p>
+              <a:p>
+                <a:endParaRPr lang="en-US" dirty="0"/>
+              </a:p>
+              <a:p>
+                <a:endParaRPr lang="en-US" dirty="0"/>
+              </a:p>
+              <a:p>
+                <a:endParaRPr lang="en-US" dirty="0"/>
+              </a:p>
+              <a:p>
+                <a:pPr marL="457200" lvl="1" indent="0">
+                  <a:buNone/>
+                </a:pPr>
+                <a:endParaRPr lang="en-US" dirty="0"/>
+              </a:p>
+            </p:txBody>
+          </p:sp>
+        </mc:Choice>
+        <mc:Fallback>
+          <p:sp>
+            <p:nvSpPr>
+              <p:cNvPr id="3" name="Content Placeholder 2">
+                <a:extLst>
+                  <a:ext uri="{FF2B5EF4-FFF2-40B4-BE49-F238E27FC236}">
+                    <a16:creationId xmlns:a16="http://schemas.microsoft.com/office/drawing/2014/main" id="{3F528F99-4E9B-7FBF-6A08-6823EA930F4B}"/>
+                  </a:ext>
+                </a:extLst>
+              </p:cNvPr>
+              <p:cNvSpPr>
+                <a:spLocks noGrp="1" noRot="1" noChangeAspect="1" noMove="1" noResize="1" noEditPoints="1" noAdjustHandles="1" noChangeArrowheads="1" noChangeShapeType="1" noTextEdit="1"/>
+              </p:cNvSpPr>
+              <p:nvPr>
+                <p:ph idx="1"/>
+              </p:nvPr>
+            </p:nvSpPr>
+            <p:spPr>
+              <a:xfrm>
+                <a:off x="638175" y="1949958"/>
+                <a:ext cx="11155680" cy="5145786"/>
+              </a:xfrm>
+              <a:blipFill>
+                <a:blip r:embed="rId3"/>
+                <a:stretch>
+                  <a:fillRect l="-383" t="-474"/>
+                </a:stretch>
+              </a:blipFill>
+            </p:spPr>
+            <p:txBody>
+              <a:bodyPr/>
+              <a:lstStyle/>
+              <a:p>
+                <a:r>
+                  <a:rPr lang="en-GB">
+                    <a:noFill/>
+                  </a:rPr>
+                  <a:t> </a:t>
+                </a:r>
+              </a:p>
+            </p:txBody>
+          </p:sp>
+        </mc:Fallback>
+      </mc:AlternateContent>
+    </p:spTree>
+    <p:extLst>
+      <p:ext uri="{BB962C8B-B14F-4D97-AF65-F5344CB8AC3E}">
+        <p14:creationId xmlns:p14="http://schemas.microsoft.com/office/powerpoint/2010/main" val="1339945660"/>
+      </p:ext>
+    </p:extLst>
+  </p:cSld>
+  <p:clrMapOvr>
+    <a:masterClrMapping/>
+  </p:clrMapOvr>
+</p:sld>
+</file>
+
+<file path=ppt/slides/slide16.xml><?xml version="1.0" encoding="utf-8"?>
+<p:sld xmlns:a="http://schemas.openxmlformats.org/drawingml/2006/main" xmlns:r="http://schemas.openxmlformats.org/officeDocument/2006/relationships" xmlns:p="http://schemas.openxmlformats.org/presentationml/2006/main">
+  <p:cSld>
+    <p:spTree>
+      <p:nvGrpSpPr>
+        <p:cNvPr id="1" name="">
+          <a:extLst>
+            <a:ext uri="{FF2B5EF4-FFF2-40B4-BE49-F238E27FC236}">
+              <a16:creationId xmlns:a16="http://schemas.microsoft.com/office/drawing/2014/main" id="{0458BC1C-F3F9-85B8-ECAD-6D7E89545A9F}"/>
+            </a:ext>
+          </a:extLst>
+        </p:cNvPr>
+        <p:cNvGrpSpPr/>
+        <p:nvPr/>
+      </p:nvGrpSpPr>
+      <p:grpSpPr>
+        <a:xfrm>
+          <a:off x="0" y="0"/>
+          <a:ext cx="0" cy="0"/>
+          <a:chOff x="0" y="0"/>
+          <a:chExt cx="0" cy="0"/>
+        </a:xfrm>
+      </p:grpSpPr>
+      <p:sp>
+        <p:nvSpPr>
+          <p:cNvPr id="2" name="Title 1">
+            <a:extLst>
+              <a:ext uri="{FF2B5EF4-FFF2-40B4-BE49-F238E27FC236}">
+                <a16:creationId xmlns:a16="http://schemas.microsoft.com/office/drawing/2014/main" id="{7B0AEDC9-5BD5-BEDD-AC9E-B20E03E05D63}"/>
+              </a:ext>
+            </a:extLst>
+          </p:cNvPr>
+          <p:cNvSpPr>
+            <a:spLocks noGrp="1"/>
+          </p:cNvSpPr>
+          <p:nvPr>
+            <p:ph type="title"/>
+          </p:nvPr>
+        </p:nvSpPr>
+        <p:spPr/>
+        <p:txBody>
+          <a:bodyPr/>
+          <a:lstStyle/>
+          <a:p>
+            <a:r>
+              <a:rPr lang="en-US" dirty="0"/>
+              <a:t>Scene Decoder</a:t>
+            </a:r>
+          </a:p>
+        </p:txBody>
+      </p:sp>
+      <mc:AlternateContent xmlns:mc="http://schemas.openxmlformats.org/markup-compatibility/2006">
+        <mc:Choice xmlns:a14="http://schemas.microsoft.com/office/drawing/2010/main" Requires="a14">
+          <p:sp>
+            <p:nvSpPr>
+              <p:cNvPr id="3" name="Content Placeholder 2">
+                <a:extLst>
+                  <a:ext uri="{FF2B5EF4-FFF2-40B4-BE49-F238E27FC236}">
+                    <a16:creationId xmlns:a16="http://schemas.microsoft.com/office/drawing/2014/main" id="{98C7EDB5-A4F9-3A24-EEF2-A37E698222A5}"/>
+                  </a:ext>
+                </a:extLst>
+              </p:cNvPr>
+              <p:cNvSpPr>
+                <a:spLocks noGrp="1"/>
+              </p:cNvSpPr>
+              <p:nvPr>
+                <p:ph idx="1"/>
+              </p:nvPr>
+            </p:nvSpPr>
+            <p:spPr>
+              <a:xfrm>
+                <a:off x="638175" y="1949958"/>
+                <a:ext cx="11155680" cy="5145786"/>
+              </a:xfrm>
+            </p:spPr>
+            <p:txBody>
+              <a:bodyPr>
+                <a:normAutofit/>
+              </a:bodyPr>
+              <a:lstStyle/>
+              <a:p>
+                <a:r>
+                  <a:rPr lang="en-US" dirty="0"/>
+                  <a:t>This aims to refine the scene geometry without coordinate system changes</a:t>
+                </a:r>
+              </a:p>
+              <a:p>
+                <a:r>
+                  <a:rPr lang="en-US" dirty="0"/>
+                  <a:t>Inputs: </a:t>
+                </a:r>
+                <a14:m>
+                  <m:oMath xmlns:m="http://schemas.openxmlformats.org/officeDocument/2006/math">
+                    <m:r>
+                      <m:rPr>
+                        <m:lit/>
+                      </m:rPr>
+                      <a:rPr lang="en-US" b="0" i="1" smtClean="0">
+                        <a:latin typeface="Cambria Math" panose="02040503050406030204" pitchFamily="18" charset="0"/>
+                      </a:rPr>
+                      <m:t>{</m:t>
+                    </m:r>
+                    <m:sSub>
+                      <m:sSubPr>
+                        <m:ctrlPr>
+                          <a:rPr lang="en-US" b="0" i="1" smtClean="0">
+                            <a:latin typeface="Cambria Math" panose="02040503050406030204" pitchFamily="18" charset="0"/>
+                          </a:rPr>
+                        </m:ctrlPr>
+                      </m:sSubPr>
+                      <m:e>
+                        <m:r>
+                          <a:rPr lang="en-US" b="0" i="1" smtClean="0">
+                            <a:latin typeface="Cambria Math" panose="02040503050406030204" pitchFamily="18" charset="0"/>
+                          </a:rPr>
+                          <m:t>ℱ</m:t>
+                        </m:r>
+                      </m:e>
+                      <m:sub>
+                        <m:r>
+                          <m:rPr>
+                            <m:sty m:val="p"/>
+                          </m:rPr>
+                          <a:rPr lang="en-US" b="0" i="1" smtClean="0">
+                            <a:latin typeface="Cambria Math" panose="02040503050406030204" pitchFamily="18" charset="0"/>
+                          </a:rPr>
+                          <m:t>key</m:t>
+                        </m:r>
+                      </m:sub>
+                    </m:sSub>
+                    <m:r>
+                      <a:rPr lang="en-US" b="0" i="1" smtClean="0">
+                        <a:latin typeface="Cambria Math" panose="02040503050406030204" pitchFamily="18" charset="0"/>
+                      </a:rPr>
+                      <m:t>,</m:t>
+                    </m:r>
+                    <m:r>
+                      <m:rPr>
+                        <m:lit/>
+                      </m:rPr>
+                      <a:rPr lang="en-US" b="0" i="1" smtClean="0">
+                        <a:latin typeface="Cambria Math" panose="02040503050406030204" pitchFamily="18" charset="0"/>
+                      </a:rPr>
+                      <m:t>{</m:t>
+                    </m:r>
+                    <m:sSub>
+                      <m:sSubPr>
+                        <m:ctrlPr>
+                          <a:rPr lang="en-US" b="0" i="1" smtClean="0">
+                            <a:latin typeface="Cambria Math" panose="02040503050406030204" pitchFamily="18" charset="0"/>
+                          </a:rPr>
+                        </m:ctrlPr>
+                      </m:sSubPr>
+                      <m:e>
+                        <m:r>
+                          <a:rPr lang="en-US" b="0" i="1" smtClean="0">
+                            <a:latin typeface="Cambria Math" panose="02040503050406030204" pitchFamily="18" charset="0"/>
+                          </a:rPr>
+                          <m:t>ℱ</m:t>
+                        </m:r>
+                      </m:e>
+                      <m:sub>
+                        <m:sSub>
+                          <m:sSubPr>
+                            <m:ctrlPr>
+                              <a:rPr lang="en-US" b="0" i="1" smtClean="0">
+                                <a:latin typeface="Cambria Math" panose="02040503050406030204" pitchFamily="18" charset="0"/>
+                              </a:rPr>
+                            </m:ctrlPr>
+                          </m:sSubPr>
+                          <m:e>
+                            <m:r>
+                              <m:rPr>
+                                <m:sty m:val="p"/>
+                              </m:rPr>
+                              <a:rPr lang="en-US" b="0" i="1" smtClean="0">
+                                <a:latin typeface="Cambria Math" panose="02040503050406030204" pitchFamily="18" charset="0"/>
+                              </a:rPr>
+                              <m:t>sce</m:t>
+                            </m:r>
+                          </m:e>
+                          <m:sub>
+                            <m:r>
+                              <m:rPr>
+                                <m:sty m:val="p"/>
+                              </m:rPr>
+                              <a:rPr lang="en-US" b="0" i="1" smtClean="0">
+                                <a:latin typeface="Cambria Math" panose="02040503050406030204" pitchFamily="18" charset="0"/>
+                              </a:rPr>
+                              <m:t>i</m:t>
+                            </m:r>
+                          </m:sub>
+                        </m:sSub>
+                      </m:sub>
+                    </m:sSub>
+                    <m:sSubSup>
+                      <m:sSubSupPr>
+                        <m:ctrlPr>
+                          <a:rPr lang="en-US" b="0" i="1" smtClean="0">
+                            <a:latin typeface="Cambria Math" panose="02040503050406030204" pitchFamily="18" charset="0"/>
+                          </a:rPr>
+                        </m:ctrlPr>
+                      </m:sSubSupPr>
+                      <m:e>
+                        <m:r>
+                          <m:rPr>
+                            <m:lit/>
+                          </m:rPr>
+                          <a:rPr lang="en-US" b="0" i="1" smtClean="0">
+                            <a:latin typeface="Cambria Math" panose="02040503050406030204" pitchFamily="18" charset="0"/>
+                          </a:rPr>
+                          <m:t>}</m:t>
+                        </m:r>
+                      </m:e>
+                      <m:sub>
+                        <m:r>
+                          <a:rPr lang="en-US" b="0" i="1" smtClean="0">
+                            <a:latin typeface="Cambria Math" panose="02040503050406030204" pitchFamily="18" charset="0"/>
+                          </a:rPr>
+                          <m:t>𝑖</m:t>
+                        </m:r>
+                        <m:r>
+                          <a:rPr lang="en-US" b="0" i="1" smtClean="0">
+                            <a:latin typeface="Cambria Math" panose="02040503050406030204" pitchFamily="18" charset="0"/>
+                          </a:rPr>
+                          <m:t>=1</m:t>
+                        </m:r>
+                      </m:sub>
+                      <m:sup>
+                        <m:r>
+                          <a:rPr lang="en-US" b="0" i="1" smtClean="0">
+                            <a:latin typeface="Cambria Math" panose="02040503050406030204" pitchFamily="18" charset="0"/>
+                          </a:rPr>
+                          <m:t>𝐾</m:t>
+                        </m:r>
+                      </m:sup>
+                    </m:sSubSup>
+                    <m:r>
+                      <m:rPr>
+                        <m:lit/>
+                      </m:rPr>
+                      <a:rPr lang="en-US" b="0" i="1" smtClean="0">
+                        <a:latin typeface="Cambria Math" panose="02040503050406030204" pitchFamily="18" charset="0"/>
+                      </a:rPr>
+                      <m:t>}</m:t>
+                    </m:r>
+                  </m:oMath>
+                </a14:m>
+                <a:endParaRPr lang="en-US" dirty="0"/>
+              </a:p>
+              <a:p>
+                <a:r>
+                  <a:rPr lang="en-US" dirty="0"/>
+                  <a:t>Same network architecture as the keyframe decoder</a:t>
+                </a:r>
+              </a:p>
+              <a:p>
+                <a:r>
+                  <a:rPr lang="en-US" dirty="0"/>
+                  <a:t>Output: </a:t>
+                </a:r>
+                <a14:m>
+                  <m:oMath xmlns:m="http://schemas.openxmlformats.org/officeDocument/2006/math">
+                    <m:sSub>
+                      <m:sSubPr>
+                        <m:ctrlPr>
+                          <a:rPr lang="en-US" i="1" smtClean="0">
+                            <a:latin typeface="Cambria Math" panose="02040503050406030204" pitchFamily="18" charset="0"/>
+                          </a:rPr>
+                        </m:ctrlPr>
+                      </m:sSubPr>
+                      <m:e>
+                        <m:r>
+                          <m:rPr>
+                            <m:nor/>
+                          </m:rPr>
+                          <a:rPr lang="en-US">
+                            <a:latin typeface="Cambria Math" panose="02040503050406030204" pitchFamily="18" charset="0"/>
+                          </a:rPr>
+                          <m:t>G</m:t>
+                        </m:r>
+                      </m:e>
+                      <m:sub>
+                        <m:sSub>
+                          <m:sSubPr>
+                            <m:ctrlPr>
+                              <a:rPr lang="en-US" i="1" smtClean="0">
+                                <a:latin typeface="Cambria Math" panose="02040503050406030204" pitchFamily="18" charset="0"/>
+                              </a:rPr>
+                            </m:ctrlPr>
+                          </m:sSubPr>
+                          <m:e>
+                            <m:r>
+                              <m:rPr>
+                                <m:sty m:val="p"/>
+                              </m:rPr>
+                              <a:rPr lang="en-US" b="0" i="1" smtClean="0">
+                                <a:latin typeface="Cambria Math" panose="02040503050406030204" pitchFamily="18" charset="0"/>
+                              </a:rPr>
+                              <m:t>sce</m:t>
+                            </m:r>
+                          </m:e>
+                          <m:sub>
+                            <m:r>
+                              <m:rPr>
+                                <m:sty m:val="p"/>
+                              </m:rPr>
+                              <a:rPr lang="en-US" b="0" i="1" smtClean="0">
+                                <a:latin typeface="Cambria Math" panose="02040503050406030204" pitchFamily="18" charset="0"/>
+                              </a:rPr>
+                              <m:t>i</m:t>
+                            </m:r>
+                          </m:sub>
+                        </m:sSub>
+                      </m:sub>
+                    </m:sSub>
+                    <m:r>
+                      <m:rPr>
+                        <m:nor/>
+                      </m:rPr>
+                      <a:rPr lang="en-US">
+                        <a:latin typeface="Cambria Math" panose="02040503050406030204" pitchFamily="18" charset="0"/>
+                      </a:rPr>
+                      <m:t> = </m:t>
+                    </m:r>
+                    <m:sSub>
+                      <m:sSubPr>
+                        <m:ctrlPr>
+                          <a:rPr lang="en-US" i="1">
+                            <a:latin typeface="Cambria Math" panose="02040503050406030204" pitchFamily="18" charset="0"/>
+                          </a:rPr>
+                        </m:ctrlPr>
+                      </m:sSubPr>
+                      <m:e>
+                        <m:r>
+                          <m:rPr>
+                            <m:nor/>
+                          </m:rPr>
+                          <a:rPr lang="en-US">
+                            <a:latin typeface="Cambria Math" panose="02040503050406030204" pitchFamily="18" charset="0"/>
+                          </a:rPr>
+                          <m:t>D</m:t>
+                        </m:r>
+                      </m:e>
+                      <m:sub>
+                        <m:r>
+                          <m:rPr>
+                            <m:sty m:val="p"/>
+                          </m:rPr>
+                          <a:rPr lang="en-US" b="0" i="1" smtClean="0">
+                            <a:latin typeface="Cambria Math" panose="02040503050406030204" pitchFamily="18" charset="0"/>
+                          </a:rPr>
+                          <m:t>sec</m:t>
+                        </m:r>
+                      </m:sub>
+                    </m:sSub>
+                    <m:d>
+                      <m:dPr>
+                        <m:ctrlPr>
+                          <a:rPr lang="en-US" i="1">
+                            <a:latin typeface="Cambria Math" panose="02040503050406030204" pitchFamily="18" charset="0"/>
+                          </a:rPr>
+                        </m:ctrlPr>
+                      </m:dPr>
+                      <m:e>
+                        <m:sSub>
+                          <m:sSubPr>
+                            <m:ctrlPr>
+                              <a:rPr lang="en-US" i="1">
+                                <a:latin typeface="Cambria Math" panose="02040503050406030204" pitchFamily="18" charset="0"/>
+                              </a:rPr>
+                            </m:ctrlPr>
+                          </m:sSubPr>
+                          <m:e>
+                            <m:r>
+                              <a:rPr lang="en-US" i="1">
+                                <a:latin typeface="Cambria Math" panose="02040503050406030204" pitchFamily="18" charset="0"/>
+                              </a:rPr>
+                              <m:t>ℱ</m:t>
+                            </m:r>
+                          </m:e>
+                          <m:sub>
+                            <m:sSub>
+                              <m:sSubPr>
+                                <m:ctrlPr>
+                                  <a:rPr lang="en-US" i="1" smtClean="0">
+                                    <a:latin typeface="Cambria Math" panose="02040503050406030204" pitchFamily="18" charset="0"/>
+                                  </a:rPr>
+                                </m:ctrlPr>
+                              </m:sSubPr>
+                              <m:e>
+                                <m:r>
+                                  <m:rPr>
+                                    <m:sty m:val="p"/>
+                                  </m:rPr>
+                                  <a:rPr lang="en-US" b="0" i="1" smtClean="0">
+                                    <a:latin typeface="Cambria Math" panose="02040503050406030204" pitchFamily="18" charset="0"/>
+                                  </a:rPr>
+                                  <m:t>sce</m:t>
+                                </m:r>
+                              </m:e>
+                              <m:sub>
+                                <m:r>
+                                  <a:rPr lang="en-US" b="0" i="1" smtClean="0">
+                                    <a:latin typeface="Cambria Math" panose="02040503050406030204" pitchFamily="18" charset="0"/>
+                                  </a:rPr>
+                                  <m:t>1</m:t>
+                                </m:r>
+                              </m:sub>
+                            </m:sSub>
+                          </m:sub>
+                        </m:sSub>
+                        <m:r>
+                          <a:rPr lang="en-US" b="0" i="1" smtClean="0">
+                            <a:latin typeface="Cambria Math" panose="02040503050406030204" pitchFamily="18" charset="0"/>
+                          </a:rPr>
+                          <m:t>,</m:t>
+                        </m:r>
+                        <m:sSub>
+                          <m:sSubPr>
+                            <m:ctrlPr>
+                              <a:rPr lang="en-US" i="1">
+                                <a:latin typeface="Cambria Math" panose="02040503050406030204" pitchFamily="18" charset="0"/>
+                              </a:rPr>
+                            </m:ctrlPr>
+                          </m:sSubPr>
+                          <m:e>
+                            <m:r>
+                              <a:rPr lang="en-US" i="1">
+                                <a:latin typeface="Cambria Math" panose="02040503050406030204" pitchFamily="18" charset="0"/>
+                              </a:rPr>
+                              <m:t>ℱ</m:t>
+                            </m:r>
+                          </m:e>
+                          <m:sub>
+                            <m:r>
+                              <m:rPr>
+                                <m:sty m:val="p"/>
+                              </m:rPr>
+                              <a:rPr lang="en-US" b="0" i="1" smtClean="0">
+                                <a:latin typeface="Cambria Math" panose="02040503050406030204" pitchFamily="18" charset="0"/>
+                              </a:rPr>
+                              <m:t>key</m:t>
+                            </m:r>
+                          </m:sub>
+                        </m:sSub>
+                        <m:r>
+                          <a:rPr lang="en-US" b="0" i="1" smtClean="0">
+                            <a:latin typeface="Cambria Math" panose="02040503050406030204" pitchFamily="18" charset="0"/>
+                          </a:rPr>
+                          <m:t> </m:t>
+                        </m:r>
+                      </m:e>
+                    </m:d>
+                    <m:r>
+                      <a:rPr lang="en-US" b="0" i="1" smtClean="0">
+                        <a:latin typeface="Cambria Math" panose="02040503050406030204" pitchFamily="18" charset="0"/>
+                      </a:rPr>
+                      <m:t> </m:t>
+                    </m:r>
+                    <m:r>
+                      <m:rPr>
+                        <m:sty m:val="p"/>
+                      </m:rPr>
+                      <a:rPr lang="en-US" b="0" i="1" smtClean="0">
+                        <a:latin typeface="Cambria Math" panose="02040503050406030204" pitchFamily="18" charset="0"/>
+                      </a:rPr>
+                      <m:t>i</m:t>
+                    </m:r>
+                    <m:r>
+                      <a:rPr lang="en-US" b="0" i="1" smtClean="0">
+                        <a:latin typeface="Cambria Math" panose="02040503050406030204" pitchFamily="18" charset="0"/>
+                      </a:rPr>
+                      <m:t> = 1 … </m:t>
+                    </m:r>
+                    <m:r>
+                      <m:rPr>
+                        <m:sty m:val="p"/>
+                      </m:rPr>
+                      <a:rPr lang="en-US" b="0" i="1" smtClean="0">
+                        <a:latin typeface="Cambria Math" panose="02040503050406030204" pitchFamily="18" charset="0"/>
+                      </a:rPr>
+                      <m:t>K</m:t>
+                    </m:r>
+                  </m:oMath>
+                </a14:m>
+                <a:endParaRPr lang="en-US" dirty="0"/>
+              </a:p>
+              <a:p>
+                <a:pPr marL="0" indent="0">
+                  <a:buNone/>
+                </a:pPr>
+                <a:endParaRPr lang="en-US" dirty="0"/>
+              </a:p>
+              <a:p>
+                <a:endParaRPr lang="en-US" dirty="0"/>
+              </a:p>
+              <a:p>
+                <a:endParaRPr lang="en-US" dirty="0"/>
+              </a:p>
+              <a:p>
+                <a:endParaRPr lang="en-US" dirty="0"/>
+              </a:p>
+              <a:p>
+                <a:pPr marL="457200" lvl="1" indent="0">
+                  <a:buNone/>
+                </a:pPr>
+                <a:endParaRPr lang="en-US" dirty="0"/>
+              </a:p>
+            </p:txBody>
+          </p:sp>
+        </mc:Choice>
+        <mc:Fallback>
+          <p:sp>
+            <p:nvSpPr>
+              <p:cNvPr id="3" name="Content Placeholder 2">
+                <a:extLst>
+                  <a:ext uri="{FF2B5EF4-FFF2-40B4-BE49-F238E27FC236}">
+                    <a16:creationId xmlns:a16="http://schemas.microsoft.com/office/drawing/2014/main" id="{98C7EDB5-A4F9-3A24-EEF2-A37E698222A5}"/>
+                  </a:ext>
+                </a:extLst>
+              </p:cNvPr>
+              <p:cNvSpPr>
+                <a:spLocks noGrp="1" noRot="1" noChangeAspect="1" noMove="1" noResize="1" noEditPoints="1" noAdjustHandles="1" noChangeArrowheads="1" noChangeShapeType="1" noTextEdit="1"/>
+              </p:cNvSpPr>
+              <p:nvPr>
+                <p:ph idx="1"/>
+              </p:nvPr>
+            </p:nvSpPr>
+            <p:spPr>
+              <a:xfrm>
+                <a:off x="638175" y="1949958"/>
+                <a:ext cx="11155680" cy="5145786"/>
+              </a:xfrm>
+              <a:blipFill>
+                <a:blip r:embed="rId3"/>
+                <a:stretch>
+                  <a:fillRect l="-383" t="-474"/>
+                </a:stretch>
+              </a:blipFill>
+            </p:spPr>
+            <p:txBody>
+              <a:bodyPr/>
+              <a:lstStyle/>
+              <a:p>
+                <a:r>
+                  <a:rPr lang="en-GB">
+                    <a:noFill/>
+                  </a:rPr>
+                  <a:t> </a:t>
+                </a:r>
+              </a:p>
+            </p:txBody>
+          </p:sp>
+        </mc:Fallback>
+      </mc:AlternateContent>
+    </p:spTree>
+    <p:extLst>
+      <p:ext uri="{BB962C8B-B14F-4D97-AF65-F5344CB8AC3E}">
+        <p14:creationId xmlns:p14="http://schemas.microsoft.com/office/powerpoint/2010/main" val="2525916807"/>
+      </p:ext>
+    </p:extLst>
+  </p:cSld>
+  <p:clrMapOvr>
+    <a:masterClrMapping/>
+  </p:clrMapOvr>
+</p:sld>
+</file>
+
+<file path=ppt/slides/slide17.xml><?xml version="1.0" encoding="utf-8"?>
+<p:sld xmlns:a="http://schemas.openxmlformats.org/drawingml/2006/main" xmlns:r="http://schemas.openxmlformats.org/officeDocument/2006/relationships" xmlns:p="http://schemas.openxmlformats.org/presentationml/2006/main">
+  <p:cSld>
+    <p:spTree>
+      <p:nvGrpSpPr>
+        <p:cNvPr id="1" name="">
+          <a:extLst>
+            <a:ext uri="{FF2B5EF4-FFF2-40B4-BE49-F238E27FC236}">
+              <a16:creationId xmlns:a16="http://schemas.microsoft.com/office/drawing/2014/main" id="{2A71D352-1562-9AF6-53DB-1B0263DB763D}"/>
+            </a:ext>
+          </a:extLst>
+        </p:cNvPr>
+        <p:cNvGrpSpPr/>
+        <p:nvPr/>
+      </p:nvGrpSpPr>
+      <p:grpSpPr>
+        <a:xfrm>
+          <a:off x="0" y="0"/>
+          <a:ext cx="0" cy="0"/>
+          <a:chOff x="0" y="0"/>
+          <a:chExt cx="0" cy="0"/>
+        </a:xfrm>
+      </p:grpSpPr>
+      <mc:AlternateContent xmlns:mc="http://schemas.openxmlformats.org/markup-compatibility/2006">
+        <mc:Choice xmlns:a14="http://schemas.microsoft.com/office/drawing/2010/main" Requires="a14">
+          <p:sp>
+            <p:nvSpPr>
+              <p:cNvPr id="3" name="Content Placeholder 2">
+                <a:extLst>
+                  <a:ext uri="{FF2B5EF4-FFF2-40B4-BE49-F238E27FC236}">
+                    <a16:creationId xmlns:a16="http://schemas.microsoft.com/office/drawing/2014/main" id="{8DD52D09-19B5-9575-33E4-7796916FFAA9}"/>
+                  </a:ext>
+                </a:extLst>
+              </p:cNvPr>
+              <p:cNvSpPr>
+                <a:spLocks noGrp="1"/>
+              </p:cNvSpPr>
+              <p:nvPr>
+                <p:ph idx="1"/>
+              </p:nvPr>
+            </p:nvSpPr>
+            <p:spPr>
+              <a:xfrm>
+                <a:off x="638175" y="1949958"/>
+                <a:ext cx="11155680" cy="5145786"/>
+              </a:xfrm>
+            </p:spPr>
+            <p:txBody>
+              <a:bodyPr>
+                <a:normAutofit/>
+              </a:bodyPr>
+              <a:lstStyle/>
+              <a:p>
+                <a:r>
+                  <a:rPr lang="en-US" dirty="0"/>
+                  <a:t>Same head as I2P is applied.</a:t>
+                </a:r>
+              </a:p>
+              <a:p>
+                <a:pPr marL="0" indent="0">
+                  <a:buNone/>
+                </a:pPr>
+                <a:endParaRPr lang="en-US" dirty="0"/>
               </a:p>
               <a:p>
                 <a:pPr marL="0" indent="0">
@@ -5444,7 +9163,6 @@
                   <a:rPr lang="en-US" dirty="0"/>
                   <a:t> :binary mask of valid points that have ground truth values in</a:t>
                 </a:r>
-                <a14:m/>
               </a:p>
               <a:p>
                 <a:r>
@@ -5489,39 +9207,20 @@
                   <m:oMath xmlns:m="http://schemas.openxmlformats.org/officeDocument/2006/math">
                     <m:acc>
                       <m:accPr>
-                        <m:chr m:val="̂"/>
+                        <m:chr m:val="̃"/>
                         <m:ctrlPr>
-                          <a:rPr lang="en-US" i="1" dirty="0" smtClean="0">
+                          <a:rPr lang="en-US" b="0" i="1" dirty="0" smtClean="0">
                             <a:latin typeface="Cambria Math" panose="02040503050406030204" pitchFamily="18" charset="0"/>
                           </a:rPr>
                         </m:ctrlPr>
                       </m:accPr>
                       <m:e>
-                        <m:sSub>
-                          <m:sSubPr>
-                            <m:ctrlPr>
-                              <a:rPr lang="en-US" i="1" dirty="0">
-                                <a:latin typeface="Cambria Math" panose="02040503050406030204" pitchFamily="18" charset="0"/>
-                              </a:rPr>
-                            </m:ctrlPr>
-                          </m:sSubPr>
-                          <m:e>
-                            <m:r>
-                              <a:rPr lang="en-US" i="1" dirty="0">
-                                <a:latin typeface="Cambria Math" panose="02040503050406030204" pitchFamily="18" charset="0"/>
-                              </a:rPr>
-                              <m:t>𝐶</m:t>
-                            </m:r>
-                          </m:e>
-                          <m:sub>
-                            <m:r>
-                              <a:rPr lang="en-US" i="1" dirty="0" err="1" smtClean="0">
-                                <a:latin typeface="Cambria Math" panose="02040503050406030204" pitchFamily="18" charset="0"/>
-                              </a:rPr>
-                              <m:t>𝑖</m:t>
-                            </m:r>
-                          </m:sub>
-                        </m:sSub>
+                        <m:r>
+                          <a:rPr lang="en-US" b="0" i="1" dirty="0" smtClean="0">
+                            <a:latin typeface="Cambria Math" panose="02040503050406030204" pitchFamily="18" charset="0"/>
+                          </a:rPr>
+                          <m:t>𝐶</m:t>
+                        </m:r>
                       </m:e>
                     </m:acc>
                     <m:r>
@@ -5546,6 +9245,12 @@
                       </a:rPr>
                       <m:t>𝛼</m:t>
                     </m:r>
+                    <m:r>
+                      <a:rPr lang="en-US" b="0" i="1" dirty="0" smtClean="0">
+                        <a:latin typeface="Cambria Math" panose="02040503050406030204" pitchFamily="18" charset="0"/>
+                      </a:rPr>
+                      <m:t> </m:t>
+                    </m:r>
                   </m:oMath>
                 </a14:m>
                 <a:r>
@@ -5562,7 +9267,7 @@
               <p:cNvPr id="3" name="Content Placeholder 2">
                 <a:extLst>
                   <a:ext uri="{FF2B5EF4-FFF2-40B4-BE49-F238E27FC236}">
-                    <a16:creationId xmlns:a16="http://schemas.microsoft.com/office/drawing/2014/main" id="{2458C2F4-D218-366F-6EC9-C294EFD0C7AE}"/>
+                    <a16:creationId xmlns:a16="http://schemas.microsoft.com/office/drawing/2014/main" id="{8DD52D09-19B5-9575-33E4-7796916FFAA9}"/>
                   </a:ext>
                 </a:extLst>
               </p:cNvPr>
@@ -5605,7 +9310,7 @@
           <p:cNvPr id="2" name="Title 1">
             <a:extLst>
               <a:ext uri="{FF2B5EF4-FFF2-40B4-BE49-F238E27FC236}">
-                <a16:creationId xmlns:a16="http://schemas.microsoft.com/office/drawing/2014/main" id="{63E0018D-990A-C41F-7199-C5BD575E8277}"/>
+                <a16:creationId xmlns:a16="http://schemas.microsoft.com/office/drawing/2014/main" id="{5992B204-46AA-1A6D-C90F-D30D5E5D5F7D}"/>
               </a:ext>
             </a:extLst>
           </p:cNvPr>
@@ -5630,10 +9335,10 @@
       </p:sp>
       <p:pic>
         <p:nvPicPr>
-          <p:cNvPr id="5" name="Graphic 4">
-            <a:extLst>
-              <a:ext uri="{FF2B5EF4-FFF2-40B4-BE49-F238E27FC236}">
-                <a16:creationId xmlns:a16="http://schemas.microsoft.com/office/drawing/2014/main" id="{05568B8E-4DE7-6097-E6C2-020075D01EB2}"/>
+          <p:cNvPr id="6" name="Picture 5" descr="A black background with a black square&#10;&#10;AI-generated content may be incorrect.">
+            <a:extLst>
+              <a:ext uri="{FF2B5EF4-FFF2-40B4-BE49-F238E27FC236}">
+                <a16:creationId xmlns:a16="http://schemas.microsoft.com/office/drawing/2014/main" id="{383325A6-7036-0690-3241-6AAC05469B1D}"/>
               </a:ext>
             </a:extLst>
           </p:cNvPr>
@@ -5645,8 +9350,8 @@
         <p:blipFill>
           <a:blip r:embed="rId4">
             <a:extLst>
-              <a:ext uri="{96DAC541-7B7A-43D3-8B79-37D633B846F1}">
-                <asvg:svgBlip xmlns:asvg="http://schemas.microsoft.com/office/drawing/2016/SVG/main" r:embed="rId5"/>
+              <a:ext uri="{28A0092B-C50C-407E-A947-70E740481C1C}">
+                <a14:useLocalDpi xmlns:a14="http://schemas.microsoft.com/office/drawing/2010/main" val="0"/>
               </a:ext>
             </a:extLst>
           </a:blip>
@@ -5656,8 +9361,8 @@
         </p:blipFill>
         <p:spPr>
           <a:xfrm>
-            <a:off x="3054518" y="2558415"/>
-            <a:ext cx="6082963" cy="422529"/>
+            <a:off x="3962145" y="3497584"/>
+            <a:ext cx="4914157" cy="756916"/>
           </a:xfrm>
           <a:prstGeom prst="rect">
             <a:avLst/>
@@ -5666,10 +9371,10 @@
       </p:pic>
       <p:pic>
         <p:nvPicPr>
-          <p:cNvPr id="7" name="Graphic 6">
-            <a:extLst>
-              <a:ext uri="{FF2B5EF4-FFF2-40B4-BE49-F238E27FC236}">
-                <a16:creationId xmlns:a16="http://schemas.microsoft.com/office/drawing/2014/main" id="{F497B925-80D2-D265-367C-A174F6FF16D9}"/>
+          <p:cNvPr id="9" name="Picture 8">
+            <a:extLst>
+              <a:ext uri="{FF2B5EF4-FFF2-40B4-BE49-F238E27FC236}">
+                <a16:creationId xmlns:a16="http://schemas.microsoft.com/office/drawing/2014/main" id="{E748EB44-F031-479E-7FDB-C70F5B6ED213}"/>
               </a:ext>
             </a:extLst>
           </p:cNvPr>
@@ -5679,10 +9384,10 @@
           <p:nvPr/>
         </p:nvPicPr>
         <p:blipFill>
-          <a:blip r:embed="rId6">
-            <a:extLst>
-              <a:ext uri="{96DAC541-7B7A-43D3-8B79-37D633B846F1}">
-                <asvg:svgBlip xmlns:asvg="http://schemas.microsoft.com/office/drawing/2016/SVG/main" r:embed="rId7"/>
+          <a:blip r:embed="rId5">
+            <a:extLst>
+              <a:ext uri="{28A0092B-C50C-407E-A947-70E740481C1C}">
+                <a14:useLocalDpi xmlns:a14="http://schemas.microsoft.com/office/drawing/2010/main" val="0"/>
               </a:ext>
             </a:extLst>
           </a:blip>
@@ -5692,8 +9397,8 @@
         </p:blipFill>
         <p:spPr>
           <a:xfrm>
-            <a:off x="3713023" y="3522507"/>
-            <a:ext cx="4342841" cy="743195"/>
+            <a:off x="3042547" y="2612027"/>
+            <a:ext cx="6106906" cy="355012"/>
           </a:xfrm>
           <a:prstGeom prst="rect">
             <a:avLst/>
@@ -5703,7 +9408,307 @@
     </p:spTree>
     <p:extLst>
       <p:ext uri="{BB962C8B-B14F-4D97-AF65-F5344CB8AC3E}">
-        <p14:creationId xmlns:p14="http://schemas.microsoft.com/office/powerpoint/2010/main" val="2228040206"/>
+        <p14:creationId xmlns:p14="http://schemas.microsoft.com/office/powerpoint/2010/main" val="959335323"/>
+      </p:ext>
+    </p:extLst>
+  </p:cSld>
+  <p:clrMapOvr>
+    <a:masterClrMapping/>
+  </p:clrMapOvr>
+</p:sld>
+</file>
+
+<file path=ppt/slides/slide18.xml><?xml version="1.0" encoding="utf-8"?>
+<p:sld xmlns:a="http://schemas.openxmlformats.org/drawingml/2006/main" xmlns:r="http://schemas.openxmlformats.org/officeDocument/2006/relationships" xmlns:p="http://schemas.openxmlformats.org/presentationml/2006/main">
+  <p:cSld>
+    <p:spTree>
+      <p:nvGrpSpPr>
+        <p:cNvPr id="1" name="">
+          <a:extLst>
+            <a:ext uri="{FF2B5EF4-FFF2-40B4-BE49-F238E27FC236}">
+              <a16:creationId xmlns:a16="http://schemas.microsoft.com/office/drawing/2014/main" id="{36710BE8-4EBE-A374-A286-3B7C8BB39416}"/>
+            </a:ext>
+          </a:extLst>
+        </p:cNvPr>
+        <p:cNvGrpSpPr/>
+        <p:nvPr/>
+      </p:nvGrpSpPr>
+      <p:grpSpPr>
+        <a:xfrm>
+          <a:off x="0" y="0"/>
+          <a:ext cx="0" cy="0"/>
+          <a:chOff x="0" y="0"/>
+          <a:chExt cx="0" cy="0"/>
+        </a:xfrm>
+      </p:grpSpPr>
+      <p:sp>
+        <p:nvSpPr>
+          <p:cNvPr id="3" name="Content Placeholder 2">
+            <a:extLst>
+              <a:ext uri="{FF2B5EF4-FFF2-40B4-BE49-F238E27FC236}">
+                <a16:creationId xmlns:a16="http://schemas.microsoft.com/office/drawing/2014/main" id="{59C28153-A437-238D-A136-A017E2CD966E}"/>
+              </a:ext>
+            </a:extLst>
+          </p:cNvPr>
+          <p:cNvSpPr>
+            <a:spLocks noGrp="1"/>
+          </p:cNvSpPr>
+          <p:nvPr>
+            <p:ph idx="1"/>
+          </p:nvPr>
+        </p:nvSpPr>
+        <p:spPr>
+          <a:xfrm>
+            <a:off x="638175" y="1949958"/>
+            <a:ext cx="11155680" cy="5145786"/>
+          </a:xfrm>
+        </p:spPr>
+        <p:txBody>
+          <a:bodyPr>
+            <a:normAutofit/>
+          </a:bodyPr>
+          <a:lstStyle/>
+          <a:p>
+            <a:r>
+              <a:rPr lang="en-US" dirty="0"/>
+              <a:t>SLAM3R is a novel and effective system that performs real-time, high-quality, dense 3D scene reconstruction using RGB videos</a:t>
+            </a:r>
+          </a:p>
+          <a:p>
+            <a:r>
+              <a:rPr lang="en-GB" dirty="0"/>
+              <a:t>It employs a two hierarchy </a:t>
+            </a:r>
+            <a:r>
+              <a:rPr lang="en-US" dirty="0"/>
+              <a:t>neural network framework to perform end-to-end </a:t>
+            </a:r>
+            <a:r>
+              <a:rPr lang="en-GB" dirty="0"/>
+              <a:t>3D reconstruction</a:t>
+            </a:r>
+          </a:p>
+          <a:p>
+            <a:r>
+              <a:rPr lang="en-GB" dirty="0"/>
+              <a:t>The method generates dense points with high accuracy and is able to run in real-time for RGB monocular input</a:t>
+            </a:r>
+          </a:p>
+          <a:p>
+            <a:endParaRPr lang="en-US" dirty="0"/>
+          </a:p>
+        </p:txBody>
+      </p:sp>
+      <p:sp>
+        <p:nvSpPr>
+          <p:cNvPr id="2" name="Title 1">
+            <a:extLst>
+              <a:ext uri="{FF2B5EF4-FFF2-40B4-BE49-F238E27FC236}">
+                <a16:creationId xmlns:a16="http://schemas.microsoft.com/office/drawing/2014/main" id="{3C69F71F-38B8-AAEE-ADA9-D39ACD0A569A}"/>
+              </a:ext>
+            </a:extLst>
+          </p:cNvPr>
+          <p:cNvSpPr>
+            <a:spLocks noGrp="1"/>
+          </p:cNvSpPr>
+          <p:nvPr>
+            <p:ph type="title"/>
+          </p:nvPr>
+        </p:nvSpPr>
+        <p:spPr/>
+        <p:txBody>
+          <a:bodyPr/>
+          <a:lstStyle/>
+          <a:p>
+            <a:r>
+              <a:rPr lang="en-US" dirty="0"/>
+              <a:t>Conclusion</a:t>
+            </a:r>
+          </a:p>
+        </p:txBody>
+      </p:sp>
+    </p:spTree>
+    <p:extLst>
+      <p:ext uri="{BB962C8B-B14F-4D97-AF65-F5344CB8AC3E}">
+        <p14:creationId xmlns:p14="http://schemas.microsoft.com/office/powerpoint/2010/main" val="1765575994"/>
+      </p:ext>
+    </p:extLst>
+  </p:cSld>
+  <p:clrMapOvr>
+    <a:masterClrMapping/>
+  </p:clrMapOvr>
+</p:sld>
+</file>
+
+<file path=ppt/slides/slide19.xml><?xml version="1.0" encoding="utf-8"?>
+<p:sld xmlns:a="http://schemas.openxmlformats.org/drawingml/2006/main" xmlns:r="http://schemas.openxmlformats.org/officeDocument/2006/relationships" xmlns:p="http://schemas.openxmlformats.org/presentationml/2006/main" showMasterSp="0">
+  <p:cSld>
+    <p:spTree>
+      <p:nvGrpSpPr>
+        <p:cNvPr id="1" name=""/>
+        <p:cNvGrpSpPr/>
+        <p:nvPr/>
+      </p:nvGrpSpPr>
+      <p:grpSpPr>
+        <a:xfrm>
+          <a:off x="0" y="0"/>
+          <a:ext cx="0" cy="0"/>
+          <a:chOff x="0" y="0"/>
+          <a:chExt cx="0" cy="0"/>
+        </a:xfrm>
+      </p:grpSpPr>
+      <p:sp>
+        <p:nvSpPr>
+          <p:cNvPr id="2" name="Title 1">
+            <a:extLst>
+              <a:ext uri="{FF2B5EF4-FFF2-40B4-BE49-F238E27FC236}">
+                <a16:creationId xmlns:a16="http://schemas.microsoft.com/office/drawing/2014/main" id="{EC8C6A86-0C24-5745-BEEE-C8AD91C00457}"/>
+              </a:ext>
+            </a:extLst>
+          </p:cNvPr>
+          <p:cNvSpPr>
+            <a:spLocks noGrp="1"/>
+          </p:cNvSpPr>
+          <p:nvPr>
+            <p:ph type="title"/>
+          </p:nvPr>
+        </p:nvSpPr>
+        <p:spPr/>
+        <p:txBody>
+          <a:bodyPr/>
+          <a:lstStyle/>
+          <a:p>
+            <a:endParaRPr lang="en-GB"/>
+          </a:p>
+        </p:txBody>
+      </p:sp>
+      <p:sp>
+        <p:nvSpPr>
+          <p:cNvPr id="3" name="Content Placeholder 2">
+            <a:extLst>
+              <a:ext uri="{FF2B5EF4-FFF2-40B4-BE49-F238E27FC236}">
+                <a16:creationId xmlns:a16="http://schemas.microsoft.com/office/drawing/2014/main" id="{A15386B0-A70B-9851-8C57-181D9993358C}"/>
+              </a:ext>
+            </a:extLst>
+          </p:cNvPr>
+          <p:cNvSpPr>
+            <a:spLocks noGrp="1"/>
+          </p:cNvSpPr>
+          <p:nvPr>
+            <p:ph idx="1"/>
+          </p:nvPr>
+        </p:nvSpPr>
+        <p:spPr/>
+        <p:txBody>
+          <a:bodyPr/>
+          <a:lstStyle/>
+          <a:p>
+            <a:endParaRPr lang="en-GB"/>
+          </a:p>
+        </p:txBody>
+      </p:sp>
+      <p:pic>
+        <p:nvPicPr>
+          <p:cNvPr id="4" name="Picture 3">
+            <a:extLst>
+              <a:ext uri="{FF2B5EF4-FFF2-40B4-BE49-F238E27FC236}">
+                <a16:creationId xmlns:a16="http://schemas.microsoft.com/office/drawing/2014/main" id="{A4660544-6FAD-120E-8E25-21B6AB3C970B}"/>
+              </a:ext>
+            </a:extLst>
+          </p:cNvPr>
+          <p:cNvPicPr>
+            <a:picLocks noChangeAspect="1"/>
+          </p:cNvPicPr>
+          <p:nvPr/>
+        </p:nvPicPr>
+        <p:blipFill>
+          <a:blip r:embed="rId2">
+            <a:alphaModFix amt="40000"/>
+          </a:blip>
+          <a:srcRect t="39512" b="4238"/>
+          <a:stretch>
+            <a:fillRect/>
+          </a:stretch>
+        </p:blipFill>
+        <p:spPr>
+          <a:xfrm>
+            <a:off x="0" y="-1"/>
+            <a:ext cx="12192001" cy="6858001"/>
+          </a:xfrm>
+          <a:prstGeom prst="rect">
+            <a:avLst/>
+          </a:prstGeom>
+          <a:solidFill>
+            <a:schemeClr val="tx1">
+              <a:lumMod val="75000"/>
+              <a:lumOff val="25000"/>
+            </a:schemeClr>
+          </a:solidFill>
+        </p:spPr>
+      </p:pic>
+      <p:sp>
+        <p:nvSpPr>
+          <p:cNvPr id="5" name="Title 1">
+            <a:extLst>
+              <a:ext uri="{FF2B5EF4-FFF2-40B4-BE49-F238E27FC236}">
+                <a16:creationId xmlns:a16="http://schemas.microsoft.com/office/drawing/2014/main" id="{3D7AD768-B5C0-D113-7B7F-270154F99072}"/>
+              </a:ext>
+            </a:extLst>
+          </p:cNvPr>
+          <p:cNvSpPr txBox="1">
+            <a:spLocks/>
+          </p:cNvSpPr>
+          <p:nvPr/>
+        </p:nvSpPr>
+        <p:spPr>
+          <a:xfrm>
+            <a:off x="3585407" y="2824525"/>
+            <a:ext cx="5021182" cy="2450592"/>
+          </a:xfrm>
+          <a:prstGeom prst="rect">
+            <a:avLst/>
+          </a:prstGeom>
+        </p:spPr>
+        <p:txBody>
+          <a:bodyPr vert="horz" lIns="91440" tIns="45720" rIns="91440" bIns="45720" rtlCol="0" anchor="t">
+            <a:normAutofit/>
+          </a:bodyPr>
+          <a:lstStyle>
+            <a:lvl1pPr algn="l" defTabSz="914400" rtl="0" eaLnBrk="1" latinLnBrk="0" hangingPunct="1">
+              <a:lnSpc>
+                <a:spcPct val="100000"/>
+              </a:lnSpc>
+              <a:spcBef>
+                <a:spcPct val="0"/>
+              </a:spcBef>
+              <a:buNone/>
+              <a:defRPr sz="4400" b="1" kern="1200">
+                <a:solidFill>
+                  <a:schemeClr val="tx1"/>
+                </a:solidFill>
+                <a:latin typeface="+mj-lt"/>
+                <a:ea typeface="+mj-ea"/>
+                <a:cs typeface="+mj-cs"/>
+              </a:defRPr>
+            </a:lvl1pPr>
+          </a:lstStyle>
+          <a:p>
+            <a:pPr algn="ctr"/>
+            <a:r>
+              <a:rPr lang="en-GB" sz="6000" dirty="0">
+                <a:solidFill>
+                  <a:srgbClr val="FFFFFF"/>
+                </a:solidFill>
+              </a:rPr>
+              <a:t>THANK YOU</a:t>
+            </a:r>
+          </a:p>
+        </p:txBody>
+      </p:sp>
+    </p:spTree>
+    <p:extLst>
+      <p:ext uri="{BB962C8B-B14F-4D97-AF65-F5344CB8AC3E}">
+        <p14:creationId xmlns:p14="http://schemas.microsoft.com/office/powerpoint/2010/main" val="2842342372"/>
       </p:ext>
     </p:extLst>
   </p:cSld>
@@ -6364,7 +10369,7 @@
           <a:p>
             <a:r>
               <a:rPr lang="en-US" dirty="0"/>
-              <a:t>The I2P model infers dense 3D point maps for every pixel of a keyframe in a window</a:t>
+              <a:t>The I2P network infers dense 3D point maps for every pixel of a keyframe in a window</a:t>
             </a:r>
             <a:endParaRPr lang="en-GB" dirty="0"/>
           </a:p>
@@ -6384,7 +10389,7 @@
         </p:nvSpPr>
         <p:spPr>
           <a:xfrm>
-            <a:off x="1959865" y="3621024"/>
+            <a:off x="3150036" y="3727324"/>
             <a:ext cx="1740406" cy="1636776"/>
           </a:xfrm>
           <a:prstGeom prst="rect">
@@ -6434,7 +10439,7 @@
         </p:nvSpPr>
         <p:spPr>
           <a:xfrm>
-            <a:off x="4788405" y="2673477"/>
+            <a:off x="5978576" y="2779777"/>
             <a:ext cx="1740410" cy="1636776"/>
           </a:xfrm>
           <a:prstGeom prst="rect">
@@ -6488,13 +10493,16 @@
         </p:nvCxnSpPr>
         <p:spPr>
           <a:xfrm flipV="1">
-            <a:off x="3700271" y="3491865"/>
+            <a:off x="4890442" y="3598165"/>
             <a:ext cx="1088134" cy="947547"/>
           </a:xfrm>
           <a:prstGeom prst="straightConnector1">
             <a:avLst/>
           </a:prstGeom>
           <a:ln>
+            <a:solidFill>
+              <a:srgbClr val="FFFF00"/>
+            </a:solidFill>
             <a:tailEnd type="triangle"/>
           </a:ln>
         </p:spPr>
@@ -6527,7 +10535,7 @@
         </p:nvSpPr>
         <p:spPr>
           <a:xfrm>
-            <a:off x="7850501" y="3621024"/>
+            <a:off x="9040672" y="3727324"/>
             <a:ext cx="1740406" cy="1636776"/>
           </a:xfrm>
           <a:prstGeom prst="rect">
@@ -6581,13 +10589,16 @@
         </p:nvCxnSpPr>
         <p:spPr>
           <a:xfrm>
-            <a:off x="6528815" y="3491865"/>
+            <a:off x="7718986" y="3598165"/>
             <a:ext cx="1321686" cy="947547"/>
           </a:xfrm>
           <a:prstGeom prst="straightConnector1">
             <a:avLst/>
           </a:prstGeom>
           <a:ln>
+            <a:solidFill>
+              <a:srgbClr val="FFFF00"/>
+            </a:solidFill>
             <a:tailEnd type="triangle"/>
           </a:ln>
         </p:spPr>
@@ -6620,7 +10631,7 @@
         </p:nvSpPr>
         <p:spPr>
           <a:xfrm>
-            <a:off x="4788407" y="4697730"/>
+            <a:off x="5978578" y="4804030"/>
             <a:ext cx="1740407" cy="1636776"/>
           </a:xfrm>
           <a:prstGeom prst="rect">
@@ -6674,13 +10685,16 @@
         </p:nvCxnSpPr>
         <p:spPr>
           <a:xfrm>
-            <a:off x="3700271" y="4439412"/>
+            <a:off x="4890442" y="4545712"/>
             <a:ext cx="1088136" cy="1076706"/>
           </a:xfrm>
           <a:prstGeom prst="straightConnector1">
             <a:avLst/>
           </a:prstGeom>
           <a:ln>
+            <a:solidFill>
+              <a:srgbClr val="FFFF00"/>
+            </a:solidFill>
             <a:tailEnd type="triangle"/>
           </a:ln>
         </p:spPr>
@@ -6717,13 +10731,111 @@
         </p:nvCxnSpPr>
         <p:spPr>
           <a:xfrm flipV="1">
-            <a:off x="6528814" y="4439412"/>
+            <a:off x="7718985" y="4545712"/>
             <a:ext cx="1321687" cy="1076706"/>
           </a:xfrm>
           <a:prstGeom prst="straightConnector1">
             <a:avLst/>
           </a:prstGeom>
           <a:ln>
+            <a:solidFill>
+              <a:srgbClr val="FFFF00"/>
+            </a:solidFill>
+            <a:tailEnd type="triangle"/>
+          </a:ln>
+        </p:spPr>
+        <p:style>
+          <a:lnRef idx="2">
+            <a:schemeClr val="accent1"/>
+          </a:lnRef>
+          <a:fillRef idx="0">
+            <a:schemeClr val="accent1"/>
+          </a:fillRef>
+          <a:effectRef idx="1">
+            <a:schemeClr val="accent1"/>
+          </a:effectRef>
+          <a:fontRef idx="minor">
+            <a:schemeClr val="tx1"/>
+          </a:fontRef>
+        </p:style>
+      </p:cxnSp>
+      <p:sp>
+        <p:nvSpPr>
+          <p:cNvPr id="6" name="Rectangle 5">
+            <a:extLst>
+              <a:ext uri="{FF2B5EF4-FFF2-40B4-BE49-F238E27FC236}">
+                <a16:creationId xmlns:a16="http://schemas.microsoft.com/office/drawing/2014/main" id="{6FD6436E-2D38-C818-65E5-7851F0C23707}"/>
+              </a:ext>
+            </a:extLst>
+          </p:cNvPr>
+          <p:cNvSpPr/>
+          <p:nvPr/>
+        </p:nvSpPr>
+        <p:spPr>
+          <a:xfrm>
+            <a:off x="815572" y="3727324"/>
+            <a:ext cx="1740406" cy="1636776"/>
+          </a:xfrm>
+          <a:prstGeom prst="rect">
+            <a:avLst/>
+          </a:prstGeom>
+        </p:spPr>
+        <p:style>
+          <a:lnRef idx="2">
+            <a:schemeClr val="accent1">
+              <a:shade val="15000"/>
+            </a:schemeClr>
+          </a:lnRef>
+          <a:fillRef idx="1">
+            <a:schemeClr val="accent1"/>
+          </a:fillRef>
+          <a:effectRef idx="0">
+            <a:schemeClr val="accent1"/>
+          </a:effectRef>
+          <a:fontRef idx="minor">
+            <a:schemeClr val="lt1"/>
+          </a:fontRef>
+        </p:style>
+        <p:txBody>
+          <a:bodyPr rtlCol="0" anchor="ctr"/>
+          <a:lstStyle/>
+          <a:p>
+            <a:pPr algn="ctr"/>
+            <a:r>
+              <a:rPr lang="en-GB" dirty="0"/>
+              <a:t>Create windows</a:t>
+            </a:r>
+          </a:p>
+        </p:txBody>
+      </p:sp>
+      <p:cxnSp>
+        <p:nvCxnSpPr>
+          <p:cNvPr id="7" name="Straight Arrow Connector 6">
+            <a:extLst>
+              <a:ext uri="{FF2B5EF4-FFF2-40B4-BE49-F238E27FC236}">
+                <a16:creationId xmlns:a16="http://schemas.microsoft.com/office/drawing/2014/main" id="{D8AC734F-8C7F-35F6-0310-11BBDFB79202}"/>
+              </a:ext>
+            </a:extLst>
+          </p:cNvPr>
+          <p:cNvCxnSpPr>
+            <a:cxnSpLocks/>
+            <a:stCxn id="6" idx="3"/>
+            <a:endCxn id="4" idx="1"/>
+          </p:cNvCxnSpPr>
+          <p:nvPr/>
+        </p:nvCxnSpPr>
+        <p:spPr>
+          <a:xfrm>
+            <a:off x="2555978" y="4545712"/>
+            <a:ext cx="594058" cy="0"/>
+          </a:xfrm>
+          <a:prstGeom prst="straightConnector1">
+            <a:avLst/>
+          </a:prstGeom>
+          <a:ln>
+            <a:solidFill>
+              <a:srgbClr val="FFFF00"/>
+            </a:solidFill>
             <a:tailEnd type="triangle"/>
           </a:ln>
         </p:spPr>
@@ -6763,159 +10875,6 @@
         <p:cNvPr id="1" name="">
           <a:extLst>
             <a:ext uri="{FF2B5EF4-FFF2-40B4-BE49-F238E27FC236}">
-              <a16:creationId xmlns:a16="http://schemas.microsoft.com/office/drawing/2014/main" id="{4C6D1970-2B06-ACB8-90C9-91B44B99BBF0}"/>
-            </a:ext>
-          </a:extLst>
-        </p:cNvPr>
-        <p:cNvGrpSpPr/>
-        <p:nvPr/>
-      </p:nvGrpSpPr>
-      <p:grpSpPr>
-        <a:xfrm>
-          <a:off x="0" y="0"/>
-          <a:ext cx="0" cy="0"/>
-          <a:chOff x="0" y="0"/>
-          <a:chExt cx="0" cy="0"/>
-        </a:xfrm>
-      </p:grpSpPr>
-      <p:sp>
-        <p:nvSpPr>
-          <p:cNvPr id="2" name="Title 1">
-            <a:extLst>
-              <a:ext uri="{FF2B5EF4-FFF2-40B4-BE49-F238E27FC236}">
-                <a16:creationId xmlns:a16="http://schemas.microsoft.com/office/drawing/2014/main" id="{3D5FCCE0-0B50-8633-AC85-F856DA995F60}"/>
-              </a:ext>
-            </a:extLst>
-          </p:cNvPr>
-          <p:cNvSpPr>
-            <a:spLocks noGrp="1"/>
-          </p:cNvSpPr>
-          <p:nvPr>
-            <p:ph type="title"/>
-          </p:nvPr>
-        </p:nvSpPr>
-        <p:spPr/>
-        <p:txBody>
-          <a:bodyPr/>
-          <a:lstStyle/>
-          <a:p>
-            <a:r>
-              <a:rPr lang="en-GB" dirty="0"/>
-              <a:t>I2P Network</a:t>
-            </a:r>
-          </a:p>
-        </p:txBody>
-      </p:sp>
-      <p:sp>
-        <p:nvSpPr>
-          <p:cNvPr id="3" name="Content Placeholder 2">
-            <a:extLst>
-              <a:ext uri="{FF2B5EF4-FFF2-40B4-BE49-F238E27FC236}">
-                <a16:creationId xmlns:a16="http://schemas.microsoft.com/office/drawing/2014/main" id="{BB96F497-E0FC-32A0-1A7F-FA23E57D43AE}"/>
-              </a:ext>
-            </a:extLst>
-          </p:cNvPr>
-          <p:cNvSpPr>
-            <a:spLocks noGrp="1"/>
-          </p:cNvSpPr>
-          <p:nvPr>
-            <p:ph idx="1"/>
-          </p:nvPr>
-        </p:nvSpPr>
-        <p:spPr>
-          <a:xfrm>
-            <a:off x="638175" y="1949958"/>
-            <a:ext cx="11155680" cy="5145786"/>
-          </a:xfrm>
-        </p:spPr>
-        <p:txBody>
-          <a:bodyPr>
-            <a:normAutofit/>
-          </a:bodyPr>
-          <a:lstStyle/>
-          <a:p>
-            <a:r>
-              <a:rPr lang="en-US" dirty="0"/>
-              <a:t>Image Encoder: </a:t>
-            </a:r>
-          </a:p>
-          <a:p>
-            <a:pPr lvl="1"/>
-            <a:r>
-              <a:rPr lang="en-US" dirty="0"/>
-              <a:t>Each frame is encoded to obtain token representations. </a:t>
-            </a:r>
-          </a:p>
-          <a:p>
-            <a:pPr lvl="1"/>
-            <a:r>
-              <a:rPr lang="en-US" dirty="0"/>
-              <a:t>Encoder blocks each contain self-attention and feed-forward layers. </a:t>
-            </a:r>
-          </a:p>
-          <a:p>
-            <a:pPr lvl="1"/>
-            <a:endParaRPr lang="en-US" dirty="0"/>
-          </a:p>
-          <a:p>
-            <a:r>
-              <a:rPr lang="en-US" dirty="0"/>
-              <a:t>Keyframe Decoder:</a:t>
-            </a:r>
-          </a:p>
-          <a:p>
-            <a:pPr lvl="1"/>
-            <a:r>
-              <a:rPr lang="en-US" dirty="0"/>
-              <a:t>Vision transformer Decoder</a:t>
-            </a:r>
-          </a:p>
-          <a:p>
-            <a:pPr lvl="1"/>
-            <a:r>
-              <a:rPr lang="en-US" dirty="0"/>
-              <a:t>Performs self attention on the keyframe</a:t>
-            </a:r>
-          </a:p>
-          <a:p>
-            <a:pPr lvl="1"/>
-            <a:r>
-              <a:rPr lang="en-US" dirty="0"/>
-              <a:t>Performs cross-attention with queries from the keyframe and keys and values from supporting frames</a:t>
-            </a:r>
-          </a:p>
-          <a:p>
-            <a:endParaRPr lang="en-US" dirty="0"/>
-          </a:p>
-          <a:p>
-            <a:r>
-              <a:rPr lang="en-US" dirty="0"/>
-              <a:t>Supporting decoder:</a:t>
-            </a:r>
-          </a:p>
-        </p:txBody>
-      </p:sp>
-    </p:spTree>
-    <p:extLst>
-      <p:ext uri="{BB962C8B-B14F-4D97-AF65-F5344CB8AC3E}">
-        <p14:creationId xmlns:p14="http://schemas.microsoft.com/office/powerpoint/2010/main" val="3086791878"/>
-      </p:ext>
-    </p:extLst>
-  </p:cSld>
-  <p:clrMapOvr>
-    <a:masterClrMapping/>
-  </p:clrMapOvr>
-</p:sld>
-</file>
-
-<file path=ppt/slides/slide7.xml><?xml version="1.0" encoding="utf-8"?>
-<p:sld xmlns:a="http://schemas.openxmlformats.org/drawingml/2006/main" xmlns:r="http://schemas.openxmlformats.org/officeDocument/2006/relationships" xmlns:p="http://schemas.openxmlformats.org/presentationml/2006/main">
-  <p:cSld>
-    <p:spTree>
-      <p:nvGrpSpPr>
-        <p:cNvPr id="1" name="">
-          <a:extLst>
-            <a:ext uri="{FF2B5EF4-FFF2-40B4-BE49-F238E27FC236}">
               <a16:creationId xmlns:a16="http://schemas.microsoft.com/office/drawing/2014/main" id="{A1B22783-16BA-5BD4-316F-CE8A1F42850D}"/>
             </a:ext>
           </a:extLst>
@@ -6954,13 +10913,13 @@
           <a:p>
             <a:r>
               <a:rPr lang="en-GB" dirty="0"/>
-              <a:t>I2P Image Encoder</a:t>
+              <a:t>Image Encoder</a:t>
             </a:r>
           </a:p>
         </p:txBody>
       </p:sp>
-      <mc:AlternateContent xmlns:mc="http://schemas.openxmlformats.org/markup-compatibility/2006">
-        <mc:Choice xmlns:a14="http://schemas.microsoft.com/office/drawing/2010/main" Requires="a14">
+      <mc:AlternateContent xmlns:mc="http://schemas.openxmlformats.org/markup-compatibility/2006" xmlns:a14="http://schemas.microsoft.com/office/drawing/2010/main">
+        <mc:Choice Requires="a14">
           <p:sp>
             <p:nvSpPr>
               <p:cNvPr id="3" name="Content Placeholder 2">
@@ -7240,7 +11199,7 @@
             </p:txBody>
           </p:sp>
         </mc:Choice>
-        <mc:Fallback>
+        <mc:Fallback xmlns="">
           <p:sp>
             <p:nvSpPr>
               <p:cNvPr id="3" name="Content Placeholder 2">
@@ -7297,7 +11256,7 @@
 </p:sld>
 </file>
 
-<file path=ppt/slides/slide8.xml><?xml version="1.0" encoding="utf-8"?>
+<file path=ppt/slides/slide7.xml><?xml version="1.0" encoding="utf-8"?>
 <p:sld xmlns:a="http://schemas.openxmlformats.org/drawingml/2006/main" xmlns:r="http://schemas.openxmlformats.org/officeDocument/2006/relationships" xmlns:p="http://schemas.openxmlformats.org/presentationml/2006/main">
   <p:cSld>
     <p:spTree>
@@ -7348,8 +11307,8 @@
           </a:p>
         </p:txBody>
       </p:sp>
-      <mc:AlternateContent xmlns:mc="http://schemas.openxmlformats.org/markup-compatibility/2006">
-        <mc:Choice xmlns:a14="http://schemas.microsoft.com/office/drawing/2010/main" Requires="a14">
+      <mc:AlternateContent xmlns:mc="http://schemas.openxmlformats.org/markup-compatibility/2006" xmlns:a14="http://schemas.microsoft.com/office/drawing/2010/main">
+        <mc:Choice Requires="a14">
           <p:sp>
             <p:nvSpPr>
               <p:cNvPr id="3" name="Content Placeholder 2">
@@ -7393,7 +11352,7 @@
                     <m:sSub>
                       <m:sSubPr>
                         <m:ctrlPr>
-                          <a:rPr lang="en-US" smtClean="0">
+                          <a:rPr lang="en-US" i="1" smtClean="0">
                             <a:latin typeface="Cambria Math" panose="02040503050406030204" pitchFamily="18" charset="0"/>
                           </a:rPr>
                         </m:ctrlPr>
@@ -7442,7 +11401,7 @@
                     <m:sSub>
                       <m:sSubPr>
                         <m:ctrlPr>
-                          <a:rPr lang="en-US" i="0" smtClean="0">
+                          <a:rPr lang="en-US" i="1" smtClean="0">
                             <a:latin typeface="Cambria Math" panose="02040503050406030204" pitchFamily="18" charset="0"/>
                           </a:rPr>
                         </m:ctrlPr>
@@ -7473,7 +11432,7 @@
                     <m:sSubSup>
                       <m:sSubSupPr>
                         <m:ctrlPr>
-                          <a:rPr lang="en-US" i="0" smtClean="0">
+                          <a:rPr lang="en-US" i="1" smtClean="0">
                             <a:latin typeface="Cambria Math" panose="02040503050406030204" pitchFamily="18" charset="0"/>
                           </a:rPr>
                         </m:ctrlPr>
@@ -7527,7 +11486,7 @@
                           <a:rPr lang="en-US" i="0" smtClean="0">
                             <a:latin typeface="Cambria Math" panose="02040503050406030204" pitchFamily="18" charset="0"/>
                           </a:rPr>
-                          <m:t>-1</m:t>
+                          <m:t>−1</m:t>
                         </m:r>
                       </m:sup>
                     </m:sSubSup>
@@ -7557,7 +11516,7 @@
                     <m:sSub>
                       <m:sSubPr>
                         <m:ctrlPr>
-                          <a:rPr lang="en-US" smtClean="0">
+                          <a:rPr lang="en-US" i="1" smtClean="0">
                             <a:latin typeface="Cambria Math" panose="02040503050406030204" pitchFamily="18" charset="0"/>
                           </a:rPr>
                         </m:ctrlPr>
@@ -7615,7 +11574,7 @@
                     <m:sSub>
                       <m:sSubPr>
                         <m:ctrlPr>
-                          <a:rPr lang="en-US" i="0" smtClean="0">
+                          <a:rPr lang="en-US" i="1" smtClean="0">
                             <a:latin typeface="Cambria Math" panose="02040503050406030204" pitchFamily="18" charset="0"/>
                           </a:rPr>
                         </m:ctrlPr>
@@ -7646,7 +11605,7 @@
                     <m:d>
                       <m:dPr>
                         <m:ctrlPr>
-                          <a:rPr lang="en-US" i="0" smtClean="0">
+                          <a:rPr lang="en-US" i="1" smtClean="0">
                             <a:latin typeface="Cambria Math" panose="02040503050406030204" pitchFamily="18" charset="0"/>
                           </a:rPr>
                         </m:ctrlPr>
@@ -7664,7 +11623,7 @@
                         <m:sSub>
                           <m:sSubPr>
                             <m:ctrlPr>
-                              <a:rPr lang="en-US" i="0" smtClean="0">
+                              <a:rPr lang="en-US" i="1" smtClean="0">
                                 <a:latin typeface="Cambria Math" panose="02040503050406030204" pitchFamily="18" charset="0"/>
                               </a:rPr>
                             </m:ctrlPr>
@@ -7723,7 +11682,7 @@
                         <m:sSub>
                           <m:sSubPr>
                             <m:ctrlPr>
-                              <a:rPr lang="en-US" i="0" smtClean="0">
+                              <a:rPr lang="en-US" i="1" smtClean="0">
                                 <a:latin typeface="Cambria Math" panose="02040503050406030204" pitchFamily="18" charset="0"/>
                               </a:rPr>
                             </m:ctrlPr>
@@ -7754,7 +11713,7 @@
                         <m:sSubSup>
                           <m:sSubSupPr>
                             <m:ctrlPr>
-                              <a:rPr lang="en-US" i="0" smtClean="0">
+                              <a:rPr lang="en-US" i="1" smtClean="0">
                                 <a:latin typeface="Cambria Math" panose="02040503050406030204" pitchFamily="18" charset="0"/>
                               </a:rPr>
                             </m:ctrlPr>
@@ -7808,7 +11767,7 @@
                               <a:rPr lang="en-US" i="0" smtClean="0">
                                 <a:latin typeface="Cambria Math" panose="02040503050406030204" pitchFamily="18" charset="0"/>
                               </a:rPr>
-                              <m:t>-1</m:t>
+                              <m:t>−1</m:t>
                             </m:r>
                           </m:sup>
                         </m:sSubSup>
@@ -7845,7 +11804,7 @@
             </p:txBody>
           </p:sp>
         </mc:Choice>
-        <mc:Fallback>
+        <mc:Fallback xmlns="">
           <p:sp>
             <p:nvSpPr>
               <p:cNvPr id="3" name="Content Placeholder 2">
@@ -7902,7 +11861,7 @@
 </p:sld>
 </file>
 
-<file path=ppt/slides/slide9.xml><?xml version="1.0" encoding="utf-8"?>
+<file path=ppt/slides/slide8.xml><?xml version="1.0" encoding="utf-8"?>
 <p:sld xmlns:a="http://schemas.openxmlformats.org/drawingml/2006/main" xmlns:r="http://schemas.openxmlformats.org/officeDocument/2006/relationships" xmlns:p="http://schemas.openxmlformats.org/presentationml/2006/main">
   <p:cSld>
     <p:spTree>
@@ -7953,8 +11912,8 @@
           </a:p>
         </p:txBody>
       </p:sp>
-      <mc:AlternateContent xmlns:mc="http://schemas.openxmlformats.org/markup-compatibility/2006">
-        <mc:Choice xmlns:a14="http://schemas.microsoft.com/office/drawing/2010/main" Requires="a14">
+      <mc:AlternateContent xmlns:mc="http://schemas.openxmlformats.org/markup-compatibility/2006" xmlns:a14="http://schemas.microsoft.com/office/drawing/2010/main">
+        <mc:Choice Requires="a14">
           <p:sp>
             <p:nvSpPr>
               <p:cNvPr id="3" name="Content Placeholder 2">
@@ -8108,7 +12067,19 @@
                       <a:rPr lang="en-US" b="0" i="1" smtClean="0">
                         <a:latin typeface="Cambria Math" panose="02040503050406030204" pitchFamily="18" charset="0"/>
                       </a:rPr>
-                      <m:t> = 1 … </m:t>
+                      <m:t> = </m:t>
+                    </m:r>
+                    <m:r>
+                      <a:rPr lang="en-US" b="0" i="1" smtClean="0">
+                        <a:latin typeface="Cambria Math" panose="02040503050406030204" pitchFamily="18" charset="0"/>
+                      </a:rPr>
+                      <m:t>1</m:t>
+                    </m:r>
+                    <m:r>
+                      <a:rPr lang="en-US" b="0" i="1" smtClean="0">
+                        <a:latin typeface="Cambria Math" panose="02040503050406030204" pitchFamily="18" charset="0"/>
+                      </a:rPr>
+                      <m:t> … </m:t>
                     </m:r>
                     <m:r>
                       <m:rPr>
@@ -8146,7 +12117,7 @@
                     <m:sSub>
                       <m:sSubPr>
                         <m:ctrlPr>
-                          <a:rPr lang="en-US" smtClean="0">
+                          <a:rPr lang="en-US" i="1" smtClean="0">
                             <a:latin typeface="Cambria Math" panose="02040503050406030204" pitchFamily="18" charset="0"/>
                           </a:rPr>
                         </m:ctrlPr>
@@ -8175,7 +12146,7 @@
                         <m:sSub>
                           <m:sSubPr>
                             <m:ctrlPr>
-                              <a:rPr lang="en-US" i="0" smtClean="0">
+                              <a:rPr lang="en-US" i="1" smtClean="0">
                                 <a:latin typeface="Cambria Math" panose="02040503050406030204" pitchFamily="18" charset="0"/>
                               </a:rPr>
                             </m:ctrlPr>
@@ -8235,7 +12206,7 @@
                     <m:sSub>
                       <m:sSubPr>
                         <m:ctrlPr>
-                          <a:rPr lang="en-US" i="0" smtClean="0">
+                          <a:rPr lang="en-US" i="1" smtClean="0">
                             <a:latin typeface="Cambria Math" panose="02040503050406030204" pitchFamily="18" charset="0"/>
                           </a:rPr>
                         </m:ctrlPr>
@@ -8275,7 +12246,7 @@
                     <m:d>
                       <m:dPr>
                         <m:ctrlPr>
-                          <a:rPr lang="en-US" i="0" smtClean="0">
+                          <a:rPr lang="en-US" i="1" smtClean="0">
                             <a:latin typeface="Cambria Math" panose="02040503050406030204" pitchFamily="18" charset="0"/>
                           </a:rPr>
                         </m:ctrlPr>
@@ -8284,7 +12255,7 @@
                         <m:sSub>
                           <m:sSubPr>
                             <m:ctrlPr>
-                              <a:rPr lang="en-US" i="0" smtClean="0">
+                              <a:rPr lang="en-US" i="1" smtClean="0">
                                 <a:latin typeface="Cambria Math" panose="02040503050406030204" pitchFamily="18" charset="0"/>
                               </a:rPr>
                             </m:ctrlPr>
@@ -8313,7 +12284,7 @@
                             <m:sSub>
                               <m:sSubPr>
                                 <m:ctrlPr>
-                                  <a:rPr lang="en-US" i="0" smtClean="0">
+                                  <a:rPr lang="en-US" i="1" smtClean="0">
                                     <a:latin typeface="Cambria Math" panose="02040503050406030204" pitchFamily="18" charset="0"/>
                                   </a:rPr>
                                 </m:ctrlPr>
@@ -8364,7 +12335,7 @@
                         <m:sSub>
                           <m:sSubPr>
                             <m:ctrlPr>
-                              <a:rPr lang="en-US" i="0" smtClean="0">
+                              <a:rPr lang="en-US" i="1" smtClean="0">
                                 <a:latin typeface="Cambria Math" panose="02040503050406030204" pitchFamily="18" charset="0"/>
                               </a:rPr>
                             </m:ctrlPr>
@@ -8428,7 +12399,16 @@
                       <a:rPr lang="en-US" i="0" smtClean="0">
                         <a:latin typeface="Cambria Math" panose="02040503050406030204" pitchFamily="18" charset="0"/>
                       </a:rPr>
-                      <m:t> = 1 </m:t>
+                      <m:t> = </m:t>
+                    </m:r>
+                    <m:r>
+                      <m:rPr>
+                        <m:nor/>
+                      </m:rPr>
+                      <a:rPr lang="en-US" i="0" smtClean="0">
+                        <a:latin typeface="Cambria Math" panose="02040503050406030204" pitchFamily="18" charset="0"/>
+                      </a:rPr>
+                      <m:t>1 </m:t>
                     </m:r>
                     <m:r>
                       <m:rPr>
@@ -8455,7 +12435,16 @@
                       <a:rPr lang="en-US" i="0" smtClean="0">
                         <a:latin typeface="Cambria Math" panose="02040503050406030204" pitchFamily="18" charset="0"/>
                       </a:rPr>
-                      <m:t>-1</m:t>
+                      <m:t>−</m:t>
+                    </m:r>
+                    <m:r>
+                      <m:rPr>
+                        <m:nor/>
+                      </m:rPr>
+                      <a:rPr lang="en-US" i="0" smtClean="0">
+                        <a:latin typeface="Cambria Math" panose="02040503050406030204" pitchFamily="18" charset="0"/>
+                      </a:rPr>
+                      <m:t>1</m:t>
                     </m:r>
                   </m:oMath>
                 </a14:m>
@@ -8479,7 +12468,7 @@
             </p:txBody>
           </p:sp>
         </mc:Choice>
-        <mc:Fallback>
+        <mc:Fallback xmlns="">
           <p:sp>
             <p:nvSpPr>
               <p:cNvPr id="3" name="Content Placeholder 2">
@@ -8527,6 +12516,352 @@
     <p:extLst>
       <p:ext uri="{BB962C8B-B14F-4D97-AF65-F5344CB8AC3E}">
         <p14:creationId xmlns:p14="http://schemas.microsoft.com/office/powerpoint/2010/main" val="2363906195"/>
+      </p:ext>
+    </p:extLst>
+  </p:cSld>
+  <p:clrMapOvr>
+    <a:masterClrMapping/>
+  </p:clrMapOvr>
+</p:sld>
+</file>
+
+<file path=ppt/slides/slide9.xml><?xml version="1.0" encoding="utf-8"?>
+<p:sld xmlns:a="http://schemas.openxmlformats.org/drawingml/2006/main" xmlns:r="http://schemas.openxmlformats.org/officeDocument/2006/relationships" xmlns:p="http://schemas.openxmlformats.org/presentationml/2006/main">
+  <p:cSld>
+    <p:spTree>
+      <p:nvGrpSpPr>
+        <p:cNvPr id="1" name="">
+          <a:extLst>
+            <a:ext uri="{FF2B5EF4-FFF2-40B4-BE49-F238E27FC236}">
+              <a16:creationId xmlns:a16="http://schemas.microsoft.com/office/drawing/2014/main" id="{C9997AB0-2ECF-4B4C-8AC9-5423A623E9CE}"/>
+            </a:ext>
+          </a:extLst>
+        </p:cNvPr>
+        <p:cNvGrpSpPr/>
+        <p:nvPr/>
+      </p:nvGrpSpPr>
+      <p:grpSpPr>
+        <a:xfrm>
+          <a:off x="0" y="0"/>
+          <a:ext cx="0" cy="0"/>
+          <a:chOff x="0" y="0"/>
+          <a:chExt cx="0" cy="0"/>
+        </a:xfrm>
+      </p:grpSpPr>
+      <mc:AlternateContent xmlns:mc="http://schemas.openxmlformats.org/markup-compatibility/2006">
+        <mc:Choice xmlns:a14="http://schemas.microsoft.com/office/drawing/2010/main" Requires="a14">
+          <p:sp>
+            <p:nvSpPr>
+              <p:cNvPr id="3" name="Content Placeholder 2">
+                <a:extLst>
+                  <a:ext uri="{FF2B5EF4-FFF2-40B4-BE49-F238E27FC236}">
+                    <a16:creationId xmlns:a16="http://schemas.microsoft.com/office/drawing/2014/main" id="{2458C2F4-D218-366F-6EC9-C294EFD0C7AE}"/>
+                  </a:ext>
+                </a:extLst>
+              </p:cNvPr>
+              <p:cNvSpPr>
+                <a:spLocks noGrp="1"/>
+              </p:cNvSpPr>
+              <p:nvPr>
+                <p:ph idx="1"/>
+              </p:nvPr>
+            </p:nvSpPr>
+            <p:spPr>
+              <a:xfrm>
+                <a:off x="638175" y="1949958"/>
+                <a:ext cx="11155680" cy="5145786"/>
+              </a:xfrm>
+            </p:spPr>
+            <p:txBody>
+              <a:bodyPr>
+                <a:normAutofit/>
+              </a:bodyPr>
+              <a:lstStyle/>
+              <a:p>
+                <a:r>
+                  <a:rPr lang="en-US" dirty="0"/>
+                  <a:t>A linear head is applied to regress dense 3D point maps in the unified coordinate system from decoded tokens.</a:t>
+                </a:r>
+              </a:p>
+              <a:p>
+                <a:pPr marL="0" indent="0">
+                  <a:buNone/>
+                </a:pPr>
+                <a:endParaRPr lang="en-US" dirty="0"/>
+              </a:p>
+              <a:p>
+                <a:r>
+                  <a:rPr lang="en-US" dirty="0"/>
+                  <a:t>The loss function is given as:</a:t>
+                </a:r>
+              </a:p>
+              <a:p>
+                <a:pPr marL="457200" lvl="1" indent="0">
+                  <a:buNone/>
+                </a:pPr>
+                <a:endParaRPr lang="en-US" dirty="0"/>
+              </a:p>
+              <a:p>
+                <a:pPr marL="0" indent="0">
+                  <a:buNone/>
+                </a:pPr>
+                <a:endParaRPr lang="en-US" dirty="0"/>
+              </a:p>
+              <a:p>
+                <a14:m>
+                  <m:oMath xmlns:m="http://schemas.openxmlformats.org/officeDocument/2006/math">
+                    <m:sSub>
+                      <m:sSubPr>
+                        <m:ctrlPr>
+                          <a:rPr lang="en-US" i="1" dirty="0" smtClean="0">
+                            <a:latin typeface="Cambria Math" panose="02040503050406030204" pitchFamily="18" charset="0"/>
+                          </a:rPr>
+                        </m:ctrlPr>
+                      </m:sSubPr>
+                      <m:e>
+                        <m:r>
+                          <a:rPr lang="en-US" i="1" dirty="0" smtClean="0">
+                            <a:latin typeface="Cambria Math" panose="02040503050406030204" pitchFamily="18" charset="0"/>
+                          </a:rPr>
+                          <m:t>𝑀</m:t>
+                        </m:r>
+                      </m:e>
+                      <m:sub>
+                        <m:r>
+                          <a:rPr lang="en-US" i="1" dirty="0" err="1" smtClean="0">
+                            <a:latin typeface="Cambria Math" panose="02040503050406030204" pitchFamily="18" charset="0"/>
+                          </a:rPr>
+                          <m:t>𝑖</m:t>
+                        </m:r>
+                      </m:sub>
+                    </m:sSub>
+                  </m:oMath>
+                </a14:m>
+                <a:r>
+                  <a:rPr lang="en-US" dirty="0"/>
+                  <a:t> :binary mask of valid points that have ground truth values in</a:t>
+                </a:r>
+              </a:p>
+              <a:p>
+                <a14:m>
+                  <m:oMath xmlns:m="http://schemas.openxmlformats.org/officeDocument/2006/math">
+                    <m:acc>
+                      <m:accPr>
+                        <m:chr m:val="̂"/>
+                        <m:ctrlPr>
+                          <a:rPr lang="en-US" i="1" dirty="0" smtClean="0">
+                            <a:latin typeface="Cambria Math" panose="02040503050406030204" pitchFamily="18" charset="0"/>
+                          </a:rPr>
+                        </m:ctrlPr>
+                      </m:accPr>
+                      <m:e>
+                        <m:sSub>
+                          <m:sSubPr>
+                            <m:ctrlPr>
+                              <a:rPr lang="en-US" i="1" dirty="0">
+                                <a:latin typeface="Cambria Math" panose="02040503050406030204" pitchFamily="18" charset="0"/>
+                              </a:rPr>
+                            </m:ctrlPr>
+                          </m:sSubPr>
+                          <m:e>
+                            <m:r>
+                              <a:rPr lang="en-US" i="1" dirty="0">
+                                <a:latin typeface="Cambria Math" panose="02040503050406030204" pitchFamily="18" charset="0"/>
+                              </a:rPr>
+                              <m:t>𝐶</m:t>
+                            </m:r>
+                          </m:e>
+                          <m:sub>
+                            <m:r>
+                              <a:rPr lang="en-US" i="1" dirty="0" err="1" smtClean="0">
+                                <a:latin typeface="Cambria Math" panose="02040503050406030204" pitchFamily="18" charset="0"/>
+                              </a:rPr>
+                              <m:t>𝑖</m:t>
+                            </m:r>
+                          </m:sub>
+                        </m:sSub>
+                      </m:e>
+                    </m:acc>
+                    <m:r>
+                      <a:rPr lang="en-US" i="1" dirty="0" smtClean="0">
+                        <a:latin typeface="Cambria Math" panose="02040503050406030204" pitchFamily="18" charset="0"/>
+                      </a:rPr>
+                      <m:t> </m:t>
+                    </m:r>
+                  </m:oMath>
+                </a14:m>
+                <a:r>
+                  <a:rPr lang="en-US" dirty="0"/>
+                  <a:t>is the predicted confidence map, </a:t>
+                </a:r>
+              </a:p>
+              <a:p>
+                <a14:m>
+                  <m:oMath xmlns:m="http://schemas.openxmlformats.org/officeDocument/2006/math">
+                    <m:r>
+                      <a:rPr lang="en-US" i="1" dirty="0" smtClean="0">
+                        <a:latin typeface="Cambria Math" panose="02040503050406030204" pitchFamily="18" charset="0"/>
+                      </a:rPr>
+                      <m:t>𝛼</m:t>
+                    </m:r>
+                  </m:oMath>
+                </a14:m>
+                <a:r>
+                  <a:rPr lang="en-US" dirty="0"/>
+                  <a:t>is a hyperparameter to control regularization</a:t>
+                </a:r>
+              </a:p>
+            </p:txBody>
+          </p:sp>
+        </mc:Choice>
+        <mc:Fallback>
+          <p:sp>
+            <p:nvSpPr>
+              <p:cNvPr id="3" name="Content Placeholder 2">
+                <a:extLst>
+                  <a:ext uri="{FF2B5EF4-FFF2-40B4-BE49-F238E27FC236}">
+                    <a16:creationId xmlns:a16="http://schemas.microsoft.com/office/drawing/2014/main" id="{2458C2F4-D218-366F-6EC9-C294EFD0C7AE}"/>
+                  </a:ext>
+                </a:extLst>
+              </p:cNvPr>
+              <p:cNvSpPr>
+                <a:spLocks noGrp="1" noRot="1" noChangeAspect="1" noMove="1" noResize="1" noEditPoints="1" noAdjustHandles="1" noChangeArrowheads="1" noChangeShapeType="1" noTextEdit="1"/>
+              </p:cNvSpPr>
+              <p:nvPr>
+                <p:ph idx="1"/>
+              </p:nvPr>
+            </p:nvSpPr>
+            <p:spPr>
+              <a:xfrm>
+                <a:off x="638175" y="1949958"/>
+                <a:ext cx="11155680" cy="5145786"/>
+              </a:xfrm>
+              <a:blipFill>
+                <a:blip r:embed="rId3"/>
+                <a:stretch>
+                  <a:fillRect l="-383" t="-474"/>
+                </a:stretch>
+              </a:blipFill>
+            </p:spPr>
+            <p:txBody>
+              <a:bodyPr/>
+              <a:lstStyle/>
+              <a:p>
+                <a:r>
+                  <a:rPr lang="en-GB">
+                    <a:noFill/>
+                  </a:rPr>
+                  <a:t> </a:t>
+                </a:r>
+              </a:p>
+            </p:txBody>
+          </p:sp>
+        </mc:Fallback>
+      </mc:AlternateContent>
+      <p:sp>
+        <p:nvSpPr>
+          <p:cNvPr id="2" name="Title 1">
+            <a:extLst>
+              <a:ext uri="{FF2B5EF4-FFF2-40B4-BE49-F238E27FC236}">
+                <a16:creationId xmlns:a16="http://schemas.microsoft.com/office/drawing/2014/main" id="{63E0018D-990A-C41F-7199-C5BD575E8277}"/>
+              </a:ext>
+            </a:extLst>
+          </p:cNvPr>
+          <p:cNvSpPr>
+            <a:spLocks noGrp="1"/>
+          </p:cNvSpPr>
+          <p:nvPr>
+            <p:ph type="title"/>
+          </p:nvPr>
+        </p:nvSpPr>
+        <p:spPr/>
+        <p:txBody>
+          <a:bodyPr/>
+          <a:lstStyle/>
+          <a:p>
+            <a:r>
+              <a:rPr lang="en-US" dirty="0"/>
+              <a:t>Points Reconstruction</a:t>
+            </a:r>
+          </a:p>
+        </p:txBody>
+      </p:sp>
+      <p:pic>
+        <p:nvPicPr>
+          <p:cNvPr id="5" name="Graphic 4">
+            <a:extLst>
+              <a:ext uri="{FF2B5EF4-FFF2-40B4-BE49-F238E27FC236}">
+                <a16:creationId xmlns:a16="http://schemas.microsoft.com/office/drawing/2014/main" id="{05568B8E-4DE7-6097-E6C2-020075D01EB2}"/>
+              </a:ext>
+            </a:extLst>
+          </p:cNvPr>
+          <p:cNvPicPr>
+            <a:picLocks noChangeAspect="1"/>
+          </p:cNvPicPr>
+          <p:nvPr/>
+        </p:nvPicPr>
+        <p:blipFill>
+          <a:blip r:embed="rId4">
+            <a:extLst>
+              <a:ext uri="{96DAC541-7B7A-43D3-8B79-37D633B846F1}">
+                <asvg:svgBlip xmlns:asvg="http://schemas.microsoft.com/office/drawing/2016/SVG/main" r:embed="rId5"/>
+              </a:ext>
+            </a:extLst>
+          </a:blip>
+          <a:stretch>
+            <a:fillRect/>
+          </a:stretch>
+        </p:blipFill>
+        <p:spPr>
+          <a:xfrm>
+            <a:off x="3054518" y="2558415"/>
+            <a:ext cx="6082963" cy="422529"/>
+          </a:xfrm>
+          <a:prstGeom prst="rect">
+            <a:avLst/>
+          </a:prstGeom>
+        </p:spPr>
+      </p:pic>
+      <p:pic>
+        <p:nvPicPr>
+          <p:cNvPr id="7" name="Graphic 6">
+            <a:extLst>
+              <a:ext uri="{FF2B5EF4-FFF2-40B4-BE49-F238E27FC236}">
+                <a16:creationId xmlns:a16="http://schemas.microsoft.com/office/drawing/2014/main" id="{F497B925-80D2-D265-367C-A174F6FF16D9}"/>
+              </a:ext>
+            </a:extLst>
+          </p:cNvPr>
+          <p:cNvPicPr>
+            <a:picLocks noChangeAspect="1"/>
+          </p:cNvPicPr>
+          <p:nvPr/>
+        </p:nvPicPr>
+        <p:blipFill>
+          <a:blip r:embed="rId6">
+            <a:extLst>
+              <a:ext uri="{96DAC541-7B7A-43D3-8B79-37D633B846F1}">
+                <asvg:svgBlip xmlns:asvg="http://schemas.microsoft.com/office/drawing/2016/SVG/main" r:embed="rId7"/>
+              </a:ext>
+            </a:extLst>
+          </a:blip>
+          <a:stretch>
+            <a:fillRect/>
+          </a:stretch>
+        </p:blipFill>
+        <p:spPr>
+          <a:xfrm>
+            <a:off x="3713023" y="3522507"/>
+            <a:ext cx="4342841" cy="743195"/>
+          </a:xfrm>
+          <a:prstGeom prst="rect">
+            <a:avLst/>
+          </a:prstGeom>
+        </p:spPr>
+      </p:pic>
+    </p:spTree>
+    <p:extLst>
+      <p:ext uri="{BB962C8B-B14F-4D97-AF65-F5344CB8AC3E}">
+        <p14:creationId xmlns:p14="http://schemas.microsoft.com/office/powerpoint/2010/main" val="2228040206"/>
       </p:ext>
     </p:extLst>
   </p:cSld>

--- a/SLAM3R.pptx
+++ b/SLAM3R.pptx
@@ -5,28 +5,30 @@
     <p:sldMasterId id="2147483686" r:id="rId1"/>
   </p:sldMasterIdLst>
   <p:notesMasterIdLst>
-    <p:notesMasterId r:id="rId21"/>
+    <p:notesMasterId r:id="rId23"/>
   </p:notesMasterIdLst>
   <p:sldIdLst>
     <p:sldId id="256" r:id="rId2"/>
-    <p:sldId id="257" r:id="rId3"/>
-    <p:sldId id="259" r:id="rId4"/>
-    <p:sldId id="258" r:id="rId5"/>
-    <p:sldId id="260" r:id="rId6"/>
-    <p:sldId id="262" r:id="rId7"/>
-    <p:sldId id="263" r:id="rId8"/>
-    <p:sldId id="264" r:id="rId9"/>
-    <p:sldId id="265" r:id="rId10"/>
-    <p:sldId id="266" r:id="rId11"/>
-    <p:sldId id="267" r:id="rId12"/>
-    <p:sldId id="268" r:id="rId13"/>
-    <p:sldId id="272" r:id="rId14"/>
-    <p:sldId id="269" r:id="rId15"/>
-    <p:sldId id="270" r:id="rId16"/>
-    <p:sldId id="273" r:id="rId17"/>
-    <p:sldId id="271" r:id="rId18"/>
-    <p:sldId id="274" r:id="rId19"/>
-    <p:sldId id="277" r:id="rId20"/>
+    <p:sldId id="279" r:id="rId3"/>
+    <p:sldId id="257" r:id="rId4"/>
+    <p:sldId id="259" r:id="rId5"/>
+    <p:sldId id="258" r:id="rId6"/>
+    <p:sldId id="260" r:id="rId7"/>
+    <p:sldId id="262" r:id="rId8"/>
+    <p:sldId id="263" r:id="rId9"/>
+    <p:sldId id="264" r:id="rId10"/>
+    <p:sldId id="265" r:id="rId11"/>
+    <p:sldId id="266" r:id="rId12"/>
+    <p:sldId id="267" r:id="rId13"/>
+    <p:sldId id="268" r:id="rId14"/>
+    <p:sldId id="272" r:id="rId15"/>
+    <p:sldId id="269" r:id="rId16"/>
+    <p:sldId id="270" r:id="rId17"/>
+    <p:sldId id="273" r:id="rId18"/>
+    <p:sldId id="271" r:id="rId19"/>
+    <p:sldId id="278" r:id="rId20"/>
+    <p:sldId id="274" r:id="rId21"/>
+    <p:sldId id="277" r:id="rId22"/>
   </p:sldIdLst>
   <p:sldSz cx="12192000" cy="6858000"/>
   <p:notesSz cx="6858000" cy="9144000"/>
@@ -215,7 +217,7 @@
           <a:p>
             <a:fld id="{4F6CDF69-D9FB-4E48-813D-3E3D547B7197}" type="datetimeFigureOut">
               <a:rPr lang="en-GB" smtClean="0"/>
-              <a:t>10/09/2025</a:t>
+              <a:t>11/09/2025</a:t>
             </a:fld>
             <a:endParaRPr lang="en-GB"/>
           </a:p>
@@ -548,7 +550,7 @@
           <a:p>
             <a:fld id="{7D0F0BAF-A7CC-42F6-BA05-9EE3374D5828}" type="slidenum">
               <a:rPr lang="en-GB" smtClean="0"/>
-              <a:t>4</a:t>
+              <a:t>5</a:t>
             </a:fld>
             <a:endParaRPr lang="en-GB"/>
           </a:p>
@@ -656,7 +658,7 @@
           <a:p>
             <a:fld id="{7D0F0BAF-A7CC-42F6-BA05-9EE3374D5828}" type="slidenum">
               <a:rPr lang="en-GB" smtClean="0"/>
-              <a:t>13</a:t>
+              <a:t>14</a:t>
             </a:fld>
             <a:endParaRPr lang="en-GB"/>
           </a:p>
@@ -764,7 +766,7 @@
           <a:p>
             <a:fld id="{7D0F0BAF-A7CC-42F6-BA05-9EE3374D5828}" type="slidenum">
               <a:rPr lang="en-GB" smtClean="0"/>
-              <a:t>14</a:t>
+              <a:t>15</a:t>
             </a:fld>
             <a:endParaRPr lang="en-GB"/>
           </a:p>
@@ -872,7 +874,7 @@
           <a:p>
             <a:fld id="{7D0F0BAF-A7CC-42F6-BA05-9EE3374D5828}" type="slidenum">
               <a:rPr lang="en-GB" smtClean="0"/>
-              <a:t>15</a:t>
+              <a:t>16</a:t>
             </a:fld>
             <a:endParaRPr lang="en-GB"/>
           </a:p>
@@ -980,7 +982,7 @@
           <a:p>
             <a:fld id="{7D0F0BAF-A7CC-42F6-BA05-9EE3374D5828}" type="slidenum">
               <a:rPr lang="en-GB" smtClean="0"/>
-              <a:t>16</a:t>
+              <a:t>17</a:t>
             </a:fld>
             <a:endParaRPr lang="en-GB"/>
           </a:p>
@@ -1088,7 +1090,7 @@
           <a:p>
             <a:fld id="{7D0F0BAF-A7CC-42F6-BA05-9EE3374D5828}" type="slidenum">
               <a:rPr lang="en-GB" smtClean="0"/>
-              <a:t>17</a:t>
+              <a:t>18</a:t>
             </a:fld>
             <a:endParaRPr lang="en-GB"/>
           </a:p>
@@ -1108,6 +1110,114 @@
 </file>
 
 <file path=ppt/notesSlides/notesSlide15.xml><?xml version="1.0" encoding="utf-8"?>
+<p:notes xmlns:a="http://schemas.openxmlformats.org/drawingml/2006/main" xmlns:r="http://schemas.openxmlformats.org/officeDocument/2006/relationships" xmlns:p="http://schemas.openxmlformats.org/presentationml/2006/main">
+  <p:cSld>
+    <p:spTree>
+      <p:nvGrpSpPr>
+        <p:cNvPr id="1" name="">
+          <a:extLst>
+            <a:ext uri="{FF2B5EF4-FFF2-40B4-BE49-F238E27FC236}">
+              <a16:creationId xmlns:a16="http://schemas.microsoft.com/office/drawing/2014/main" id="{CDD3C86F-188E-FEE6-9E8E-15929F9E0350}"/>
+            </a:ext>
+          </a:extLst>
+        </p:cNvPr>
+        <p:cNvGrpSpPr/>
+        <p:nvPr/>
+      </p:nvGrpSpPr>
+      <p:grpSpPr>
+        <a:xfrm>
+          <a:off x="0" y="0"/>
+          <a:ext cx="0" cy="0"/>
+          <a:chOff x="0" y="0"/>
+          <a:chExt cx="0" cy="0"/>
+        </a:xfrm>
+      </p:grpSpPr>
+      <p:sp>
+        <p:nvSpPr>
+          <p:cNvPr id="2" name="Slide Image Placeholder 1">
+            <a:extLst>
+              <a:ext uri="{FF2B5EF4-FFF2-40B4-BE49-F238E27FC236}">
+                <a16:creationId xmlns:a16="http://schemas.microsoft.com/office/drawing/2014/main" id="{625DC500-7663-1A8B-F9FC-F059F4021BD2}"/>
+              </a:ext>
+            </a:extLst>
+          </p:cNvPr>
+          <p:cNvSpPr>
+            <a:spLocks noGrp="1" noRot="1" noChangeAspect="1"/>
+          </p:cNvSpPr>
+          <p:nvPr>
+            <p:ph type="sldImg"/>
+          </p:nvPr>
+        </p:nvSpPr>
+        <p:spPr/>
+      </p:sp>
+      <p:sp>
+        <p:nvSpPr>
+          <p:cNvPr id="3" name="Notes Placeholder 2">
+            <a:extLst>
+              <a:ext uri="{FF2B5EF4-FFF2-40B4-BE49-F238E27FC236}">
+                <a16:creationId xmlns:a16="http://schemas.microsoft.com/office/drawing/2014/main" id="{E175024E-4D61-D1E9-20F5-591D747F1173}"/>
+              </a:ext>
+            </a:extLst>
+          </p:cNvPr>
+          <p:cNvSpPr>
+            <a:spLocks noGrp="1"/>
+          </p:cNvSpPr>
+          <p:nvPr>
+            <p:ph type="body" idx="1"/>
+          </p:nvPr>
+        </p:nvSpPr>
+        <p:spPr/>
+        <p:txBody>
+          <a:bodyPr/>
+          <a:lstStyle/>
+          <a:p>
+            <a:endParaRPr lang="en-GB" dirty="0"/>
+          </a:p>
+        </p:txBody>
+      </p:sp>
+      <p:sp>
+        <p:nvSpPr>
+          <p:cNvPr id="4" name="Slide Number Placeholder 3">
+            <a:extLst>
+              <a:ext uri="{FF2B5EF4-FFF2-40B4-BE49-F238E27FC236}">
+                <a16:creationId xmlns:a16="http://schemas.microsoft.com/office/drawing/2014/main" id="{1A543AF5-EF13-F0A7-2B06-D5878A8766D6}"/>
+              </a:ext>
+            </a:extLst>
+          </p:cNvPr>
+          <p:cNvSpPr>
+            <a:spLocks noGrp="1"/>
+          </p:cNvSpPr>
+          <p:nvPr>
+            <p:ph type="sldNum" sz="quarter" idx="5"/>
+          </p:nvPr>
+        </p:nvSpPr>
+        <p:spPr/>
+        <p:txBody>
+          <a:bodyPr/>
+          <a:lstStyle/>
+          <a:p>
+            <a:fld id="{7D0F0BAF-A7CC-42F6-BA05-9EE3374D5828}" type="slidenum">
+              <a:rPr lang="en-GB" smtClean="0"/>
+              <a:t>19</a:t>
+            </a:fld>
+            <a:endParaRPr lang="en-GB"/>
+          </a:p>
+        </p:txBody>
+      </p:sp>
+    </p:spTree>
+    <p:extLst>
+      <p:ext uri="{BB962C8B-B14F-4D97-AF65-F5344CB8AC3E}">
+        <p14:creationId xmlns:p14="http://schemas.microsoft.com/office/powerpoint/2010/main" val="1215651855"/>
+      </p:ext>
+    </p:extLst>
+  </p:cSld>
+  <p:clrMapOvr>
+    <a:masterClrMapping/>
+  </p:clrMapOvr>
+</p:notes>
+</file>
+
+<file path=ppt/notesSlides/notesSlide16.xml><?xml version="1.0" encoding="utf-8"?>
 <p:notes xmlns:a="http://schemas.openxmlformats.org/drawingml/2006/main" xmlns:r="http://schemas.openxmlformats.org/officeDocument/2006/relationships" xmlns:p="http://schemas.openxmlformats.org/presentationml/2006/main">
   <p:cSld>
     <p:spTree>
@@ -1196,7 +1306,7 @@
           <a:p>
             <a:fld id="{7D0F0BAF-A7CC-42F6-BA05-9EE3374D5828}" type="slidenum">
               <a:rPr lang="en-GB" smtClean="0"/>
-              <a:t>18</a:t>
+              <a:t>20</a:t>
             </a:fld>
             <a:endParaRPr lang="en-GB"/>
           </a:p>
@@ -1304,7 +1414,7 @@
           <a:p>
             <a:fld id="{7D0F0BAF-A7CC-42F6-BA05-9EE3374D5828}" type="slidenum">
               <a:rPr lang="en-GB" smtClean="0"/>
-              <a:t>5</a:t>
+              <a:t>6</a:t>
             </a:fld>
             <a:endParaRPr lang="en-GB"/>
           </a:p>
@@ -1412,7 +1522,7 @@
           <a:p>
             <a:fld id="{7D0F0BAF-A7CC-42F6-BA05-9EE3374D5828}" type="slidenum">
               <a:rPr lang="en-GB" smtClean="0"/>
-              <a:t>6</a:t>
+              <a:t>7</a:t>
             </a:fld>
             <a:endParaRPr lang="en-GB"/>
           </a:p>
@@ -1520,7 +1630,7 @@
           <a:p>
             <a:fld id="{7D0F0BAF-A7CC-42F6-BA05-9EE3374D5828}" type="slidenum">
               <a:rPr lang="en-GB" smtClean="0"/>
-              <a:t>7</a:t>
+              <a:t>8</a:t>
             </a:fld>
             <a:endParaRPr lang="en-GB"/>
           </a:p>
@@ -1628,7 +1738,7 @@
           <a:p>
             <a:fld id="{7D0F0BAF-A7CC-42F6-BA05-9EE3374D5828}" type="slidenum">
               <a:rPr lang="en-GB" smtClean="0"/>
-              <a:t>8</a:t>
+              <a:t>9</a:t>
             </a:fld>
             <a:endParaRPr lang="en-GB"/>
           </a:p>
@@ -1736,7 +1846,7 @@
           <a:p>
             <a:fld id="{7D0F0BAF-A7CC-42F6-BA05-9EE3374D5828}" type="slidenum">
               <a:rPr lang="en-GB" smtClean="0"/>
-              <a:t>9</a:t>
+              <a:t>10</a:t>
             </a:fld>
             <a:endParaRPr lang="en-GB"/>
           </a:p>
@@ -1844,7 +1954,7 @@
           <a:p>
             <a:fld id="{7D0F0BAF-A7CC-42F6-BA05-9EE3374D5828}" type="slidenum">
               <a:rPr lang="en-GB" smtClean="0"/>
-              <a:t>10</a:t>
+              <a:t>11</a:t>
             </a:fld>
             <a:endParaRPr lang="en-GB"/>
           </a:p>
@@ -1952,7 +2062,7 @@
           <a:p>
             <a:fld id="{7D0F0BAF-A7CC-42F6-BA05-9EE3374D5828}" type="slidenum">
               <a:rPr lang="en-GB" smtClean="0"/>
-              <a:t>11</a:t>
+              <a:t>12</a:t>
             </a:fld>
             <a:endParaRPr lang="en-GB"/>
           </a:p>
@@ -2060,7 +2170,7 @@
           <a:p>
             <a:fld id="{7D0F0BAF-A7CC-42F6-BA05-9EE3374D5828}" type="slidenum">
               <a:rPr lang="en-GB" smtClean="0"/>
-              <a:t>12</a:t>
+              <a:t>13</a:t>
             </a:fld>
             <a:endParaRPr lang="en-GB"/>
           </a:p>
@@ -2362,7 +2472,7 @@
           <a:p>
             <a:fld id="{E80C50CD-E178-4744-9B35-B2F624D6C5E9}" type="datetimeFigureOut">
               <a:rPr lang="en-US" smtClean="0"/>
-              <a:t>10-Sep-25</a:t>
+              <a:t>11-Sep-25</a:t>
             </a:fld>
             <a:endParaRPr lang="en-US"/>
           </a:p>
@@ -2560,7 +2670,7 @@
           <a:p>
             <a:fld id="{E80C50CD-E178-4744-9B35-B2F624D6C5E9}" type="datetimeFigureOut">
               <a:rPr lang="en-US" smtClean="0"/>
-              <a:t>10-Sep-25</a:t>
+              <a:t>11-Sep-25</a:t>
             </a:fld>
             <a:endParaRPr lang="en-US"/>
           </a:p>
@@ -2768,7 +2878,7 @@
           <a:p>
             <a:fld id="{E80C50CD-E178-4744-9B35-B2F624D6C5E9}" type="datetimeFigureOut">
               <a:rPr lang="en-US" smtClean="0"/>
-              <a:t>10-Sep-25</a:t>
+              <a:t>11-Sep-25</a:t>
             </a:fld>
             <a:endParaRPr lang="en-US"/>
           </a:p>
@@ -3018,7 +3128,7 @@
           <a:p>
             <a:fld id="{E80C50CD-E178-4744-9B35-B2F624D6C5E9}" type="datetimeFigureOut">
               <a:rPr lang="en-US" smtClean="0"/>
-              <a:t>10-Sep-25</a:t>
+              <a:t>11-Sep-25</a:t>
             </a:fld>
             <a:endParaRPr lang="en-US"/>
           </a:p>
@@ -3297,7 +3407,7 @@
           <a:p>
             <a:fld id="{E80C50CD-E178-4744-9B35-B2F624D6C5E9}" type="datetimeFigureOut">
               <a:rPr lang="en-US" smtClean="0"/>
-              <a:t>10-Sep-25</a:t>
+              <a:t>11-Sep-25</a:t>
             </a:fld>
             <a:endParaRPr lang="en-US"/>
           </a:p>
@@ -3614,7 +3724,7 @@
           <a:p>
             <a:fld id="{E80C50CD-E178-4744-9B35-B2F624D6C5E9}" type="datetimeFigureOut">
               <a:rPr lang="en-US" smtClean="0"/>
-              <a:t>10-Sep-25</a:t>
+              <a:t>11-Sep-25</a:t>
             </a:fld>
             <a:endParaRPr lang="en-US"/>
           </a:p>
@@ -4030,7 +4140,7 @@
           <a:p>
             <a:fld id="{E80C50CD-E178-4744-9B35-B2F624D6C5E9}" type="datetimeFigureOut">
               <a:rPr lang="en-US" smtClean="0"/>
-              <a:t>10-Sep-25</a:t>
+              <a:t>11-Sep-25</a:t>
             </a:fld>
             <a:endParaRPr lang="en-US"/>
           </a:p>
@@ -4171,7 +4281,7 @@
           <a:p>
             <a:fld id="{E80C50CD-E178-4744-9B35-B2F624D6C5E9}" type="datetimeFigureOut">
               <a:rPr lang="en-US" smtClean="0"/>
-              <a:t>10-Sep-25</a:t>
+              <a:t>11-Sep-25</a:t>
             </a:fld>
             <a:endParaRPr lang="en-US"/>
           </a:p>
@@ -4284,7 +4394,7 @@
           <a:p>
             <a:fld id="{E80C50CD-E178-4744-9B35-B2F624D6C5E9}" type="datetimeFigureOut">
               <a:rPr lang="en-US" smtClean="0"/>
-              <a:t>10-Sep-25</a:t>
+              <a:t>11-Sep-25</a:t>
             </a:fld>
             <a:endParaRPr lang="en-US"/>
           </a:p>
@@ -4601,7 +4711,7 @@
           <a:p>
             <a:fld id="{E80C50CD-E178-4744-9B35-B2F624D6C5E9}" type="datetimeFigureOut">
               <a:rPr lang="en-US" smtClean="0"/>
-              <a:t>10-Sep-25</a:t>
+              <a:t>11-Sep-25</a:t>
             </a:fld>
             <a:endParaRPr lang="en-US"/>
           </a:p>
@@ -4893,7 +5003,7 @@
           <a:p>
             <a:fld id="{E80C50CD-E178-4744-9B35-B2F624D6C5E9}" type="datetimeFigureOut">
               <a:rPr lang="en-US" smtClean="0"/>
-              <a:t>10-Sep-25</a:t>
+              <a:t>11-Sep-25</a:t>
             </a:fld>
             <a:endParaRPr lang="en-US"/>
           </a:p>
@@ -5148,7 +5258,7 @@
             <a:fld id="{E80C50CD-E178-4744-9B35-B2F624D6C5E9}" type="datetimeFigureOut">
               <a:rPr lang="en-US" smtClean="0"/>
               <a:pPr/>
-              <a:t>10-Sep-25</a:t>
+              <a:t>11-Sep-25</a:t>
             </a:fld>
             <a:endParaRPr lang="en-US"/>
           </a:p>
@@ -6214,6 +6324,352 @@
         <p:cNvPr id="1" name="">
           <a:extLst>
             <a:ext uri="{FF2B5EF4-FFF2-40B4-BE49-F238E27FC236}">
+              <a16:creationId xmlns:a16="http://schemas.microsoft.com/office/drawing/2014/main" id="{C9997AB0-2ECF-4B4C-8AC9-5423A623E9CE}"/>
+            </a:ext>
+          </a:extLst>
+        </p:cNvPr>
+        <p:cNvGrpSpPr/>
+        <p:nvPr/>
+      </p:nvGrpSpPr>
+      <p:grpSpPr>
+        <a:xfrm>
+          <a:off x="0" y="0"/>
+          <a:ext cx="0" cy="0"/>
+          <a:chOff x="0" y="0"/>
+          <a:chExt cx="0" cy="0"/>
+        </a:xfrm>
+      </p:grpSpPr>
+      <mc:AlternateContent xmlns:mc="http://schemas.openxmlformats.org/markup-compatibility/2006" xmlns:a14="http://schemas.microsoft.com/office/drawing/2010/main">
+        <mc:Choice Requires="a14">
+          <p:sp>
+            <p:nvSpPr>
+              <p:cNvPr id="3" name="Content Placeholder 2">
+                <a:extLst>
+                  <a:ext uri="{FF2B5EF4-FFF2-40B4-BE49-F238E27FC236}">
+                    <a16:creationId xmlns:a16="http://schemas.microsoft.com/office/drawing/2014/main" id="{2458C2F4-D218-366F-6EC9-C294EFD0C7AE}"/>
+                  </a:ext>
+                </a:extLst>
+              </p:cNvPr>
+              <p:cNvSpPr>
+                <a:spLocks noGrp="1"/>
+              </p:cNvSpPr>
+              <p:nvPr>
+                <p:ph idx="1"/>
+              </p:nvPr>
+            </p:nvSpPr>
+            <p:spPr>
+              <a:xfrm>
+                <a:off x="638175" y="1949958"/>
+                <a:ext cx="11155680" cy="5145786"/>
+              </a:xfrm>
+            </p:spPr>
+            <p:txBody>
+              <a:bodyPr>
+                <a:normAutofit/>
+              </a:bodyPr>
+              <a:lstStyle/>
+              <a:p>
+                <a:r>
+                  <a:rPr lang="en-US" dirty="0"/>
+                  <a:t>A linear head is applied to regress dense 3D point maps in the unified coordinate system from decoded tokens.</a:t>
+                </a:r>
+              </a:p>
+              <a:p>
+                <a:pPr marL="0" indent="0">
+                  <a:buNone/>
+                </a:pPr>
+                <a:endParaRPr lang="en-US" dirty="0"/>
+              </a:p>
+              <a:p>
+                <a:r>
+                  <a:rPr lang="en-US" dirty="0"/>
+                  <a:t>The loss function is given as:</a:t>
+                </a:r>
+              </a:p>
+              <a:p>
+                <a:pPr marL="457200" lvl="1" indent="0">
+                  <a:buNone/>
+                </a:pPr>
+                <a:endParaRPr lang="en-US" dirty="0"/>
+              </a:p>
+              <a:p>
+                <a:pPr marL="0" indent="0">
+                  <a:buNone/>
+                </a:pPr>
+                <a:endParaRPr lang="en-US" dirty="0"/>
+              </a:p>
+              <a:p>
+                <a14:m>
+                  <m:oMath xmlns:m="http://schemas.openxmlformats.org/officeDocument/2006/math">
+                    <m:sSub>
+                      <m:sSubPr>
+                        <m:ctrlPr>
+                          <a:rPr lang="en-US" i="1" dirty="0" smtClean="0">
+                            <a:latin typeface="Cambria Math" panose="02040503050406030204" pitchFamily="18" charset="0"/>
+                          </a:rPr>
+                        </m:ctrlPr>
+                      </m:sSubPr>
+                      <m:e>
+                        <m:r>
+                          <a:rPr lang="en-US" i="1" dirty="0" smtClean="0">
+                            <a:latin typeface="Cambria Math" panose="02040503050406030204" pitchFamily="18" charset="0"/>
+                          </a:rPr>
+                          <m:t>𝑀</m:t>
+                        </m:r>
+                      </m:e>
+                      <m:sub>
+                        <m:r>
+                          <a:rPr lang="en-US" i="1" dirty="0" err="1" smtClean="0">
+                            <a:latin typeface="Cambria Math" panose="02040503050406030204" pitchFamily="18" charset="0"/>
+                          </a:rPr>
+                          <m:t>𝑖</m:t>
+                        </m:r>
+                      </m:sub>
+                    </m:sSub>
+                  </m:oMath>
+                </a14:m>
+                <a:r>
+                  <a:rPr lang="en-US" dirty="0"/>
+                  <a:t> :binary mask of valid points that have ground truth values in</a:t>
+                </a:r>
+              </a:p>
+              <a:p>
+                <a14:m>
+                  <m:oMath xmlns:m="http://schemas.openxmlformats.org/officeDocument/2006/math">
+                    <m:acc>
+                      <m:accPr>
+                        <m:chr m:val="̂"/>
+                        <m:ctrlPr>
+                          <a:rPr lang="en-US" i="1" dirty="0" smtClean="0">
+                            <a:latin typeface="Cambria Math" panose="02040503050406030204" pitchFamily="18" charset="0"/>
+                          </a:rPr>
+                        </m:ctrlPr>
+                      </m:accPr>
+                      <m:e>
+                        <m:sSub>
+                          <m:sSubPr>
+                            <m:ctrlPr>
+                              <a:rPr lang="en-US" i="1" dirty="0">
+                                <a:latin typeface="Cambria Math" panose="02040503050406030204" pitchFamily="18" charset="0"/>
+                              </a:rPr>
+                            </m:ctrlPr>
+                          </m:sSubPr>
+                          <m:e>
+                            <m:r>
+                              <a:rPr lang="en-US" i="1" dirty="0">
+                                <a:latin typeface="Cambria Math" panose="02040503050406030204" pitchFamily="18" charset="0"/>
+                              </a:rPr>
+                              <m:t>𝐶</m:t>
+                            </m:r>
+                          </m:e>
+                          <m:sub>
+                            <m:r>
+                              <a:rPr lang="en-US" i="1" dirty="0" err="1" smtClean="0">
+                                <a:latin typeface="Cambria Math" panose="02040503050406030204" pitchFamily="18" charset="0"/>
+                              </a:rPr>
+                              <m:t>𝑖</m:t>
+                            </m:r>
+                          </m:sub>
+                        </m:sSub>
+                      </m:e>
+                    </m:acc>
+                    <m:r>
+                      <a:rPr lang="en-US" i="1" dirty="0" smtClean="0">
+                        <a:latin typeface="Cambria Math" panose="02040503050406030204" pitchFamily="18" charset="0"/>
+                      </a:rPr>
+                      <m:t> </m:t>
+                    </m:r>
+                  </m:oMath>
+                </a14:m>
+                <a:r>
+                  <a:rPr lang="en-US" dirty="0"/>
+                  <a:t>is the predicted confidence map, </a:t>
+                </a:r>
+              </a:p>
+              <a:p>
+                <a14:m>
+                  <m:oMath xmlns:m="http://schemas.openxmlformats.org/officeDocument/2006/math">
+                    <m:r>
+                      <a:rPr lang="en-US" i="1" dirty="0" smtClean="0">
+                        <a:latin typeface="Cambria Math" panose="02040503050406030204" pitchFamily="18" charset="0"/>
+                      </a:rPr>
+                      <m:t>𝛼</m:t>
+                    </m:r>
+                  </m:oMath>
+                </a14:m>
+                <a:r>
+                  <a:rPr lang="en-US" dirty="0"/>
+                  <a:t>is a hyperparameter to control regularization</a:t>
+                </a:r>
+              </a:p>
+            </p:txBody>
+          </p:sp>
+        </mc:Choice>
+        <mc:Fallback xmlns="">
+          <p:sp>
+            <p:nvSpPr>
+              <p:cNvPr id="3" name="Content Placeholder 2">
+                <a:extLst>
+                  <a:ext uri="{FF2B5EF4-FFF2-40B4-BE49-F238E27FC236}">
+                    <a16:creationId xmlns:a16="http://schemas.microsoft.com/office/drawing/2014/main" id="{2458C2F4-D218-366F-6EC9-C294EFD0C7AE}"/>
+                  </a:ext>
+                </a:extLst>
+              </p:cNvPr>
+              <p:cNvSpPr>
+                <a:spLocks noGrp="1" noRot="1" noChangeAspect="1" noMove="1" noResize="1" noEditPoints="1" noAdjustHandles="1" noChangeArrowheads="1" noChangeShapeType="1" noTextEdit="1"/>
+              </p:cNvSpPr>
+              <p:nvPr>
+                <p:ph idx="1"/>
+              </p:nvPr>
+            </p:nvSpPr>
+            <p:spPr>
+              <a:xfrm>
+                <a:off x="638175" y="1949958"/>
+                <a:ext cx="11155680" cy="5145786"/>
+              </a:xfrm>
+              <a:blipFill>
+                <a:blip r:embed="rId3"/>
+                <a:stretch>
+                  <a:fillRect l="-383" t="-474"/>
+                </a:stretch>
+              </a:blipFill>
+            </p:spPr>
+            <p:txBody>
+              <a:bodyPr/>
+              <a:lstStyle/>
+              <a:p>
+                <a:r>
+                  <a:rPr lang="en-GB">
+                    <a:noFill/>
+                  </a:rPr>
+                  <a:t> </a:t>
+                </a:r>
+              </a:p>
+            </p:txBody>
+          </p:sp>
+        </mc:Fallback>
+      </mc:AlternateContent>
+      <p:sp>
+        <p:nvSpPr>
+          <p:cNvPr id="2" name="Title 1">
+            <a:extLst>
+              <a:ext uri="{FF2B5EF4-FFF2-40B4-BE49-F238E27FC236}">
+                <a16:creationId xmlns:a16="http://schemas.microsoft.com/office/drawing/2014/main" id="{63E0018D-990A-C41F-7199-C5BD575E8277}"/>
+              </a:ext>
+            </a:extLst>
+          </p:cNvPr>
+          <p:cNvSpPr>
+            <a:spLocks noGrp="1"/>
+          </p:cNvSpPr>
+          <p:nvPr>
+            <p:ph type="title"/>
+          </p:nvPr>
+        </p:nvSpPr>
+        <p:spPr/>
+        <p:txBody>
+          <a:bodyPr/>
+          <a:lstStyle/>
+          <a:p>
+            <a:r>
+              <a:rPr lang="en-US" dirty="0"/>
+              <a:t>Points Reconstruction</a:t>
+            </a:r>
+          </a:p>
+        </p:txBody>
+      </p:sp>
+      <p:pic>
+        <p:nvPicPr>
+          <p:cNvPr id="5" name="Graphic 4">
+            <a:extLst>
+              <a:ext uri="{FF2B5EF4-FFF2-40B4-BE49-F238E27FC236}">
+                <a16:creationId xmlns:a16="http://schemas.microsoft.com/office/drawing/2014/main" id="{05568B8E-4DE7-6097-E6C2-020075D01EB2}"/>
+              </a:ext>
+            </a:extLst>
+          </p:cNvPr>
+          <p:cNvPicPr>
+            <a:picLocks noChangeAspect="1"/>
+          </p:cNvPicPr>
+          <p:nvPr/>
+        </p:nvPicPr>
+        <p:blipFill>
+          <a:blip r:embed="rId4">
+            <a:extLst>
+              <a:ext uri="{96DAC541-7B7A-43D3-8B79-37D633B846F1}">
+                <asvg:svgBlip xmlns:asvg="http://schemas.microsoft.com/office/drawing/2016/SVG/main" r:embed="rId5"/>
+              </a:ext>
+            </a:extLst>
+          </a:blip>
+          <a:stretch>
+            <a:fillRect/>
+          </a:stretch>
+        </p:blipFill>
+        <p:spPr>
+          <a:xfrm>
+            <a:off x="3054518" y="2558415"/>
+            <a:ext cx="6082963" cy="422529"/>
+          </a:xfrm>
+          <a:prstGeom prst="rect">
+            <a:avLst/>
+          </a:prstGeom>
+        </p:spPr>
+      </p:pic>
+      <p:pic>
+        <p:nvPicPr>
+          <p:cNvPr id="7" name="Graphic 6">
+            <a:extLst>
+              <a:ext uri="{FF2B5EF4-FFF2-40B4-BE49-F238E27FC236}">
+                <a16:creationId xmlns:a16="http://schemas.microsoft.com/office/drawing/2014/main" id="{F497B925-80D2-D265-367C-A174F6FF16D9}"/>
+              </a:ext>
+            </a:extLst>
+          </p:cNvPr>
+          <p:cNvPicPr>
+            <a:picLocks noChangeAspect="1"/>
+          </p:cNvPicPr>
+          <p:nvPr/>
+        </p:nvPicPr>
+        <p:blipFill>
+          <a:blip r:embed="rId6">
+            <a:extLst>
+              <a:ext uri="{96DAC541-7B7A-43D3-8B79-37D633B846F1}">
+                <asvg:svgBlip xmlns:asvg="http://schemas.microsoft.com/office/drawing/2016/SVG/main" r:embed="rId7"/>
+              </a:ext>
+            </a:extLst>
+          </a:blip>
+          <a:stretch>
+            <a:fillRect/>
+          </a:stretch>
+        </p:blipFill>
+        <p:spPr>
+          <a:xfrm>
+            <a:off x="3713023" y="3522507"/>
+            <a:ext cx="4342841" cy="743195"/>
+          </a:xfrm>
+          <a:prstGeom prst="rect">
+            <a:avLst/>
+          </a:prstGeom>
+        </p:spPr>
+      </p:pic>
+    </p:spTree>
+    <p:extLst>
+      <p:ext uri="{BB962C8B-B14F-4D97-AF65-F5344CB8AC3E}">
+        <p14:creationId xmlns:p14="http://schemas.microsoft.com/office/powerpoint/2010/main" val="2228040206"/>
+      </p:ext>
+    </p:extLst>
+  </p:cSld>
+  <p:clrMapOvr>
+    <a:masterClrMapping/>
+  </p:clrMapOvr>
+</p:sld>
+</file>
+
+<file path=ppt/slides/slide11.xml><?xml version="1.0" encoding="utf-8"?>
+<p:sld xmlns:a="http://schemas.openxmlformats.org/drawingml/2006/main" xmlns:r="http://schemas.openxmlformats.org/officeDocument/2006/relationships" xmlns:p="http://schemas.openxmlformats.org/presentationml/2006/main">
+  <p:cSld>
+    <p:spTree>
+      <p:nvGrpSpPr>
+        <p:cNvPr id="1" name="">
+          <a:extLst>
+            <a:ext uri="{FF2B5EF4-FFF2-40B4-BE49-F238E27FC236}">
               <a16:creationId xmlns:a16="http://schemas.microsoft.com/office/drawing/2014/main" id="{65399A1B-92DE-7D32-6CBB-972BEAD1F81F}"/>
             </a:ext>
           </a:extLst>
@@ -6912,7 +7368,7 @@
 </p:sld>
 </file>
 
-<file path=ppt/slides/slide11.xml><?xml version="1.0" encoding="utf-8"?>
+<file path=ppt/slides/slide12.xml><?xml version="1.0" encoding="utf-8"?>
 <p:sld xmlns:a="http://schemas.openxmlformats.org/drawingml/2006/main" xmlns:r="http://schemas.openxmlformats.org/officeDocument/2006/relationships" xmlns:p="http://schemas.openxmlformats.org/presentationml/2006/main">
   <p:cSld>
     <p:spTree>
@@ -7023,7 +7479,7 @@
 </p:sld>
 </file>
 
-<file path=ppt/slides/slide12.xml><?xml version="1.0" encoding="utf-8"?>
+<file path=ppt/slides/slide13.xml><?xml version="1.0" encoding="utf-8"?>
 <p:sld xmlns:a="http://schemas.openxmlformats.org/drawingml/2006/main" xmlns:r="http://schemas.openxmlformats.org/officeDocument/2006/relationships" xmlns:p="http://schemas.openxmlformats.org/presentationml/2006/main">
   <p:cSld>
     <p:spTree>
@@ -7074,8 +7530,8 @@
           </a:p>
         </p:txBody>
       </p:sp>
-      <mc:AlternateContent xmlns:mc="http://schemas.openxmlformats.org/markup-compatibility/2006">
-        <mc:Choice xmlns:a14="http://schemas.microsoft.com/office/drawing/2010/main" Requires="a14">
+      <mc:AlternateContent xmlns:mc="http://schemas.openxmlformats.org/markup-compatibility/2006" xmlns:a14="http://schemas.microsoft.com/office/drawing/2010/main">
+        <mc:Choice Requires="a14">
           <p:sp>
             <p:nvSpPr>
               <p:cNvPr id="3" name="Content Placeholder 2">
@@ -7190,7 +7646,7 @@
             </p:txBody>
           </p:sp>
         </mc:Choice>
-        <mc:Fallback>
+        <mc:Fallback xmlns="">
           <p:sp>
             <p:nvSpPr>
               <p:cNvPr id="3" name="Content Placeholder 2">
@@ -7247,7 +7703,7 @@
 </p:sld>
 </file>
 
-<file path=ppt/slides/slide13.xml><?xml version="1.0" encoding="utf-8"?>
+<file path=ppt/slides/slide14.xml><?xml version="1.0" encoding="utf-8"?>
 <p:sld xmlns:a="http://schemas.openxmlformats.org/drawingml/2006/main" xmlns:r="http://schemas.openxmlformats.org/officeDocument/2006/relationships" xmlns:p="http://schemas.openxmlformats.org/presentationml/2006/main">
   <p:cSld>
     <p:spTree>
@@ -7298,8 +7754,8 @@
           </a:p>
         </p:txBody>
       </p:sp>
-      <mc:AlternateContent xmlns:mc="http://schemas.openxmlformats.org/markup-compatibility/2006">
-        <mc:Choice xmlns:a14="http://schemas.microsoft.com/office/drawing/2010/main" Requires="a14">
+      <mc:AlternateContent xmlns:mc="http://schemas.openxmlformats.org/markup-compatibility/2006" xmlns:a14="http://schemas.microsoft.com/office/drawing/2010/main">
+        <mc:Choice Requires="a14">
           <p:sp>
             <p:nvSpPr>
               <p:cNvPr id="3" name="Content Placeholder 2">
@@ -7573,7 +8029,7 @@
             </p:txBody>
           </p:sp>
         </mc:Choice>
-        <mc:Fallback>
+        <mc:Fallback xmlns="">
           <p:sp>
             <p:nvSpPr>
               <p:cNvPr id="3" name="Content Placeholder 2">
@@ -7630,7 +8086,7 @@
 </p:sld>
 </file>
 
-<file path=ppt/slides/slide14.xml><?xml version="1.0" encoding="utf-8"?>
+<file path=ppt/slides/slide15.xml><?xml version="1.0" encoding="utf-8"?>
 <p:sld xmlns:a="http://schemas.openxmlformats.org/drawingml/2006/main" xmlns:r="http://schemas.openxmlformats.org/officeDocument/2006/relationships" xmlns:p="http://schemas.openxmlformats.org/presentationml/2006/main">
   <p:cSld>
     <p:spTree>
@@ -7834,7 +8290,7 @@
 </p:sld>
 </file>
 
-<file path=ppt/slides/slide15.xml><?xml version="1.0" encoding="utf-8"?>
+<file path=ppt/slides/slide16.xml><?xml version="1.0" encoding="utf-8"?>
 <p:sld xmlns:a="http://schemas.openxmlformats.org/drawingml/2006/main" xmlns:r="http://schemas.openxmlformats.org/officeDocument/2006/relationships" xmlns:p="http://schemas.openxmlformats.org/presentationml/2006/main">
   <p:cSld>
     <p:spTree>
@@ -7885,8 +8341,8 @@
           </a:p>
         </p:txBody>
       </p:sp>
-      <mc:AlternateContent xmlns:mc="http://schemas.openxmlformats.org/markup-compatibility/2006">
-        <mc:Choice xmlns:a14="http://schemas.microsoft.com/office/drawing/2010/main" Requires="a14">
+      <mc:AlternateContent xmlns:mc="http://schemas.openxmlformats.org/markup-compatibility/2006" xmlns:a14="http://schemas.microsoft.com/office/drawing/2010/main">
+        <mc:Choice Requires="a14">
           <p:sp>
             <p:nvSpPr>
               <p:cNvPr id="3" name="Content Placeholder 2">
@@ -8059,13 +8515,7 @@
                           <a:rPr lang="en-US" b="0" i="1" smtClean="0">
                             <a:latin typeface="Cambria Math" panose="02040503050406030204" pitchFamily="18" charset="0"/>
                           </a:rPr>
-                          <m:t>=</m:t>
-                        </m:r>
-                        <m:r>
-                          <a:rPr lang="en-US" b="0" i="1" smtClean="0">
-                            <a:latin typeface="Cambria Math" panose="02040503050406030204" pitchFamily="18" charset="0"/>
-                          </a:rPr>
-                          <m:t>1</m:t>
+                          <m:t>=1</m:t>
                         </m:r>
                       </m:sub>
                       <m:sup>
@@ -8415,7 +8865,7 @@
             </p:txBody>
           </p:sp>
         </mc:Choice>
-        <mc:Fallback>
+        <mc:Fallback xmlns="">
           <p:sp>
             <p:nvSpPr>
               <p:cNvPr id="3" name="Content Placeholder 2">
@@ -8472,7 +8922,7 @@
 </p:sld>
 </file>
 
-<file path=ppt/slides/slide16.xml><?xml version="1.0" encoding="utf-8"?>
+<file path=ppt/slides/slide17.xml><?xml version="1.0" encoding="utf-8"?>
 <p:sld xmlns:a="http://schemas.openxmlformats.org/drawingml/2006/main" xmlns:r="http://schemas.openxmlformats.org/officeDocument/2006/relationships" xmlns:p="http://schemas.openxmlformats.org/presentationml/2006/main">
   <p:cSld>
     <p:spTree>
@@ -8523,8 +8973,8 @@
           </a:p>
         </p:txBody>
       </p:sp>
-      <mc:AlternateContent xmlns:mc="http://schemas.openxmlformats.org/markup-compatibility/2006">
-        <mc:Choice xmlns:a14="http://schemas.microsoft.com/office/drawing/2010/main" Requires="a14">
+      <mc:AlternateContent xmlns:mc="http://schemas.openxmlformats.org/markup-compatibility/2006" xmlns:a14="http://schemas.microsoft.com/office/drawing/2010/main">
+        <mc:Choice Requires="a14">
           <p:sp>
             <p:nvSpPr>
               <p:cNvPr id="3" name="Content Placeholder 2">
@@ -8984,7 +9434,7 @@
             </p:txBody>
           </p:sp>
         </mc:Choice>
-        <mc:Fallback>
+        <mc:Fallback xmlns="">
           <p:sp>
             <p:nvSpPr>
               <p:cNvPr id="3" name="Content Placeholder 2">
@@ -9041,7 +9491,7 @@
 </p:sld>
 </file>
 
-<file path=ppt/slides/slide17.xml><?xml version="1.0" encoding="utf-8"?>
+<file path=ppt/slides/slide18.xml><?xml version="1.0" encoding="utf-8"?>
 <p:sld xmlns:a="http://schemas.openxmlformats.org/drawingml/2006/main" xmlns:r="http://schemas.openxmlformats.org/officeDocument/2006/relationships" xmlns:p="http://schemas.openxmlformats.org/presentationml/2006/main">
   <p:cSld>
     <p:spTree>
@@ -9064,8 +9514,8 @@
           <a:chExt cx="0" cy="0"/>
         </a:xfrm>
       </p:grpSpPr>
-      <mc:AlternateContent xmlns:mc="http://schemas.openxmlformats.org/markup-compatibility/2006">
-        <mc:Choice xmlns:a14="http://schemas.microsoft.com/office/drawing/2010/main" Requires="a14">
+      <mc:AlternateContent xmlns:mc="http://schemas.openxmlformats.org/markup-compatibility/2006" xmlns:a14="http://schemas.microsoft.com/office/drawing/2010/main">
+        <mc:Choice Requires="a14">
           <p:sp>
             <p:nvSpPr>
               <p:cNvPr id="3" name="Content Placeholder 2">
@@ -9261,7 +9711,7 @@
             </p:txBody>
           </p:sp>
         </mc:Choice>
-        <mc:Fallback>
+        <mc:Fallback xmlns="">
           <p:sp>
             <p:nvSpPr>
               <p:cNvPr id="3" name="Content Placeholder 2">
@@ -9418,7 +9868,269 @@
 </p:sld>
 </file>
 
-<file path=ppt/slides/slide18.xml><?xml version="1.0" encoding="utf-8"?>
+<file path=ppt/slides/slide19.xml><?xml version="1.0" encoding="utf-8"?>
+<p:sld xmlns:a="http://schemas.openxmlformats.org/drawingml/2006/main" xmlns:r="http://schemas.openxmlformats.org/officeDocument/2006/relationships" xmlns:p="http://schemas.openxmlformats.org/presentationml/2006/main">
+  <p:cSld>
+    <p:spTree>
+      <p:nvGrpSpPr>
+        <p:cNvPr id="1" name="">
+          <a:extLst>
+            <a:ext uri="{FF2B5EF4-FFF2-40B4-BE49-F238E27FC236}">
+              <a16:creationId xmlns:a16="http://schemas.microsoft.com/office/drawing/2014/main" id="{6F5E83D8-3D5C-4EA2-B132-F47D5B5582B6}"/>
+            </a:ext>
+          </a:extLst>
+        </p:cNvPr>
+        <p:cNvGrpSpPr/>
+        <p:nvPr/>
+      </p:nvGrpSpPr>
+      <p:grpSpPr>
+        <a:xfrm>
+          <a:off x="0" y="0"/>
+          <a:ext cx="0" cy="0"/>
+          <a:chOff x="0" y="0"/>
+          <a:chExt cx="0" cy="0"/>
+        </a:xfrm>
+      </p:grpSpPr>
+      <p:sp>
+        <p:nvSpPr>
+          <p:cNvPr id="2" name="Title 1">
+            <a:extLst>
+              <a:ext uri="{FF2B5EF4-FFF2-40B4-BE49-F238E27FC236}">
+                <a16:creationId xmlns:a16="http://schemas.microsoft.com/office/drawing/2014/main" id="{FA17831D-D571-73F5-C0DF-7A7315863F67}"/>
+              </a:ext>
+            </a:extLst>
+          </p:cNvPr>
+          <p:cNvSpPr>
+            <a:spLocks noGrp="1"/>
+          </p:cNvSpPr>
+          <p:nvPr>
+            <p:ph type="title"/>
+          </p:nvPr>
+        </p:nvSpPr>
+        <p:spPr/>
+        <p:txBody>
+          <a:bodyPr/>
+          <a:lstStyle/>
+          <a:p>
+            <a:r>
+              <a:rPr lang="en-US" dirty="0"/>
+              <a:t>Results</a:t>
+            </a:r>
+          </a:p>
+        </p:txBody>
+      </p:sp>
+      <p:pic>
+        <p:nvPicPr>
+          <p:cNvPr id="8" name="Picture 7">
+            <a:extLst>
+              <a:ext uri="{FF2B5EF4-FFF2-40B4-BE49-F238E27FC236}">
+                <a16:creationId xmlns:a16="http://schemas.microsoft.com/office/drawing/2014/main" id="{A8E0A84F-E5FC-1C2F-C748-488EB4E903B9}"/>
+              </a:ext>
+            </a:extLst>
+          </p:cNvPr>
+          <p:cNvPicPr>
+            <a:picLocks noChangeAspect="1"/>
+          </p:cNvPicPr>
+          <p:nvPr/>
+        </p:nvPicPr>
+        <p:blipFill>
+          <a:blip r:embed="rId3"/>
+          <a:stretch>
+            <a:fillRect/>
+          </a:stretch>
+        </p:blipFill>
+        <p:spPr>
+          <a:xfrm>
+            <a:off x="1494352" y="1891071"/>
+            <a:ext cx="9203296" cy="4454865"/>
+          </a:xfrm>
+          <a:prstGeom prst="rect">
+            <a:avLst/>
+          </a:prstGeom>
+        </p:spPr>
+      </p:pic>
+    </p:spTree>
+    <p:extLst>
+      <p:ext uri="{BB962C8B-B14F-4D97-AF65-F5344CB8AC3E}">
+        <p14:creationId xmlns:p14="http://schemas.microsoft.com/office/powerpoint/2010/main" val="2789728399"/>
+      </p:ext>
+    </p:extLst>
+  </p:cSld>
+  <p:clrMapOvr>
+    <a:masterClrMapping/>
+  </p:clrMapOvr>
+</p:sld>
+</file>
+
+<file path=ppt/slides/slide2.xml><?xml version="1.0" encoding="utf-8"?>
+<p:sld xmlns:a="http://schemas.openxmlformats.org/drawingml/2006/main" xmlns:r="http://schemas.openxmlformats.org/officeDocument/2006/relationships" xmlns:p="http://schemas.openxmlformats.org/presentationml/2006/main">
+  <p:cSld>
+    <p:spTree>
+      <p:nvGrpSpPr>
+        <p:cNvPr id="1" name="">
+          <a:extLst>
+            <a:ext uri="{FF2B5EF4-FFF2-40B4-BE49-F238E27FC236}">
+              <a16:creationId xmlns:a16="http://schemas.microsoft.com/office/drawing/2014/main" id="{8F767CC0-6D6D-5811-0B4A-22377D32BE37}"/>
+            </a:ext>
+          </a:extLst>
+        </p:cNvPr>
+        <p:cNvGrpSpPr/>
+        <p:nvPr/>
+      </p:nvGrpSpPr>
+      <p:grpSpPr>
+        <a:xfrm>
+          <a:off x="0" y="0"/>
+          <a:ext cx="0" cy="0"/>
+          <a:chOff x="0" y="0"/>
+          <a:chExt cx="0" cy="0"/>
+        </a:xfrm>
+      </p:grpSpPr>
+      <p:sp>
+        <p:nvSpPr>
+          <p:cNvPr id="2" name="Title 1">
+            <a:extLst>
+              <a:ext uri="{FF2B5EF4-FFF2-40B4-BE49-F238E27FC236}">
+                <a16:creationId xmlns:a16="http://schemas.microsoft.com/office/drawing/2014/main" id="{1810F723-2D84-0EC9-43B1-0543456DF70B}"/>
+              </a:ext>
+            </a:extLst>
+          </p:cNvPr>
+          <p:cNvSpPr>
+            <a:spLocks noGrp="1"/>
+          </p:cNvSpPr>
+          <p:nvPr>
+            <p:ph type="title"/>
+          </p:nvPr>
+        </p:nvSpPr>
+        <p:spPr/>
+        <p:txBody>
+          <a:bodyPr/>
+          <a:lstStyle/>
+          <a:p>
+            <a:r>
+              <a:rPr lang="en-GB" dirty="0"/>
+              <a:t>3D Reconstruction</a:t>
+            </a:r>
+          </a:p>
+        </p:txBody>
+      </p:sp>
+      <p:sp>
+        <p:nvSpPr>
+          <p:cNvPr id="3" name="Content Placeholder 2">
+            <a:extLst>
+              <a:ext uri="{FF2B5EF4-FFF2-40B4-BE49-F238E27FC236}">
+                <a16:creationId xmlns:a16="http://schemas.microsoft.com/office/drawing/2014/main" id="{44B121B5-5D2A-8014-EC92-85A8F1A63673}"/>
+              </a:ext>
+            </a:extLst>
+          </p:cNvPr>
+          <p:cNvSpPr>
+            <a:spLocks noGrp="1"/>
+          </p:cNvSpPr>
+          <p:nvPr>
+            <p:ph idx="1"/>
+          </p:nvPr>
+        </p:nvSpPr>
+        <p:spPr>
+          <a:xfrm>
+            <a:off x="638175" y="1949958"/>
+            <a:ext cx="11155680" cy="3767328"/>
+          </a:xfrm>
+        </p:spPr>
+        <p:txBody>
+          <a:bodyPr/>
+          <a:lstStyle/>
+          <a:p>
+            <a:r>
+              <a:rPr lang="en-US" dirty="0"/>
+              <a:t>3D reconstruction is the process of capturing the shape and appearance of real objects</a:t>
+            </a:r>
+          </a:p>
+          <a:p>
+            <a:r>
+              <a:rPr lang="en-US" dirty="0"/>
+              <a:t>Applications include</a:t>
+            </a:r>
+          </a:p>
+          <a:p>
+            <a:pPr lvl="1"/>
+            <a:r>
+              <a:rPr lang="en-US" dirty="0"/>
+              <a:t>Augmented Reality (AR) / Virtual Reality (VR)</a:t>
+            </a:r>
+          </a:p>
+          <a:p>
+            <a:pPr lvl="1"/>
+            <a:r>
+              <a:rPr lang="en-US" dirty="0"/>
+              <a:t>Robotics &amp; Autonomous Navigation</a:t>
+            </a:r>
+          </a:p>
+          <a:p>
+            <a:pPr lvl="1"/>
+            <a:r>
+              <a:rPr lang="en-US" dirty="0"/>
+              <a:t>3D Content Creation</a:t>
+            </a:r>
+          </a:p>
+          <a:p>
+            <a:pPr lvl="1"/>
+            <a:r>
+              <a:rPr lang="en-US" dirty="0"/>
+              <a:t>SLAM Enhancement</a:t>
+            </a:r>
+          </a:p>
+          <a:p>
+            <a:pPr lvl="1"/>
+            <a:r>
+              <a:rPr lang="en-US" dirty="0"/>
+              <a:t>Real-Time Scene Understanding</a:t>
+            </a:r>
+          </a:p>
+        </p:txBody>
+      </p:sp>
+      <p:pic>
+        <p:nvPicPr>
+          <p:cNvPr id="10" name="Picture 9">
+            <a:extLst>
+              <a:ext uri="{FF2B5EF4-FFF2-40B4-BE49-F238E27FC236}">
+                <a16:creationId xmlns:a16="http://schemas.microsoft.com/office/drawing/2014/main" id="{08D37F59-3ACE-3DE7-1050-0EA96E27B0E7}"/>
+              </a:ext>
+            </a:extLst>
+          </p:cNvPr>
+          <p:cNvPicPr>
+            <a:picLocks noChangeAspect="1"/>
+          </p:cNvPicPr>
+          <p:nvPr/>
+        </p:nvPicPr>
+        <p:blipFill>
+          <a:blip r:embed="rId2"/>
+          <a:stretch>
+            <a:fillRect/>
+          </a:stretch>
+        </p:blipFill>
+        <p:spPr>
+          <a:xfrm>
+            <a:off x="6737988" y="2473452"/>
+            <a:ext cx="4535635" cy="4215384"/>
+          </a:xfrm>
+          <a:prstGeom prst="rect">
+            <a:avLst/>
+          </a:prstGeom>
+        </p:spPr>
+      </p:pic>
+    </p:spTree>
+    <p:extLst>
+      <p:ext uri="{BB962C8B-B14F-4D97-AF65-F5344CB8AC3E}">
+        <p14:creationId xmlns:p14="http://schemas.microsoft.com/office/powerpoint/2010/main" val="1475413436"/>
+      </p:ext>
+    </p:extLst>
+  </p:cSld>
+  <p:clrMapOvr>
+    <a:masterClrMapping/>
+  </p:clrMapOvr>
+</p:sld>
+</file>
+
+<file path=ppt/slides/slide20.xml><?xml version="1.0" encoding="utf-8"?>
 <p:sld xmlns:a="http://schemas.openxmlformats.org/drawingml/2006/main" xmlns:r="http://schemas.openxmlformats.org/officeDocument/2006/relationships" xmlns:p="http://schemas.openxmlformats.org/presentationml/2006/main">
   <p:cSld>
     <p:spTree>
@@ -9540,7 +10252,7 @@
 </p:sld>
 </file>
 
-<file path=ppt/slides/slide19.xml><?xml version="1.0" encoding="utf-8"?>
+<file path=ppt/slides/slide21.xml><?xml version="1.0" encoding="utf-8"?>
 <p:sld xmlns:a="http://schemas.openxmlformats.org/drawingml/2006/main" xmlns:r="http://schemas.openxmlformats.org/officeDocument/2006/relationships" xmlns:p="http://schemas.openxmlformats.org/presentationml/2006/main" showMasterSp="0">
   <p:cSld>
     <p:spTree>
@@ -9718,7 +10430,7 @@
 </p:sld>
 </file>
 
-<file path=ppt/slides/slide2.xml><?xml version="1.0" encoding="utf-8"?>
+<file path=ppt/slides/slide3.xml><?xml version="1.0" encoding="utf-8"?>
 <p:sld xmlns:a="http://schemas.openxmlformats.org/drawingml/2006/main" xmlns:r="http://schemas.openxmlformats.org/officeDocument/2006/relationships" xmlns:p="http://schemas.openxmlformats.org/presentationml/2006/main">
   <p:cSld>
     <p:spTree>
@@ -10012,7 +10724,7 @@
 </p:sld>
 </file>
 
-<file path=ppt/slides/slide3.xml><?xml version="1.0" encoding="utf-8"?>
+<file path=ppt/slides/slide4.xml><?xml version="1.0" encoding="utf-8"?>
 <p:sld xmlns:a="http://schemas.openxmlformats.org/drawingml/2006/main" xmlns:r="http://schemas.openxmlformats.org/officeDocument/2006/relationships" xmlns:p="http://schemas.openxmlformats.org/presentationml/2006/main">
   <p:cSld>
     <p:spTree>
@@ -10148,7 +10860,7 @@
 </p:sld>
 </file>
 
-<file path=ppt/slides/slide4.xml><?xml version="1.0" encoding="utf-8"?>
+<file path=ppt/slides/slide5.xml><?xml version="1.0" encoding="utf-8"?>
 <p:sld xmlns:a="http://schemas.openxmlformats.org/drawingml/2006/main" xmlns:r="http://schemas.openxmlformats.org/officeDocument/2006/relationships" xmlns:p="http://schemas.openxmlformats.org/presentationml/2006/main">
   <p:cSld>
     <p:spTree>
@@ -10290,7 +11002,7 @@
 </p:sld>
 </file>
 
-<file path=ppt/slides/slide5.xml><?xml version="1.0" encoding="utf-8"?>
+<file path=ppt/slides/slide6.xml><?xml version="1.0" encoding="utf-8"?>
 <p:sld xmlns:a="http://schemas.openxmlformats.org/drawingml/2006/main" xmlns:r="http://schemas.openxmlformats.org/officeDocument/2006/relationships" xmlns:p="http://schemas.openxmlformats.org/presentationml/2006/main">
   <p:cSld>
     <p:spTree>
@@ -10867,7 +11579,7 @@
 </p:sld>
 </file>
 
-<file path=ppt/slides/slide6.xml><?xml version="1.0" encoding="utf-8"?>
+<file path=ppt/slides/slide7.xml><?xml version="1.0" encoding="utf-8"?>
 <p:sld xmlns:a="http://schemas.openxmlformats.org/drawingml/2006/main" xmlns:r="http://schemas.openxmlformats.org/officeDocument/2006/relationships" xmlns:p="http://schemas.openxmlformats.org/presentationml/2006/main">
   <p:cSld>
     <p:spTree>
@@ -11256,7 +11968,7 @@
 </p:sld>
 </file>
 
-<file path=ppt/slides/slide7.xml><?xml version="1.0" encoding="utf-8"?>
+<file path=ppt/slides/slide8.xml><?xml version="1.0" encoding="utf-8"?>
 <p:sld xmlns:a="http://schemas.openxmlformats.org/drawingml/2006/main" xmlns:r="http://schemas.openxmlformats.org/officeDocument/2006/relationships" xmlns:p="http://schemas.openxmlformats.org/presentationml/2006/main">
   <p:cSld>
     <p:spTree>
@@ -11848,6 +12560,36 @@
           </p:sp>
         </mc:Fallback>
       </mc:AlternateContent>
+      <p:pic>
+        <p:nvPicPr>
+          <p:cNvPr id="5" name="Picture 4">
+            <a:extLst>
+              <a:ext uri="{FF2B5EF4-FFF2-40B4-BE49-F238E27FC236}">
+                <a16:creationId xmlns:a16="http://schemas.microsoft.com/office/drawing/2014/main" id="{9CAC83CD-3398-6BBF-1579-A427AD6A00CA}"/>
+              </a:ext>
+            </a:extLst>
+          </p:cNvPr>
+          <p:cNvPicPr>
+            <a:picLocks noChangeAspect="1"/>
+          </p:cNvPicPr>
+          <p:nvPr/>
+        </p:nvPicPr>
+        <p:blipFill>
+          <a:blip r:embed="rId4"/>
+          <a:stretch>
+            <a:fillRect/>
+          </a:stretch>
+        </p:blipFill>
+        <p:spPr>
+          <a:xfrm>
+            <a:off x="4419198" y="4311500"/>
+            <a:ext cx="3353603" cy="2469295"/>
+          </a:xfrm>
+          <a:prstGeom prst="rect">
+            <a:avLst/>
+          </a:prstGeom>
+        </p:spPr>
+      </p:pic>
     </p:spTree>
     <p:extLst>
       <p:ext uri="{BB962C8B-B14F-4D97-AF65-F5344CB8AC3E}">
@@ -11861,7 +12603,7 @@
 </p:sld>
 </file>
 
-<file path=ppt/slides/slide8.xml><?xml version="1.0" encoding="utf-8"?>
+<file path=ppt/slides/slide9.xml><?xml version="1.0" encoding="utf-8"?>
 <p:sld xmlns:a="http://schemas.openxmlformats.org/drawingml/2006/main" xmlns:r="http://schemas.openxmlformats.org/officeDocument/2006/relationships" xmlns:p="http://schemas.openxmlformats.org/presentationml/2006/main">
   <p:cSld>
     <p:spTree>
@@ -12067,19 +12809,7 @@
                       <a:rPr lang="en-US" b="0" i="1" smtClean="0">
                         <a:latin typeface="Cambria Math" panose="02040503050406030204" pitchFamily="18" charset="0"/>
                       </a:rPr>
-                      <m:t> = </m:t>
-                    </m:r>
-                    <m:r>
-                      <a:rPr lang="en-US" b="0" i="1" smtClean="0">
-                        <a:latin typeface="Cambria Math" panose="02040503050406030204" pitchFamily="18" charset="0"/>
-                      </a:rPr>
-                      <m:t>1</m:t>
-                    </m:r>
-                    <m:r>
-                      <a:rPr lang="en-US" b="0" i="1" smtClean="0">
-                        <a:latin typeface="Cambria Math" panose="02040503050406030204" pitchFamily="18" charset="0"/>
-                      </a:rPr>
-                      <m:t> … </m:t>
+                      <m:t> = 1 … </m:t>
                     </m:r>
                     <m:r>
                       <m:rPr>
@@ -12399,25 +13129,7 @@
                       <a:rPr lang="en-US" i="0" smtClean="0">
                         <a:latin typeface="Cambria Math" panose="02040503050406030204" pitchFamily="18" charset="0"/>
                       </a:rPr>
-                      <m:t> = </m:t>
-                    </m:r>
-                    <m:r>
-                      <m:rPr>
-                        <m:nor/>
-                      </m:rPr>
-                      <a:rPr lang="en-US" i="0" smtClean="0">
-                        <a:latin typeface="Cambria Math" panose="02040503050406030204" pitchFamily="18" charset="0"/>
-                      </a:rPr>
-                      <m:t>1 </m:t>
-                    </m:r>
-                    <m:r>
-                      <m:rPr>
-                        <m:nor/>
-                      </m:rPr>
-                      <a:rPr lang="en-US" i="0" smtClean="0">
-                        <a:latin typeface="Cambria Math" panose="02040503050406030204" pitchFamily="18" charset="0"/>
-                      </a:rPr>
-                      <m:t>… </m:t>
+                      <m:t> = 1 … </m:t>
                     </m:r>
                     <m:r>
                       <m:rPr>
@@ -12435,16 +13147,7 @@
                       <a:rPr lang="en-US" i="0" smtClean="0">
                         <a:latin typeface="Cambria Math" panose="02040503050406030204" pitchFamily="18" charset="0"/>
                       </a:rPr>
-                      <m:t>−</m:t>
-                    </m:r>
-                    <m:r>
-                      <m:rPr>
-                        <m:nor/>
-                      </m:rPr>
-                      <a:rPr lang="en-US" i="0" smtClean="0">
-                        <a:latin typeface="Cambria Math" panose="02040503050406030204" pitchFamily="18" charset="0"/>
-                      </a:rPr>
-                      <m:t>1</m:t>
+                      <m:t>−1</m:t>
                     </m:r>
                   </m:oMath>
                 </a14:m>
@@ -12516,352 +13219,6 @@
     <p:extLst>
       <p:ext uri="{BB962C8B-B14F-4D97-AF65-F5344CB8AC3E}">
         <p14:creationId xmlns:p14="http://schemas.microsoft.com/office/powerpoint/2010/main" val="2363906195"/>
-      </p:ext>
-    </p:extLst>
-  </p:cSld>
-  <p:clrMapOvr>
-    <a:masterClrMapping/>
-  </p:clrMapOvr>
-</p:sld>
-</file>
-
-<file path=ppt/slides/slide9.xml><?xml version="1.0" encoding="utf-8"?>
-<p:sld xmlns:a="http://schemas.openxmlformats.org/drawingml/2006/main" xmlns:r="http://schemas.openxmlformats.org/officeDocument/2006/relationships" xmlns:p="http://schemas.openxmlformats.org/presentationml/2006/main">
-  <p:cSld>
-    <p:spTree>
-      <p:nvGrpSpPr>
-        <p:cNvPr id="1" name="">
-          <a:extLst>
-            <a:ext uri="{FF2B5EF4-FFF2-40B4-BE49-F238E27FC236}">
-              <a16:creationId xmlns:a16="http://schemas.microsoft.com/office/drawing/2014/main" id="{C9997AB0-2ECF-4B4C-8AC9-5423A623E9CE}"/>
-            </a:ext>
-          </a:extLst>
-        </p:cNvPr>
-        <p:cNvGrpSpPr/>
-        <p:nvPr/>
-      </p:nvGrpSpPr>
-      <p:grpSpPr>
-        <a:xfrm>
-          <a:off x="0" y="0"/>
-          <a:ext cx="0" cy="0"/>
-          <a:chOff x="0" y="0"/>
-          <a:chExt cx="0" cy="0"/>
-        </a:xfrm>
-      </p:grpSpPr>
-      <mc:AlternateContent xmlns:mc="http://schemas.openxmlformats.org/markup-compatibility/2006">
-        <mc:Choice xmlns:a14="http://schemas.microsoft.com/office/drawing/2010/main" Requires="a14">
-          <p:sp>
-            <p:nvSpPr>
-              <p:cNvPr id="3" name="Content Placeholder 2">
-                <a:extLst>
-                  <a:ext uri="{FF2B5EF4-FFF2-40B4-BE49-F238E27FC236}">
-                    <a16:creationId xmlns:a16="http://schemas.microsoft.com/office/drawing/2014/main" id="{2458C2F4-D218-366F-6EC9-C294EFD0C7AE}"/>
-                  </a:ext>
-                </a:extLst>
-              </p:cNvPr>
-              <p:cNvSpPr>
-                <a:spLocks noGrp="1"/>
-              </p:cNvSpPr>
-              <p:nvPr>
-                <p:ph idx="1"/>
-              </p:nvPr>
-            </p:nvSpPr>
-            <p:spPr>
-              <a:xfrm>
-                <a:off x="638175" y="1949958"/>
-                <a:ext cx="11155680" cy="5145786"/>
-              </a:xfrm>
-            </p:spPr>
-            <p:txBody>
-              <a:bodyPr>
-                <a:normAutofit/>
-              </a:bodyPr>
-              <a:lstStyle/>
-              <a:p>
-                <a:r>
-                  <a:rPr lang="en-US" dirty="0"/>
-                  <a:t>A linear head is applied to regress dense 3D point maps in the unified coordinate system from decoded tokens.</a:t>
-                </a:r>
-              </a:p>
-              <a:p>
-                <a:pPr marL="0" indent="0">
-                  <a:buNone/>
-                </a:pPr>
-                <a:endParaRPr lang="en-US" dirty="0"/>
-              </a:p>
-              <a:p>
-                <a:r>
-                  <a:rPr lang="en-US" dirty="0"/>
-                  <a:t>The loss function is given as:</a:t>
-                </a:r>
-              </a:p>
-              <a:p>
-                <a:pPr marL="457200" lvl="1" indent="0">
-                  <a:buNone/>
-                </a:pPr>
-                <a:endParaRPr lang="en-US" dirty="0"/>
-              </a:p>
-              <a:p>
-                <a:pPr marL="0" indent="0">
-                  <a:buNone/>
-                </a:pPr>
-                <a:endParaRPr lang="en-US" dirty="0"/>
-              </a:p>
-              <a:p>
-                <a14:m>
-                  <m:oMath xmlns:m="http://schemas.openxmlformats.org/officeDocument/2006/math">
-                    <m:sSub>
-                      <m:sSubPr>
-                        <m:ctrlPr>
-                          <a:rPr lang="en-US" i="1" dirty="0" smtClean="0">
-                            <a:latin typeface="Cambria Math" panose="02040503050406030204" pitchFamily="18" charset="0"/>
-                          </a:rPr>
-                        </m:ctrlPr>
-                      </m:sSubPr>
-                      <m:e>
-                        <m:r>
-                          <a:rPr lang="en-US" i="1" dirty="0" smtClean="0">
-                            <a:latin typeface="Cambria Math" panose="02040503050406030204" pitchFamily="18" charset="0"/>
-                          </a:rPr>
-                          <m:t>𝑀</m:t>
-                        </m:r>
-                      </m:e>
-                      <m:sub>
-                        <m:r>
-                          <a:rPr lang="en-US" i="1" dirty="0" err="1" smtClean="0">
-                            <a:latin typeface="Cambria Math" panose="02040503050406030204" pitchFamily="18" charset="0"/>
-                          </a:rPr>
-                          <m:t>𝑖</m:t>
-                        </m:r>
-                      </m:sub>
-                    </m:sSub>
-                  </m:oMath>
-                </a14:m>
-                <a:r>
-                  <a:rPr lang="en-US" dirty="0"/>
-                  <a:t> :binary mask of valid points that have ground truth values in</a:t>
-                </a:r>
-              </a:p>
-              <a:p>
-                <a14:m>
-                  <m:oMath xmlns:m="http://schemas.openxmlformats.org/officeDocument/2006/math">
-                    <m:acc>
-                      <m:accPr>
-                        <m:chr m:val="̂"/>
-                        <m:ctrlPr>
-                          <a:rPr lang="en-US" i="1" dirty="0" smtClean="0">
-                            <a:latin typeface="Cambria Math" panose="02040503050406030204" pitchFamily="18" charset="0"/>
-                          </a:rPr>
-                        </m:ctrlPr>
-                      </m:accPr>
-                      <m:e>
-                        <m:sSub>
-                          <m:sSubPr>
-                            <m:ctrlPr>
-                              <a:rPr lang="en-US" i="1" dirty="0">
-                                <a:latin typeface="Cambria Math" panose="02040503050406030204" pitchFamily="18" charset="0"/>
-                              </a:rPr>
-                            </m:ctrlPr>
-                          </m:sSubPr>
-                          <m:e>
-                            <m:r>
-                              <a:rPr lang="en-US" i="1" dirty="0">
-                                <a:latin typeface="Cambria Math" panose="02040503050406030204" pitchFamily="18" charset="0"/>
-                              </a:rPr>
-                              <m:t>𝐶</m:t>
-                            </m:r>
-                          </m:e>
-                          <m:sub>
-                            <m:r>
-                              <a:rPr lang="en-US" i="1" dirty="0" err="1" smtClean="0">
-                                <a:latin typeface="Cambria Math" panose="02040503050406030204" pitchFamily="18" charset="0"/>
-                              </a:rPr>
-                              <m:t>𝑖</m:t>
-                            </m:r>
-                          </m:sub>
-                        </m:sSub>
-                      </m:e>
-                    </m:acc>
-                    <m:r>
-                      <a:rPr lang="en-US" i="1" dirty="0" smtClean="0">
-                        <a:latin typeface="Cambria Math" panose="02040503050406030204" pitchFamily="18" charset="0"/>
-                      </a:rPr>
-                      <m:t> </m:t>
-                    </m:r>
-                  </m:oMath>
-                </a14:m>
-                <a:r>
-                  <a:rPr lang="en-US" dirty="0"/>
-                  <a:t>is the predicted confidence map, </a:t>
-                </a:r>
-              </a:p>
-              <a:p>
-                <a14:m>
-                  <m:oMath xmlns:m="http://schemas.openxmlformats.org/officeDocument/2006/math">
-                    <m:r>
-                      <a:rPr lang="en-US" i="1" dirty="0" smtClean="0">
-                        <a:latin typeface="Cambria Math" panose="02040503050406030204" pitchFamily="18" charset="0"/>
-                      </a:rPr>
-                      <m:t>𝛼</m:t>
-                    </m:r>
-                  </m:oMath>
-                </a14:m>
-                <a:r>
-                  <a:rPr lang="en-US" dirty="0"/>
-                  <a:t>is a hyperparameter to control regularization</a:t>
-                </a:r>
-              </a:p>
-            </p:txBody>
-          </p:sp>
-        </mc:Choice>
-        <mc:Fallback>
-          <p:sp>
-            <p:nvSpPr>
-              <p:cNvPr id="3" name="Content Placeholder 2">
-                <a:extLst>
-                  <a:ext uri="{FF2B5EF4-FFF2-40B4-BE49-F238E27FC236}">
-                    <a16:creationId xmlns:a16="http://schemas.microsoft.com/office/drawing/2014/main" id="{2458C2F4-D218-366F-6EC9-C294EFD0C7AE}"/>
-                  </a:ext>
-                </a:extLst>
-              </p:cNvPr>
-              <p:cNvSpPr>
-                <a:spLocks noGrp="1" noRot="1" noChangeAspect="1" noMove="1" noResize="1" noEditPoints="1" noAdjustHandles="1" noChangeArrowheads="1" noChangeShapeType="1" noTextEdit="1"/>
-              </p:cNvSpPr>
-              <p:nvPr>
-                <p:ph idx="1"/>
-              </p:nvPr>
-            </p:nvSpPr>
-            <p:spPr>
-              <a:xfrm>
-                <a:off x="638175" y="1949958"/>
-                <a:ext cx="11155680" cy="5145786"/>
-              </a:xfrm>
-              <a:blipFill>
-                <a:blip r:embed="rId3"/>
-                <a:stretch>
-                  <a:fillRect l="-383" t="-474"/>
-                </a:stretch>
-              </a:blipFill>
-            </p:spPr>
-            <p:txBody>
-              <a:bodyPr/>
-              <a:lstStyle/>
-              <a:p>
-                <a:r>
-                  <a:rPr lang="en-GB">
-                    <a:noFill/>
-                  </a:rPr>
-                  <a:t> </a:t>
-                </a:r>
-              </a:p>
-            </p:txBody>
-          </p:sp>
-        </mc:Fallback>
-      </mc:AlternateContent>
-      <p:sp>
-        <p:nvSpPr>
-          <p:cNvPr id="2" name="Title 1">
-            <a:extLst>
-              <a:ext uri="{FF2B5EF4-FFF2-40B4-BE49-F238E27FC236}">
-                <a16:creationId xmlns:a16="http://schemas.microsoft.com/office/drawing/2014/main" id="{63E0018D-990A-C41F-7199-C5BD575E8277}"/>
-              </a:ext>
-            </a:extLst>
-          </p:cNvPr>
-          <p:cNvSpPr>
-            <a:spLocks noGrp="1"/>
-          </p:cNvSpPr>
-          <p:nvPr>
-            <p:ph type="title"/>
-          </p:nvPr>
-        </p:nvSpPr>
-        <p:spPr/>
-        <p:txBody>
-          <a:bodyPr/>
-          <a:lstStyle/>
-          <a:p>
-            <a:r>
-              <a:rPr lang="en-US" dirty="0"/>
-              <a:t>Points Reconstruction</a:t>
-            </a:r>
-          </a:p>
-        </p:txBody>
-      </p:sp>
-      <p:pic>
-        <p:nvPicPr>
-          <p:cNvPr id="5" name="Graphic 4">
-            <a:extLst>
-              <a:ext uri="{FF2B5EF4-FFF2-40B4-BE49-F238E27FC236}">
-                <a16:creationId xmlns:a16="http://schemas.microsoft.com/office/drawing/2014/main" id="{05568B8E-4DE7-6097-E6C2-020075D01EB2}"/>
-              </a:ext>
-            </a:extLst>
-          </p:cNvPr>
-          <p:cNvPicPr>
-            <a:picLocks noChangeAspect="1"/>
-          </p:cNvPicPr>
-          <p:nvPr/>
-        </p:nvPicPr>
-        <p:blipFill>
-          <a:blip r:embed="rId4">
-            <a:extLst>
-              <a:ext uri="{96DAC541-7B7A-43D3-8B79-37D633B846F1}">
-                <asvg:svgBlip xmlns:asvg="http://schemas.microsoft.com/office/drawing/2016/SVG/main" r:embed="rId5"/>
-              </a:ext>
-            </a:extLst>
-          </a:blip>
-          <a:stretch>
-            <a:fillRect/>
-          </a:stretch>
-        </p:blipFill>
-        <p:spPr>
-          <a:xfrm>
-            <a:off x="3054518" y="2558415"/>
-            <a:ext cx="6082963" cy="422529"/>
-          </a:xfrm>
-          <a:prstGeom prst="rect">
-            <a:avLst/>
-          </a:prstGeom>
-        </p:spPr>
-      </p:pic>
-      <p:pic>
-        <p:nvPicPr>
-          <p:cNvPr id="7" name="Graphic 6">
-            <a:extLst>
-              <a:ext uri="{FF2B5EF4-FFF2-40B4-BE49-F238E27FC236}">
-                <a16:creationId xmlns:a16="http://schemas.microsoft.com/office/drawing/2014/main" id="{F497B925-80D2-D265-367C-A174F6FF16D9}"/>
-              </a:ext>
-            </a:extLst>
-          </p:cNvPr>
-          <p:cNvPicPr>
-            <a:picLocks noChangeAspect="1"/>
-          </p:cNvPicPr>
-          <p:nvPr/>
-        </p:nvPicPr>
-        <p:blipFill>
-          <a:blip r:embed="rId6">
-            <a:extLst>
-              <a:ext uri="{96DAC541-7B7A-43D3-8B79-37D633B846F1}">
-                <asvg:svgBlip xmlns:asvg="http://schemas.microsoft.com/office/drawing/2016/SVG/main" r:embed="rId7"/>
-              </a:ext>
-            </a:extLst>
-          </a:blip>
-          <a:stretch>
-            <a:fillRect/>
-          </a:stretch>
-        </p:blipFill>
-        <p:spPr>
-          <a:xfrm>
-            <a:off x="3713023" y="3522507"/>
-            <a:ext cx="4342841" cy="743195"/>
-          </a:xfrm>
-          <a:prstGeom prst="rect">
-            <a:avLst/>
-          </a:prstGeom>
-        </p:spPr>
-      </p:pic>
-    </p:spTree>
-    <p:extLst>
-      <p:ext uri="{BB962C8B-B14F-4D97-AF65-F5344CB8AC3E}">
-        <p14:creationId xmlns:p14="http://schemas.microsoft.com/office/powerpoint/2010/main" val="2228040206"/>
       </p:ext>
     </p:extLst>
   </p:cSld>

--- a/SLAM3R.pptx
+++ b/SLAM3R.pptx
@@ -217,7 +217,7 @@
           <a:p>
             <a:fld id="{4F6CDF69-D9FB-4E48-813D-3E3D547B7197}" type="datetimeFigureOut">
               <a:rPr lang="en-GB" smtClean="0"/>
-              <a:t>11/09/2025</a:t>
+              <a:t>13/09/2025</a:t>
             </a:fld>
             <a:endParaRPr lang="en-GB"/>
           </a:p>
@@ -2472,7 +2472,7 @@
           <a:p>
             <a:fld id="{E80C50CD-E178-4744-9B35-B2F624D6C5E9}" type="datetimeFigureOut">
               <a:rPr lang="en-US" smtClean="0"/>
-              <a:t>11-Sep-25</a:t>
+              <a:t>13-Sep-25</a:t>
             </a:fld>
             <a:endParaRPr lang="en-US"/>
           </a:p>
@@ -2542,6 +2542,9 @@
   <p:clrMapOvr>
     <a:masterClrMapping/>
   </p:clrMapOvr>
+  <p:transition>
+    <p:randomBar dir="vert"/>
+  </p:transition>
 </p:sldLayout>
 </file>
 
@@ -2670,7 +2673,7 @@
           <a:p>
             <a:fld id="{E80C50CD-E178-4744-9B35-B2F624D6C5E9}" type="datetimeFigureOut">
               <a:rPr lang="en-US" smtClean="0"/>
-              <a:t>11-Sep-25</a:t>
+              <a:t>13-Sep-25</a:t>
             </a:fld>
             <a:endParaRPr lang="en-US"/>
           </a:p>
@@ -2740,6 +2743,9 @@
   <p:clrMapOvr>
     <a:masterClrMapping/>
   </p:clrMapOvr>
+  <p:transition>
+    <p:randomBar dir="vert"/>
+  </p:transition>
 </p:sldLayout>
 </file>
 
@@ -2878,7 +2884,7 @@
           <a:p>
             <a:fld id="{E80C50CD-E178-4744-9B35-B2F624D6C5E9}" type="datetimeFigureOut">
               <a:rPr lang="en-US" smtClean="0"/>
-              <a:t>11-Sep-25</a:t>
+              <a:t>13-Sep-25</a:t>
             </a:fld>
             <a:endParaRPr lang="en-US"/>
           </a:p>
@@ -3000,6 +3006,9 @@
   <p:clrMapOvr>
     <a:masterClrMapping/>
   </p:clrMapOvr>
+  <p:transition>
+    <p:randomBar dir="vert"/>
+  </p:transition>
 </p:sldLayout>
 </file>
 
@@ -3128,7 +3137,7 @@
           <a:p>
             <a:fld id="{E80C50CD-E178-4744-9B35-B2F624D6C5E9}" type="datetimeFigureOut">
               <a:rPr lang="en-US" smtClean="0"/>
-              <a:t>11-Sep-25</a:t>
+              <a:t>13-Sep-25</a:t>
             </a:fld>
             <a:endParaRPr lang="en-US"/>
           </a:p>
@@ -3198,6 +3207,9 @@
   <p:clrMapOvr>
     <a:masterClrMapping/>
   </p:clrMapOvr>
+  <p:transition>
+    <p:randomBar dir="vert"/>
+  </p:transition>
 </p:sldLayout>
 </file>
 
@@ -3407,7 +3419,7 @@
           <a:p>
             <a:fld id="{E80C50CD-E178-4744-9B35-B2F624D6C5E9}" type="datetimeFigureOut">
               <a:rPr lang="en-US" smtClean="0"/>
-              <a:t>11-Sep-25</a:t>
+              <a:t>13-Sep-25</a:t>
             </a:fld>
             <a:endParaRPr lang="en-US"/>
           </a:p>
@@ -3529,6 +3541,9 @@
   <p:clrMapOvr>
     <a:masterClrMapping/>
   </p:clrMapOvr>
+  <p:transition>
+    <p:randomBar dir="vert"/>
+  </p:transition>
 </p:sldLayout>
 </file>
 
@@ -3724,7 +3739,7 @@
           <a:p>
             <a:fld id="{E80C50CD-E178-4744-9B35-B2F624D6C5E9}" type="datetimeFigureOut">
               <a:rPr lang="en-US" smtClean="0"/>
-              <a:t>11-Sep-25</a:t>
+              <a:t>13-Sep-25</a:t>
             </a:fld>
             <a:endParaRPr lang="en-US"/>
           </a:p>
@@ -3794,6 +3809,9 @@
   <p:clrMapOvr>
     <a:masterClrMapping/>
   </p:clrMapOvr>
+  <p:transition>
+    <p:randomBar dir="vert"/>
+  </p:transition>
 </p:sldLayout>
 </file>
 
@@ -4140,7 +4158,7 @@
           <a:p>
             <a:fld id="{E80C50CD-E178-4744-9B35-B2F624D6C5E9}" type="datetimeFigureOut">
               <a:rPr lang="en-US" smtClean="0"/>
-              <a:t>11-Sep-25</a:t>
+              <a:t>13-Sep-25</a:t>
             </a:fld>
             <a:endParaRPr lang="en-US"/>
           </a:p>
@@ -4210,6 +4228,9 @@
   <p:clrMapOvr>
     <a:masterClrMapping/>
   </p:clrMapOvr>
+  <p:transition>
+    <p:randomBar dir="vert"/>
+  </p:transition>
 </p:sldLayout>
 </file>
 
@@ -4281,7 +4302,7 @@
           <a:p>
             <a:fld id="{E80C50CD-E178-4744-9B35-B2F624D6C5E9}" type="datetimeFigureOut">
               <a:rPr lang="en-US" smtClean="0"/>
-              <a:t>11-Sep-25</a:t>
+              <a:t>13-Sep-25</a:t>
             </a:fld>
             <a:endParaRPr lang="en-US"/>
           </a:p>
@@ -4351,6 +4372,9 @@
   <p:clrMapOvr>
     <a:masterClrMapping/>
   </p:clrMapOvr>
+  <p:transition>
+    <p:randomBar dir="vert"/>
+  </p:transition>
 </p:sldLayout>
 </file>
 
@@ -4394,7 +4418,7 @@
           <a:p>
             <a:fld id="{E80C50CD-E178-4744-9B35-B2F624D6C5E9}" type="datetimeFigureOut">
               <a:rPr lang="en-US" smtClean="0"/>
-              <a:t>11-Sep-25</a:t>
+              <a:t>13-Sep-25</a:t>
             </a:fld>
             <a:endParaRPr lang="en-US"/>
           </a:p>
@@ -4464,6 +4488,9 @@
   <p:clrMapOvr>
     <a:masterClrMapping/>
   </p:clrMapOvr>
+  <p:transition>
+    <p:randomBar dir="vert"/>
+  </p:transition>
 </p:sldLayout>
 </file>
 
@@ -4711,7 +4738,7 @@
           <a:p>
             <a:fld id="{E80C50CD-E178-4744-9B35-B2F624D6C5E9}" type="datetimeFigureOut">
               <a:rPr lang="en-US" smtClean="0"/>
-              <a:t>11-Sep-25</a:t>
+              <a:t>13-Sep-25</a:t>
             </a:fld>
             <a:endParaRPr lang="en-US"/>
           </a:p>
@@ -4781,6 +4808,9 @@
   <p:clrMapOvr>
     <a:masterClrMapping/>
   </p:clrMapOvr>
+  <p:transition>
+    <p:randomBar dir="vert"/>
+  </p:transition>
 </p:sldLayout>
 </file>
 
@@ -5003,7 +5033,7 @@
           <a:p>
             <a:fld id="{E80C50CD-E178-4744-9B35-B2F624D6C5E9}" type="datetimeFigureOut">
               <a:rPr lang="en-US" smtClean="0"/>
-              <a:t>11-Sep-25</a:t>
+              <a:t>13-Sep-25</a:t>
             </a:fld>
             <a:endParaRPr lang="en-US"/>
           </a:p>
@@ -5073,6 +5103,9 @@
   <p:clrMapOvr>
     <a:masterClrMapping/>
   </p:clrMapOvr>
+  <p:transition>
+    <p:randomBar dir="vert"/>
+  </p:transition>
 </p:sldLayout>
 </file>
 
@@ -5258,7 +5291,7 @@
             <a:fld id="{E80C50CD-E178-4744-9B35-B2F624D6C5E9}" type="datetimeFigureOut">
               <a:rPr lang="en-US" smtClean="0"/>
               <a:pPr/>
-              <a:t>11-Sep-25</a:t>
+              <a:t>13-Sep-25</a:t>
             </a:fld>
             <a:endParaRPr lang="en-US"/>
           </a:p>
@@ -5472,6 +5505,9 @@
     <p:sldLayoutId id="2147483678" r:id="rId10"/>
     <p:sldLayoutId id="2147483680" r:id="rId11"/>
   </p:sldLayoutIdLst>
+  <p:transition>
+    <p:randomBar dir="vert"/>
+  </p:transition>
   <p:txStyles>
     <p:titleStyle>
       <a:lvl1pPr algn="l" defTabSz="914400" rtl="0" eaLnBrk="1" latinLnBrk="0" hangingPunct="1">
@@ -6313,6 +6349,9 @@
   <p:clrMapOvr>
     <a:overrideClrMapping bg1="dk1" tx1="lt1" bg2="dk2" tx2="lt2" accent1="accent1" accent2="accent2" accent3="accent3" accent4="accent4" accent5="accent5" accent6="accent6" hlink="hlink" folHlink="folHlink"/>
   </p:clrMapOvr>
+  <p:transition>
+    <p:randomBar dir="vert"/>
+  </p:transition>
 </p:sld>
 </file>
 
@@ -6659,6 +6698,9 @@
   <p:clrMapOvr>
     <a:masterClrMapping/>
   </p:clrMapOvr>
+  <p:transition>
+    <p:randomBar dir="vert"/>
+  </p:transition>
 </p:sld>
 </file>
 
@@ -7365,6 +7407,9 @@
   <p:clrMapOvr>
     <a:masterClrMapping/>
   </p:clrMapOvr>
+  <p:transition>
+    <p:randomBar dir="vert"/>
+  </p:transition>
 </p:sld>
 </file>
 
@@ -7476,6 +7521,9 @@
   <p:clrMapOvr>
     <a:masterClrMapping/>
   </p:clrMapOvr>
+  <p:transition>
+    <p:randomBar dir="vert"/>
+  </p:transition>
 </p:sld>
 </file>
 
@@ -7700,6 +7748,9 @@
   <p:clrMapOvr>
     <a:masterClrMapping/>
   </p:clrMapOvr>
+  <p:transition>
+    <p:randomBar dir="vert"/>
+  </p:transition>
 </p:sld>
 </file>
 
@@ -8083,6 +8134,9 @@
   <p:clrMapOvr>
     <a:masterClrMapping/>
   </p:clrMapOvr>
+  <p:transition>
+    <p:randomBar dir="vert"/>
+  </p:transition>
 </p:sld>
 </file>
 
@@ -8287,6 +8341,9 @@
   <p:clrMapOvr>
     <a:masterClrMapping/>
   </p:clrMapOvr>
+  <p:transition>
+    <p:randomBar dir="vert"/>
+  </p:transition>
 </p:sld>
 </file>
 
@@ -8919,6 +8976,9 @@
   <p:clrMapOvr>
     <a:masterClrMapping/>
   </p:clrMapOvr>
+  <p:transition>
+    <p:randomBar dir="vert"/>
+  </p:transition>
 </p:sld>
 </file>
 
@@ -9488,6 +9548,9 @@
   <p:clrMapOvr>
     <a:masterClrMapping/>
   </p:clrMapOvr>
+  <p:transition>
+    <p:randomBar dir="vert"/>
+  </p:transition>
 </p:sld>
 </file>
 
@@ -9865,6 +9928,9 @@
   <p:clrMapOvr>
     <a:masterClrMapping/>
   </p:clrMapOvr>
+  <p:transition>
+    <p:randomBar dir="vert"/>
+  </p:transition>
 </p:sld>
 </file>
 
@@ -9959,6 +10025,9 @@
   <p:clrMapOvr>
     <a:masterClrMapping/>
   </p:clrMapOvr>
+  <p:transition>
+    <p:randomBar dir="vert"/>
+  </p:transition>
 </p:sld>
 </file>
 
@@ -10127,6 +10196,9 @@
   <p:clrMapOvr>
     <a:masterClrMapping/>
   </p:clrMapOvr>
+  <p:transition>
+    <p:randomBar dir="vert"/>
+  </p:transition>
 </p:sld>
 </file>
 
@@ -10249,6 +10321,9 @@
   <p:clrMapOvr>
     <a:masterClrMapping/>
   </p:clrMapOvr>
+  <p:transition>
+    <p:randomBar dir="vert"/>
+  </p:transition>
 </p:sld>
 </file>
 
@@ -10427,6 +10502,9 @@
   <p:clrMapOvr>
     <a:masterClrMapping/>
   </p:clrMapOvr>
+  <p:transition>
+    <p:randomBar dir="vert"/>
+  </p:transition>
 </p:sld>
 </file>
 
@@ -10536,13 +10614,6 @@
             <a:r>
               <a:rPr lang="en-GB" dirty="0"/>
               <a:t>MVS: Not real-time</a:t>
-            </a:r>
-          </a:p>
-          <a:p>
-            <a:pPr lvl="1"/>
-            <a:r>
-              <a:rPr lang="en-GB" dirty="0"/>
-              <a:t>Monocular SLAM: Slow and drift accumulation</a:t>
             </a:r>
           </a:p>
         </p:txBody>
@@ -10721,6 +10792,9 @@
   <p:clrMapOvr>
     <a:masterClrMapping/>
   </p:clrMapOvr>
+  <p:transition>
+    <p:randomBar dir="vert"/>
+  </p:transition>
 </p:sld>
 </file>
 
@@ -10857,6 +10931,9 @@
   <p:clrMapOvr>
     <a:masterClrMapping/>
   </p:clrMapOvr>
+  <p:transition>
+    <p:randomBar dir="vert"/>
+  </p:transition>
 </p:sld>
 </file>
 
@@ -10999,6 +11076,9 @@
   <p:clrMapOvr>
     <a:masterClrMapping/>
   </p:clrMapOvr>
+  <p:transition>
+    <p:randomBar dir="vert"/>
+  </p:transition>
 </p:sld>
 </file>
 
@@ -11576,6 +11656,9 @@
   <p:clrMapOvr>
     <a:masterClrMapping/>
   </p:clrMapOvr>
+  <p:transition>
+    <p:randomBar dir="vert"/>
+  </p:transition>
 </p:sld>
 </file>
 
@@ -11965,6 +12048,9 @@
   <p:clrMapOvr>
     <a:masterClrMapping/>
   </p:clrMapOvr>
+  <p:transition>
+    <p:randomBar dir="vert"/>
+  </p:transition>
 </p:sld>
 </file>
 
@@ -12600,6 +12686,9 @@
   <p:clrMapOvr>
     <a:masterClrMapping/>
   </p:clrMapOvr>
+  <p:transition>
+    <p:randomBar dir="vert"/>
+  </p:transition>
 </p:sld>
 </file>
 
@@ -12964,15 +13053,6 @@
                         </m:r>
                       </m:sub>
                     </m:sSub>
-                    <m:r>
-                      <m:rPr>
-                        <m:nor/>
-                      </m:rPr>
-                      <a:rPr lang="en-US" b="0" i="0" smtClean="0">
-                        <a:latin typeface="Cambria Math" panose="02040503050406030204" pitchFamily="18" charset="0"/>
-                      </a:rPr>
-                      <m:t>(</m:t>
-                    </m:r>
                     <m:d>
                       <m:dPr>
                         <m:ctrlPr>
@@ -13093,15 +13173,6 @@
                             </m:r>
                           </m:sub>
                         </m:sSub>
-                        <m:r>
-                          <m:rPr>
-                            <m:nor/>
-                          </m:rPr>
-                          <a:rPr lang="en-US" b="0" i="0" smtClean="0">
-                            <a:latin typeface="Cambria Math" panose="02040503050406030204" pitchFamily="18" charset="0"/>
-                          </a:rPr>
-                          <m:t>)</m:t>
-                        </m:r>
                       </m:e>
                     </m:d>
                     <m:r>
@@ -13225,6 +13296,9 @@
   <p:clrMapOvr>
     <a:masterClrMapping/>
   </p:clrMapOvr>
+  <p:transition>
+    <p:randomBar dir="vert"/>
+  </p:transition>
 </p:sld>
 </file>
 

--- a/SLAM3R.pptx
+++ b/SLAM3R.pptx
@@ -5,7 +5,7 @@
     <p:sldMasterId id="2147483686" r:id="rId1"/>
   </p:sldMasterIdLst>
   <p:notesMasterIdLst>
-    <p:notesMasterId r:id="rId23"/>
+    <p:notesMasterId r:id="rId24"/>
   </p:notesMasterIdLst>
   <p:sldIdLst>
     <p:sldId id="256" r:id="rId2"/>
@@ -27,8 +27,9 @@
     <p:sldId id="273" r:id="rId18"/>
     <p:sldId id="271" r:id="rId19"/>
     <p:sldId id="278" r:id="rId20"/>
-    <p:sldId id="274" r:id="rId21"/>
-    <p:sldId id="277" r:id="rId22"/>
+    <p:sldId id="280" r:id="rId21"/>
+    <p:sldId id="274" r:id="rId22"/>
+    <p:sldId id="277" r:id="rId23"/>
   </p:sldIdLst>
   <p:sldSz cx="12192000" cy="6858000"/>
   <p:notesSz cx="6858000" cy="9144000"/>
@@ -217,7 +218,7 @@
           <a:p>
             <a:fld id="{4F6CDF69-D9FB-4E48-813D-3E3D547B7197}" type="datetimeFigureOut">
               <a:rPr lang="en-GB" smtClean="0"/>
-              <a:t>13/09/2025</a:t>
+              <a:t>24/11/2025</a:t>
             </a:fld>
             <a:endParaRPr lang="en-GB"/>
           </a:p>
@@ -1225,6 +1226,114 @@
         <p:cNvPr id="1" name="">
           <a:extLst>
             <a:ext uri="{FF2B5EF4-FFF2-40B4-BE49-F238E27FC236}">
+              <a16:creationId xmlns:a16="http://schemas.microsoft.com/office/drawing/2014/main" id="{64C6029B-E71F-8EC4-09B4-F77494D7188D}"/>
+            </a:ext>
+          </a:extLst>
+        </p:cNvPr>
+        <p:cNvGrpSpPr/>
+        <p:nvPr/>
+      </p:nvGrpSpPr>
+      <p:grpSpPr>
+        <a:xfrm>
+          <a:off x="0" y="0"/>
+          <a:ext cx="0" cy="0"/>
+          <a:chOff x="0" y="0"/>
+          <a:chExt cx="0" cy="0"/>
+        </a:xfrm>
+      </p:grpSpPr>
+      <p:sp>
+        <p:nvSpPr>
+          <p:cNvPr id="2" name="Slide Image Placeholder 1">
+            <a:extLst>
+              <a:ext uri="{FF2B5EF4-FFF2-40B4-BE49-F238E27FC236}">
+                <a16:creationId xmlns:a16="http://schemas.microsoft.com/office/drawing/2014/main" id="{85C13FA1-AB67-2AE9-5AF0-80128F550C01}"/>
+              </a:ext>
+            </a:extLst>
+          </p:cNvPr>
+          <p:cNvSpPr>
+            <a:spLocks noGrp="1" noRot="1" noChangeAspect="1"/>
+          </p:cNvSpPr>
+          <p:nvPr>
+            <p:ph type="sldImg"/>
+          </p:nvPr>
+        </p:nvSpPr>
+        <p:spPr/>
+      </p:sp>
+      <p:sp>
+        <p:nvSpPr>
+          <p:cNvPr id="3" name="Notes Placeholder 2">
+            <a:extLst>
+              <a:ext uri="{FF2B5EF4-FFF2-40B4-BE49-F238E27FC236}">
+                <a16:creationId xmlns:a16="http://schemas.microsoft.com/office/drawing/2014/main" id="{3B22A263-F79E-89DE-838E-FD3DB4C78651}"/>
+              </a:ext>
+            </a:extLst>
+          </p:cNvPr>
+          <p:cNvSpPr>
+            <a:spLocks noGrp="1"/>
+          </p:cNvSpPr>
+          <p:nvPr>
+            <p:ph type="body" idx="1"/>
+          </p:nvPr>
+        </p:nvSpPr>
+        <p:spPr/>
+        <p:txBody>
+          <a:bodyPr/>
+          <a:lstStyle/>
+          <a:p>
+            <a:endParaRPr lang="en-GB" dirty="0"/>
+          </a:p>
+        </p:txBody>
+      </p:sp>
+      <p:sp>
+        <p:nvSpPr>
+          <p:cNvPr id="4" name="Slide Number Placeholder 3">
+            <a:extLst>
+              <a:ext uri="{FF2B5EF4-FFF2-40B4-BE49-F238E27FC236}">
+                <a16:creationId xmlns:a16="http://schemas.microsoft.com/office/drawing/2014/main" id="{52B09F5E-E96B-FBA6-8C81-A22CE693FB55}"/>
+              </a:ext>
+            </a:extLst>
+          </p:cNvPr>
+          <p:cNvSpPr>
+            <a:spLocks noGrp="1"/>
+          </p:cNvSpPr>
+          <p:nvPr>
+            <p:ph type="sldNum" sz="quarter" idx="5"/>
+          </p:nvPr>
+        </p:nvSpPr>
+        <p:spPr/>
+        <p:txBody>
+          <a:bodyPr/>
+          <a:lstStyle/>
+          <a:p>
+            <a:fld id="{7D0F0BAF-A7CC-42F6-BA05-9EE3374D5828}" type="slidenum">
+              <a:rPr lang="en-GB" smtClean="0"/>
+              <a:t>20</a:t>
+            </a:fld>
+            <a:endParaRPr lang="en-GB"/>
+          </a:p>
+        </p:txBody>
+      </p:sp>
+    </p:spTree>
+    <p:extLst>
+      <p:ext uri="{BB962C8B-B14F-4D97-AF65-F5344CB8AC3E}">
+        <p14:creationId xmlns:p14="http://schemas.microsoft.com/office/powerpoint/2010/main" val="59304740"/>
+      </p:ext>
+    </p:extLst>
+  </p:cSld>
+  <p:clrMapOvr>
+    <a:masterClrMapping/>
+  </p:clrMapOvr>
+</p:notes>
+</file>
+
+<file path=ppt/notesSlides/notesSlide17.xml><?xml version="1.0" encoding="utf-8"?>
+<p:notes xmlns:a="http://schemas.openxmlformats.org/drawingml/2006/main" xmlns:r="http://schemas.openxmlformats.org/officeDocument/2006/relationships" xmlns:p="http://schemas.openxmlformats.org/presentationml/2006/main">
+  <p:cSld>
+    <p:spTree>
+      <p:nvGrpSpPr>
+        <p:cNvPr id="1" name="">
+          <a:extLst>
+            <a:ext uri="{FF2B5EF4-FFF2-40B4-BE49-F238E27FC236}">
               <a16:creationId xmlns:a16="http://schemas.microsoft.com/office/drawing/2014/main" id="{D3380B83-483C-9B46-490D-E6C38B7BF73C}"/>
             </a:ext>
           </a:extLst>
@@ -1306,7 +1415,7 @@
           <a:p>
             <a:fld id="{7D0F0BAF-A7CC-42F6-BA05-9EE3374D5828}" type="slidenum">
               <a:rPr lang="en-GB" smtClean="0"/>
-              <a:t>20</a:t>
+              <a:t>21</a:t>
             </a:fld>
             <a:endParaRPr lang="en-GB"/>
           </a:p>
@@ -2472,7 +2581,7 @@
           <a:p>
             <a:fld id="{E80C50CD-E178-4744-9B35-B2F624D6C5E9}" type="datetimeFigureOut">
               <a:rPr lang="en-US" smtClean="0"/>
-              <a:t>13-Sep-25</a:t>
+              <a:t>24-Nov-25</a:t>
             </a:fld>
             <a:endParaRPr lang="en-US"/>
           </a:p>
@@ -2673,7 +2782,7 @@
           <a:p>
             <a:fld id="{E80C50CD-E178-4744-9B35-B2F624D6C5E9}" type="datetimeFigureOut">
               <a:rPr lang="en-US" smtClean="0"/>
-              <a:t>13-Sep-25</a:t>
+              <a:t>24-Nov-25</a:t>
             </a:fld>
             <a:endParaRPr lang="en-US"/>
           </a:p>
@@ -2884,7 +2993,7 @@
           <a:p>
             <a:fld id="{E80C50CD-E178-4744-9B35-B2F624D6C5E9}" type="datetimeFigureOut">
               <a:rPr lang="en-US" smtClean="0"/>
-              <a:t>13-Sep-25</a:t>
+              <a:t>24-Nov-25</a:t>
             </a:fld>
             <a:endParaRPr lang="en-US"/>
           </a:p>
@@ -3137,7 +3246,7 @@
           <a:p>
             <a:fld id="{E80C50CD-E178-4744-9B35-B2F624D6C5E9}" type="datetimeFigureOut">
               <a:rPr lang="en-US" smtClean="0"/>
-              <a:t>13-Sep-25</a:t>
+              <a:t>24-Nov-25</a:t>
             </a:fld>
             <a:endParaRPr lang="en-US"/>
           </a:p>
@@ -3419,7 +3528,7 @@
           <a:p>
             <a:fld id="{E80C50CD-E178-4744-9B35-B2F624D6C5E9}" type="datetimeFigureOut">
               <a:rPr lang="en-US" smtClean="0"/>
-              <a:t>13-Sep-25</a:t>
+              <a:t>24-Nov-25</a:t>
             </a:fld>
             <a:endParaRPr lang="en-US"/>
           </a:p>
@@ -3739,7 +3848,7 @@
           <a:p>
             <a:fld id="{E80C50CD-E178-4744-9B35-B2F624D6C5E9}" type="datetimeFigureOut">
               <a:rPr lang="en-US" smtClean="0"/>
-              <a:t>13-Sep-25</a:t>
+              <a:t>24-Nov-25</a:t>
             </a:fld>
             <a:endParaRPr lang="en-US"/>
           </a:p>
@@ -4158,7 +4267,7 @@
           <a:p>
             <a:fld id="{E80C50CD-E178-4744-9B35-B2F624D6C5E9}" type="datetimeFigureOut">
               <a:rPr lang="en-US" smtClean="0"/>
-              <a:t>13-Sep-25</a:t>
+              <a:t>24-Nov-25</a:t>
             </a:fld>
             <a:endParaRPr lang="en-US"/>
           </a:p>
@@ -4302,7 +4411,7 @@
           <a:p>
             <a:fld id="{E80C50CD-E178-4744-9B35-B2F624D6C5E9}" type="datetimeFigureOut">
               <a:rPr lang="en-US" smtClean="0"/>
-              <a:t>13-Sep-25</a:t>
+              <a:t>24-Nov-25</a:t>
             </a:fld>
             <a:endParaRPr lang="en-US"/>
           </a:p>
@@ -4418,7 +4527,7 @@
           <a:p>
             <a:fld id="{E80C50CD-E178-4744-9B35-B2F624D6C5E9}" type="datetimeFigureOut">
               <a:rPr lang="en-US" smtClean="0"/>
-              <a:t>13-Sep-25</a:t>
+              <a:t>24-Nov-25</a:t>
             </a:fld>
             <a:endParaRPr lang="en-US"/>
           </a:p>
@@ -4738,7 +4847,7 @@
           <a:p>
             <a:fld id="{E80C50CD-E178-4744-9B35-B2F624D6C5E9}" type="datetimeFigureOut">
               <a:rPr lang="en-US" smtClean="0"/>
-              <a:t>13-Sep-25</a:t>
+              <a:t>24-Nov-25</a:t>
             </a:fld>
             <a:endParaRPr lang="en-US"/>
           </a:p>
@@ -5033,7 +5142,7 @@
           <a:p>
             <a:fld id="{E80C50CD-E178-4744-9B35-B2F624D6C5E9}" type="datetimeFigureOut">
               <a:rPr lang="en-US" smtClean="0"/>
-              <a:t>13-Sep-25</a:t>
+              <a:t>24-Nov-25</a:t>
             </a:fld>
             <a:endParaRPr lang="en-US"/>
           </a:p>
@@ -5291,7 +5400,7 @@
             <a:fld id="{E80C50CD-E178-4744-9B35-B2F624D6C5E9}" type="datetimeFigureOut">
               <a:rPr lang="en-US" smtClean="0"/>
               <a:pPr/>
-              <a:t>13-Sep-25</a:t>
+              <a:t>24-Nov-25</a:t>
             </a:fld>
             <a:endParaRPr lang="en-US"/>
           </a:p>
@@ -10210,6 +10319,576 @@
         <p:cNvPr id="1" name="">
           <a:extLst>
             <a:ext uri="{FF2B5EF4-FFF2-40B4-BE49-F238E27FC236}">
+              <a16:creationId xmlns:a16="http://schemas.microsoft.com/office/drawing/2014/main" id="{3FA44A0F-1328-6C61-B2FA-0E02DBB7A152}"/>
+            </a:ext>
+          </a:extLst>
+        </p:cNvPr>
+        <p:cNvGrpSpPr/>
+        <p:nvPr/>
+      </p:nvGrpSpPr>
+      <p:grpSpPr>
+        <a:xfrm>
+          <a:off x="0" y="0"/>
+          <a:ext cx="0" cy="0"/>
+          <a:chOff x="0" y="0"/>
+          <a:chExt cx="0" cy="0"/>
+        </a:xfrm>
+      </p:grpSpPr>
+      <p:sp>
+        <p:nvSpPr>
+          <p:cNvPr id="3" name="Content Placeholder 2">
+            <a:extLst>
+              <a:ext uri="{FF2B5EF4-FFF2-40B4-BE49-F238E27FC236}">
+                <a16:creationId xmlns:a16="http://schemas.microsoft.com/office/drawing/2014/main" id="{286DC089-9CCE-2D74-7FF4-8457B437C97D}"/>
+              </a:ext>
+            </a:extLst>
+          </p:cNvPr>
+          <p:cNvSpPr>
+            <a:spLocks noGrp="1"/>
+          </p:cNvSpPr>
+          <p:nvPr>
+            <p:ph idx="1"/>
+          </p:nvPr>
+        </p:nvSpPr>
+        <p:spPr>
+          <a:xfrm>
+            <a:off x="638175" y="1757934"/>
+            <a:ext cx="11155680" cy="491490"/>
+          </a:xfrm>
+        </p:spPr>
+        <p:txBody>
+          <a:bodyPr>
+            <a:normAutofit/>
+          </a:bodyPr>
+          <a:lstStyle/>
+          <a:p>
+            <a:r>
+              <a:rPr lang="en-US" dirty="0"/>
+              <a:t>The model was evaluated on the 7 Scenes and Replica datasets</a:t>
+            </a:r>
+            <a:endParaRPr lang="en-GB" dirty="0"/>
+          </a:p>
+          <a:p>
+            <a:endParaRPr lang="en-US" dirty="0"/>
+          </a:p>
+        </p:txBody>
+      </p:sp>
+      <p:sp>
+        <p:nvSpPr>
+          <p:cNvPr id="2" name="Title 1">
+            <a:extLst>
+              <a:ext uri="{FF2B5EF4-FFF2-40B4-BE49-F238E27FC236}">
+                <a16:creationId xmlns:a16="http://schemas.microsoft.com/office/drawing/2014/main" id="{BB5CA889-07EC-6647-7C17-4B5B6BEDB1CC}"/>
+              </a:ext>
+            </a:extLst>
+          </p:cNvPr>
+          <p:cNvSpPr>
+            <a:spLocks noGrp="1"/>
+          </p:cNvSpPr>
+          <p:nvPr>
+            <p:ph type="title"/>
+          </p:nvPr>
+        </p:nvSpPr>
+        <p:spPr/>
+        <p:txBody>
+          <a:bodyPr/>
+          <a:lstStyle/>
+          <a:p>
+            <a:r>
+              <a:rPr lang="en-US" dirty="0"/>
+              <a:t>Evaluation</a:t>
+            </a:r>
+          </a:p>
+        </p:txBody>
+      </p:sp>
+      <p:pic>
+        <p:nvPicPr>
+          <p:cNvPr id="5" name="Picture 4">
+            <a:extLst>
+              <a:ext uri="{FF2B5EF4-FFF2-40B4-BE49-F238E27FC236}">
+                <a16:creationId xmlns:a16="http://schemas.microsoft.com/office/drawing/2014/main" id="{B1C2F6A6-5561-108D-E3AD-A122928A4262}"/>
+              </a:ext>
+            </a:extLst>
+          </p:cNvPr>
+          <p:cNvPicPr>
+            <a:picLocks noChangeAspect="1"/>
+          </p:cNvPicPr>
+          <p:nvPr/>
+        </p:nvPicPr>
+        <p:blipFill>
+          <a:blip r:embed="rId3"/>
+          <a:stretch>
+            <a:fillRect/>
+          </a:stretch>
+        </p:blipFill>
+        <p:spPr>
+          <a:xfrm>
+            <a:off x="1444752" y="2148840"/>
+            <a:ext cx="9302496" cy="1556311"/>
+          </a:xfrm>
+          <a:prstGeom prst="rect">
+            <a:avLst/>
+          </a:prstGeom>
+        </p:spPr>
+      </p:pic>
+      <p:sp>
+        <p:nvSpPr>
+          <p:cNvPr id="6" name="Content Placeholder 2">
+            <a:extLst>
+              <a:ext uri="{FF2B5EF4-FFF2-40B4-BE49-F238E27FC236}">
+                <a16:creationId xmlns:a16="http://schemas.microsoft.com/office/drawing/2014/main" id="{A2268044-B1D7-9845-A821-2EEAB1009557}"/>
+              </a:ext>
+            </a:extLst>
+          </p:cNvPr>
+          <p:cNvSpPr txBox="1">
+            <a:spLocks/>
+          </p:cNvSpPr>
+          <p:nvPr/>
+        </p:nvSpPr>
+        <p:spPr>
+          <a:xfrm>
+            <a:off x="0" y="3741040"/>
+            <a:ext cx="12192000" cy="491490"/>
+          </a:xfrm>
+          <a:prstGeom prst="rect">
+            <a:avLst/>
+          </a:prstGeom>
+        </p:spPr>
+        <p:txBody>
+          <a:bodyPr vert="horz" lIns="91440" tIns="45720" rIns="91440" bIns="45720" rtlCol="0">
+            <a:normAutofit/>
+          </a:bodyPr>
+          <a:lstStyle>
+            <a:lvl1pPr marL="228600" indent="-228600" algn="l" defTabSz="914400" rtl="0" eaLnBrk="1" latinLnBrk="0" hangingPunct="1">
+              <a:lnSpc>
+                <a:spcPct val="110000"/>
+              </a:lnSpc>
+              <a:spcBef>
+                <a:spcPts val="1000"/>
+              </a:spcBef>
+              <a:buFont typeface="Arial" panose="020B0604020202020204" pitchFamily="34" charset="0"/>
+              <a:buChar char="•"/>
+              <a:defRPr sz="1800" kern="1200">
+                <a:solidFill>
+                  <a:schemeClr val="tx1"/>
+                </a:solidFill>
+                <a:latin typeface="+mn-lt"/>
+                <a:ea typeface="+mn-ea"/>
+                <a:cs typeface="+mn-cs"/>
+              </a:defRPr>
+            </a:lvl1pPr>
+            <a:lvl2pPr marL="685800" indent="-228600" algn="l" defTabSz="914400" rtl="0" eaLnBrk="1" latinLnBrk="0" hangingPunct="1">
+              <a:lnSpc>
+                <a:spcPct val="110000"/>
+              </a:lnSpc>
+              <a:spcBef>
+                <a:spcPts val="500"/>
+              </a:spcBef>
+              <a:buFont typeface="Arial" panose="020B0604020202020204" pitchFamily="34" charset="0"/>
+              <a:buChar char="•"/>
+              <a:defRPr sz="1600" kern="1200">
+                <a:solidFill>
+                  <a:schemeClr val="tx1"/>
+                </a:solidFill>
+                <a:latin typeface="+mn-lt"/>
+                <a:ea typeface="+mn-ea"/>
+                <a:cs typeface="+mn-cs"/>
+              </a:defRPr>
+            </a:lvl2pPr>
+            <a:lvl3pPr marL="1143000" indent="-228600" algn="l" defTabSz="914400" rtl="0" eaLnBrk="1" latinLnBrk="0" hangingPunct="1">
+              <a:lnSpc>
+                <a:spcPct val="110000"/>
+              </a:lnSpc>
+              <a:spcBef>
+                <a:spcPts val="500"/>
+              </a:spcBef>
+              <a:buFont typeface="Arial" panose="020B0604020202020204" pitchFamily="34" charset="0"/>
+              <a:buChar char="•"/>
+              <a:defRPr sz="1400" kern="1200">
+                <a:solidFill>
+                  <a:schemeClr val="tx1"/>
+                </a:solidFill>
+                <a:latin typeface="+mn-lt"/>
+                <a:ea typeface="+mn-ea"/>
+                <a:cs typeface="+mn-cs"/>
+              </a:defRPr>
+            </a:lvl3pPr>
+            <a:lvl4pPr marL="1600200" indent="-228600" algn="l" defTabSz="914400" rtl="0" eaLnBrk="1" latinLnBrk="0" hangingPunct="1">
+              <a:lnSpc>
+                <a:spcPct val="110000"/>
+              </a:lnSpc>
+              <a:spcBef>
+                <a:spcPts val="500"/>
+              </a:spcBef>
+              <a:buFont typeface="Arial" panose="020B0604020202020204" pitchFamily="34" charset="0"/>
+              <a:buChar char="•"/>
+              <a:defRPr sz="1200" kern="1200">
+                <a:solidFill>
+                  <a:schemeClr val="tx1"/>
+                </a:solidFill>
+                <a:latin typeface="+mn-lt"/>
+                <a:ea typeface="+mn-ea"/>
+                <a:cs typeface="+mn-cs"/>
+              </a:defRPr>
+            </a:lvl4pPr>
+            <a:lvl5pPr marL="2057400" indent="-228600" algn="l" defTabSz="914400" rtl="0" eaLnBrk="1" latinLnBrk="0" hangingPunct="1">
+              <a:lnSpc>
+                <a:spcPct val="110000"/>
+              </a:lnSpc>
+              <a:spcBef>
+                <a:spcPts val="500"/>
+              </a:spcBef>
+              <a:buFont typeface="Arial" panose="020B0604020202020204" pitchFamily="34" charset="0"/>
+              <a:buChar char="•"/>
+              <a:defRPr sz="1200" kern="1200">
+                <a:solidFill>
+                  <a:schemeClr val="tx1"/>
+                </a:solidFill>
+                <a:latin typeface="+mn-lt"/>
+                <a:ea typeface="+mn-ea"/>
+                <a:cs typeface="+mn-cs"/>
+              </a:defRPr>
+            </a:lvl5pPr>
+            <a:lvl6pPr marL="2514600" indent="-228600" algn="l" defTabSz="914400" rtl="0" eaLnBrk="1" latinLnBrk="0" hangingPunct="1">
+              <a:lnSpc>
+                <a:spcPct val="90000"/>
+              </a:lnSpc>
+              <a:spcBef>
+                <a:spcPts val="500"/>
+              </a:spcBef>
+              <a:buFont typeface="Arial" panose="020B0604020202020204" pitchFamily="34" charset="0"/>
+              <a:buChar char="•"/>
+              <a:defRPr sz="1800" kern="1200">
+                <a:solidFill>
+                  <a:schemeClr val="tx1"/>
+                </a:solidFill>
+                <a:latin typeface="+mn-lt"/>
+                <a:ea typeface="+mn-ea"/>
+                <a:cs typeface="+mn-cs"/>
+              </a:defRPr>
+            </a:lvl6pPr>
+            <a:lvl7pPr marL="2971800" indent="-228600" algn="l" defTabSz="914400" rtl="0" eaLnBrk="1" latinLnBrk="0" hangingPunct="1">
+              <a:lnSpc>
+                <a:spcPct val="90000"/>
+              </a:lnSpc>
+              <a:spcBef>
+                <a:spcPts val="500"/>
+              </a:spcBef>
+              <a:buFont typeface="Arial" panose="020B0604020202020204" pitchFamily="34" charset="0"/>
+              <a:buChar char="•"/>
+              <a:defRPr sz="1800" kern="1200">
+                <a:solidFill>
+                  <a:schemeClr val="tx1"/>
+                </a:solidFill>
+                <a:latin typeface="+mn-lt"/>
+                <a:ea typeface="+mn-ea"/>
+                <a:cs typeface="+mn-cs"/>
+              </a:defRPr>
+            </a:lvl7pPr>
+            <a:lvl8pPr marL="3429000" indent="-228600" algn="l" defTabSz="914400" rtl="0" eaLnBrk="1" latinLnBrk="0" hangingPunct="1">
+              <a:lnSpc>
+                <a:spcPct val="90000"/>
+              </a:lnSpc>
+              <a:spcBef>
+                <a:spcPts val="500"/>
+              </a:spcBef>
+              <a:buFont typeface="Arial" panose="020B0604020202020204" pitchFamily="34" charset="0"/>
+              <a:buChar char="•"/>
+              <a:defRPr sz="1800" kern="1200">
+                <a:solidFill>
+                  <a:schemeClr val="tx1"/>
+                </a:solidFill>
+                <a:latin typeface="+mn-lt"/>
+                <a:ea typeface="+mn-ea"/>
+                <a:cs typeface="+mn-cs"/>
+              </a:defRPr>
+            </a:lvl8pPr>
+            <a:lvl9pPr marL="3886200" indent="-228600" algn="l" defTabSz="914400" rtl="0" eaLnBrk="1" latinLnBrk="0" hangingPunct="1">
+              <a:lnSpc>
+                <a:spcPct val="90000"/>
+              </a:lnSpc>
+              <a:spcBef>
+                <a:spcPts val="500"/>
+              </a:spcBef>
+              <a:buFont typeface="Arial" panose="020B0604020202020204" pitchFamily="34" charset="0"/>
+              <a:buChar char="•"/>
+              <a:defRPr sz="1800" kern="1200">
+                <a:solidFill>
+                  <a:schemeClr val="tx1"/>
+                </a:solidFill>
+                <a:latin typeface="+mn-lt"/>
+                <a:ea typeface="+mn-ea"/>
+                <a:cs typeface="+mn-cs"/>
+              </a:defRPr>
+            </a:lvl9pPr>
+          </a:lstStyle>
+          <a:p>
+            <a:pPr marL="0" indent="0" algn="ctr">
+              <a:buNone/>
+            </a:pPr>
+            <a:r>
+              <a:rPr lang="en-US" dirty="0"/>
+              <a:t>7 Scenes reconstruction results</a:t>
+            </a:r>
+          </a:p>
+        </p:txBody>
+      </p:sp>
+      <p:pic>
+        <p:nvPicPr>
+          <p:cNvPr id="8" name="Picture 7">
+            <a:extLst>
+              <a:ext uri="{FF2B5EF4-FFF2-40B4-BE49-F238E27FC236}">
+                <a16:creationId xmlns:a16="http://schemas.microsoft.com/office/drawing/2014/main" id="{EDAFA3E4-77BD-C389-75B9-FB31D98A0D28}"/>
+              </a:ext>
+            </a:extLst>
+          </p:cNvPr>
+          <p:cNvPicPr>
+            <a:picLocks noChangeAspect="1"/>
+          </p:cNvPicPr>
+          <p:nvPr/>
+        </p:nvPicPr>
+        <p:blipFill>
+          <a:blip r:embed="rId4"/>
+          <a:stretch>
+            <a:fillRect/>
+          </a:stretch>
+        </p:blipFill>
+        <p:spPr>
+          <a:xfrm>
+            <a:off x="1444752" y="4195954"/>
+            <a:ext cx="9302496" cy="2016206"/>
+          </a:xfrm>
+          <a:prstGeom prst="rect">
+            <a:avLst/>
+          </a:prstGeom>
+        </p:spPr>
+      </p:pic>
+      <p:sp>
+        <p:nvSpPr>
+          <p:cNvPr id="9" name="Content Placeholder 2">
+            <a:extLst>
+              <a:ext uri="{FF2B5EF4-FFF2-40B4-BE49-F238E27FC236}">
+                <a16:creationId xmlns:a16="http://schemas.microsoft.com/office/drawing/2014/main" id="{B0843793-233A-F4C2-97A1-4F7BC12F97D6}"/>
+              </a:ext>
+            </a:extLst>
+          </p:cNvPr>
+          <p:cNvSpPr txBox="1">
+            <a:spLocks/>
+          </p:cNvSpPr>
+          <p:nvPr/>
+        </p:nvSpPr>
+        <p:spPr>
+          <a:xfrm>
+            <a:off x="0" y="6212160"/>
+            <a:ext cx="12192000" cy="491490"/>
+          </a:xfrm>
+          <a:prstGeom prst="rect">
+            <a:avLst/>
+          </a:prstGeom>
+        </p:spPr>
+        <p:txBody>
+          <a:bodyPr vert="horz" lIns="91440" tIns="45720" rIns="91440" bIns="45720" rtlCol="0">
+            <a:normAutofit/>
+          </a:bodyPr>
+          <a:lstStyle>
+            <a:lvl1pPr marL="228600" indent="-228600" algn="l" defTabSz="914400" rtl="0" eaLnBrk="1" latinLnBrk="0" hangingPunct="1">
+              <a:lnSpc>
+                <a:spcPct val="110000"/>
+              </a:lnSpc>
+              <a:spcBef>
+                <a:spcPts val="1000"/>
+              </a:spcBef>
+              <a:buFont typeface="Arial" panose="020B0604020202020204" pitchFamily="34" charset="0"/>
+              <a:buChar char="•"/>
+              <a:defRPr sz="1800" kern="1200">
+                <a:solidFill>
+                  <a:schemeClr val="tx1"/>
+                </a:solidFill>
+                <a:latin typeface="+mn-lt"/>
+                <a:ea typeface="+mn-ea"/>
+                <a:cs typeface="+mn-cs"/>
+              </a:defRPr>
+            </a:lvl1pPr>
+            <a:lvl2pPr marL="685800" indent="-228600" algn="l" defTabSz="914400" rtl="0" eaLnBrk="1" latinLnBrk="0" hangingPunct="1">
+              <a:lnSpc>
+                <a:spcPct val="110000"/>
+              </a:lnSpc>
+              <a:spcBef>
+                <a:spcPts val="500"/>
+              </a:spcBef>
+              <a:buFont typeface="Arial" panose="020B0604020202020204" pitchFamily="34" charset="0"/>
+              <a:buChar char="•"/>
+              <a:defRPr sz="1600" kern="1200">
+                <a:solidFill>
+                  <a:schemeClr val="tx1"/>
+                </a:solidFill>
+                <a:latin typeface="+mn-lt"/>
+                <a:ea typeface="+mn-ea"/>
+                <a:cs typeface="+mn-cs"/>
+              </a:defRPr>
+            </a:lvl2pPr>
+            <a:lvl3pPr marL="1143000" indent="-228600" algn="l" defTabSz="914400" rtl="0" eaLnBrk="1" latinLnBrk="0" hangingPunct="1">
+              <a:lnSpc>
+                <a:spcPct val="110000"/>
+              </a:lnSpc>
+              <a:spcBef>
+                <a:spcPts val="500"/>
+              </a:spcBef>
+              <a:buFont typeface="Arial" panose="020B0604020202020204" pitchFamily="34" charset="0"/>
+              <a:buChar char="•"/>
+              <a:defRPr sz="1400" kern="1200">
+                <a:solidFill>
+                  <a:schemeClr val="tx1"/>
+                </a:solidFill>
+                <a:latin typeface="+mn-lt"/>
+                <a:ea typeface="+mn-ea"/>
+                <a:cs typeface="+mn-cs"/>
+              </a:defRPr>
+            </a:lvl3pPr>
+            <a:lvl4pPr marL="1600200" indent="-228600" algn="l" defTabSz="914400" rtl="0" eaLnBrk="1" latinLnBrk="0" hangingPunct="1">
+              <a:lnSpc>
+                <a:spcPct val="110000"/>
+              </a:lnSpc>
+              <a:spcBef>
+                <a:spcPts val="500"/>
+              </a:spcBef>
+              <a:buFont typeface="Arial" panose="020B0604020202020204" pitchFamily="34" charset="0"/>
+              <a:buChar char="•"/>
+              <a:defRPr sz="1200" kern="1200">
+                <a:solidFill>
+                  <a:schemeClr val="tx1"/>
+                </a:solidFill>
+                <a:latin typeface="+mn-lt"/>
+                <a:ea typeface="+mn-ea"/>
+                <a:cs typeface="+mn-cs"/>
+              </a:defRPr>
+            </a:lvl4pPr>
+            <a:lvl5pPr marL="2057400" indent="-228600" algn="l" defTabSz="914400" rtl="0" eaLnBrk="1" latinLnBrk="0" hangingPunct="1">
+              <a:lnSpc>
+                <a:spcPct val="110000"/>
+              </a:lnSpc>
+              <a:spcBef>
+                <a:spcPts val="500"/>
+              </a:spcBef>
+              <a:buFont typeface="Arial" panose="020B0604020202020204" pitchFamily="34" charset="0"/>
+              <a:buChar char="•"/>
+              <a:defRPr sz="1200" kern="1200">
+                <a:solidFill>
+                  <a:schemeClr val="tx1"/>
+                </a:solidFill>
+                <a:latin typeface="+mn-lt"/>
+                <a:ea typeface="+mn-ea"/>
+                <a:cs typeface="+mn-cs"/>
+              </a:defRPr>
+            </a:lvl5pPr>
+            <a:lvl6pPr marL="2514600" indent="-228600" algn="l" defTabSz="914400" rtl="0" eaLnBrk="1" latinLnBrk="0" hangingPunct="1">
+              <a:lnSpc>
+                <a:spcPct val="90000"/>
+              </a:lnSpc>
+              <a:spcBef>
+                <a:spcPts val="500"/>
+              </a:spcBef>
+              <a:buFont typeface="Arial" panose="020B0604020202020204" pitchFamily="34" charset="0"/>
+              <a:buChar char="•"/>
+              <a:defRPr sz="1800" kern="1200">
+                <a:solidFill>
+                  <a:schemeClr val="tx1"/>
+                </a:solidFill>
+                <a:latin typeface="+mn-lt"/>
+                <a:ea typeface="+mn-ea"/>
+                <a:cs typeface="+mn-cs"/>
+              </a:defRPr>
+            </a:lvl6pPr>
+            <a:lvl7pPr marL="2971800" indent="-228600" algn="l" defTabSz="914400" rtl="0" eaLnBrk="1" latinLnBrk="0" hangingPunct="1">
+              <a:lnSpc>
+                <a:spcPct val="90000"/>
+              </a:lnSpc>
+              <a:spcBef>
+                <a:spcPts val="500"/>
+              </a:spcBef>
+              <a:buFont typeface="Arial" panose="020B0604020202020204" pitchFamily="34" charset="0"/>
+              <a:buChar char="•"/>
+              <a:defRPr sz="1800" kern="1200">
+                <a:solidFill>
+                  <a:schemeClr val="tx1"/>
+                </a:solidFill>
+                <a:latin typeface="+mn-lt"/>
+                <a:ea typeface="+mn-ea"/>
+                <a:cs typeface="+mn-cs"/>
+              </a:defRPr>
+            </a:lvl7pPr>
+            <a:lvl8pPr marL="3429000" indent="-228600" algn="l" defTabSz="914400" rtl="0" eaLnBrk="1" latinLnBrk="0" hangingPunct="1">
+              <a:lnSpc>
+                <a:spcPct val="90000"/>
+              </a:lnSpc>
+              <a:spcBef>
+                <a:spcPts val="500"/>
+              </a:spcBef>
+              <a:buFont typeface="Arial" panose="020B0604020202020204" pitchFamily="34" charset="0"/>
+              <a:buChar char="•"/>
+              <a:defRPr sz="1800" kern="1200">
+                <a:solidFill>
+                  <a:schemeClr val="tx1"/>
+                </a:solidFill>
+                <a:latin typeface="+mn-lt"/>
+                <a:ea typeface="+mn-ea"/>
+                <a:cs typeface="+mn-cs"/>
+              </a:defRPr>
+            </a:lvl8pPr>
+            <a:lvl9pPr marL="3886200" indent="-228600" algn="l" defTabSz="914400" rtl="0" eaLnBrk="1" latinLnBrk="0" hangingPunct="1">
+              <a:lnSpc>
+                <a:spcPct val="90000"/>
+              </a:lnSpc>
+              <a:spcBef>
+                <a:spcPts val="500"/>
+              </a:spcBef>
+              <a:buFont typeface="Arial" panose="020B0604020202020204" pitchFamily="34" charset="0"/>
+              <a:buChar char="•"/>
+              <a:defRPr sz="1800" kern="1200">
+                <a:solidFill>
+                  <a:schemeClr val="tx1"/>
+                </a:solidFill>
+                <a:latin typeface="+mn-lt"/>
+                <a:ea typeface="+mn-ea"/>
+                <a:cs typeface="+mn-cs"/>
+              </a:defRPr>
+            </a:lvl9pPr>
+          </a:lstStyle>
+          <a:p>
+            <a:pPr marL="0" indent="0" algn="ctr">
+              <a:buNone/>
+            </a:pPr>
+            <a:r>
+              <a:rPr lang="en-US" dirty="0"/>
+              <a:t>Replica reconstruction results</a:t>
+            </a:r>
+          </a:p>
+        </p:txBody>
+      </p:sp>
+    </p:spTree>
+    <p:extLst>
+      <p:ext uri="{BB962C8B-B14F-4D97-AF65-F5344CB8AC3E}">
+        <p14:creationId xmlns:p14="http://schemas.microsoft.com/office/powerpoint/2010/main" val="894151010"/>
+      </p:ext>
+    </p:extLst>
+  </p:cSld>
+  <p:clrMapOvr>
+    <a:masterClrMapping/>
+  </p:clrMapOvr>
+  <p:transition>
+    <p:randomBar dir="vert"/>
+  </p:transition>
+</p:sld>
+</file>
+
+<file path=ppt/slides/slide21.xml><?xml version="1.0" encoding="utf-8"?>
+<p:sld xmlns:a="http://schemas.openxmlformats.org/drawingml/2006/main" xmlns:r="http://schemas.openxmlformats.org/officeDocument/2006/relationships" xmlns:p="http://schemas.openxmlformats.org/presentationml/2006/main">
+  <p:cSld>
+    <p:spTree>
+      <p:nvGrpSpPr>
+        <p:cNvPr id="1" name="">
+          <a:extLst>
+            <a:ext uri="{FF2B5EF4-FFF2-40B4-BE49-F238E27FC236}">
               <a16:creationId xmlns:a16="http://schemas.microsoft.com/office/drawing/2014/main" id="{36710BE8-4EBE-A374-A286-3B7C8BB39416}"/>
             </a:ext>
           </a:extLst>
@@ -10327,7 +11006,7 @@
 </p:sld>
 </file>
 
-<file path=ppt/slides/slide21.xml><?xml version="1.0" encoding="utf-8"?>
+<file path=ppt/slides/slide22.xml><?xml version="1.0" encoding="utf-8"?>
 <p:sld xmlns:a="http://schemas.openxmlformats.org/drawingml/2006/main" xmlns:r="http://schemas.openxmlformats.org/officeDocument/2006/relationships" xmlns:p="http://schemas.openxmlformats.org/presentationml/2006/main" showMasterSp="0">
   <p:cSld>
     <p:spTree>
